--- a/problems/longest-palindromic-substring/tutorial.pptx
+++ b/problems/longest-palindromic-substring/tutorial.pptx
@@ -8,6 +8,7 @@
     <p:sldId id="256" r:id="rId2"/>
     <p:sldId id="258" r:id="rId3"/>
     <p:sldId id="259" r:id="rId4"/>
+    <p:sldId id="260" r:id="rId5"/>
   </p:sldIdLst>
   <p:sldSz cx="12192000" cy="6858000"/>
   <p:notesSz cx="6858000" cy="9144000"/>
@@ -6286,10 +6287,10 @@
           </a:p>
           <a:p>
             <a:r>
-              <a:rPr lang="en-US" altLang="zh-CN"/>
+              <a:rPr lang="en-US" altLang="zh-CN" dirty="0"/>
               <a:t>a</a:t>
             </a:r>
-            <a:endParaRPr lang="en-CN"/>
+            <a:endParaRPr lang="en-CN" dirty="0"/>
           </a:p>
         </p:txBody>
       </p:sp>
@@ -6297,6 +6298,281 @@
     <p:extLst>
       <p:ext uri="{BB962C8B-B14F-4D97-AF65-F5344CB8AC3E}">
         <p14:creationId xmlns:p14="http://schemas.microsoft.com/office/powerpoint/2010/main" val="1259946212"/>
+      </p:ext>
+    </p:extLst>
+  </p:cSld>
+  <p:clrMapOvr>
+    <a:masterClrMapping/>
+  </p:clrMapOvr>
+</p:sld>
+</file>
+
+<file path=ppt/slides/slide4.xml><?xml version="1.0" encoding="utf-8"?>
+<p:sld xmlns:a="http://schemas.openxmlformats.org/drawingml/2006/main" xmlns:r="http://schemas.openxmlformats.org/officeDocument/2006/relationships" xmlns:p="http://schemas.openxmlformats.org/presentationml/2006/main">
+  <p:cSld>
+    <p:spTree>
+      <p:nvGrpSpPr>
+        <p:cNvPr id="1" name=""/>
+        <p:cNvGrpSpPr/>
+        <p:nvPr/>
+      </p:nvGrpSpPr>
+      <p:grpSpPr>
+        <a:xfrm>
+          <a:off x="0" y="0"/>
+          <a:ext cx="0" cy="0"/>
+          <a:chOff x="0" y="0"/>
+          <a:chExt cx="0" cy="0"/>
+        </a:xfrm>
+      </p:grpSpPr>
+      <p:sp>
+        <p:nvSpPr>
+          <p:cNvPr id="2" name="Title 1">
+            <a:extLst>
+              <a:ext uri="{FF2B5EF4-FFF2-40B4-BE49-F238E27FC236}">
+                <a16:creationId xmlns:a16="http://schemas.microsoft.com/office/drawing/2014/main" id="{75855983-63D5-6A4C-8E74-45F02E771D9B}"/>
+              </a:ext>
+            </a:extLst>
+          </p:cNvPr>
+          <p:cNvSpPr>
+            <a:spLocks noGrp="1"/>
+          </p:cNvSpPr>
+          <p:nvPr>
+            <p:ph type="title"/>
+          </p:nvPr>
+        </p:nvSpPr>
+        <p:spPr/>
+        <p:txBody>
+          <a:bodyPr/>
+          <a:lstStyle/>
+          <a:p>
+            <a:r>
+              <a:rPr lang="en-CN" dirty="0"/>
+              <a:t>目录</a:t>
+            </a:r>
+          </a:p>
+        </p:txBody>
+      </p:sp>
+      <p:sp>
+        <p:nvSpPr>
+          <p:cNvPr id="3" name="Content Placeholder 2">
+            <a:extLst>
+              <a:ext uri="{FF2B5EF4-FFF2-40B4-BE49-F238E27FC236}">
+                <a16:creationId xmlns:a16="http://schemas.microsoft.com/office/drawing/2014/main" id="{807A1B9D-1A34-C141-9CFD-5DEA24EDEDF5}"/>
+              </a:ext>
+            </a:extLst>
+          </p:cNvPr>
+          <p:cNvSpPr>
+            <a:spLocks noGrp="1"/>
+          </p:cNvSpPr>
+          <p:nvPr>
+            <p:ph idx="1"/>
+          </p:nvPr>
+        </p:nvSpPr>
+        <p:spPr/>
+        <p:txBody>
+          <a:bodyPr>
+            <a:normAutofit fontScale="92500" lnSpcReduction="20000"/>
+          </a:bodyPr>
+          <a:lstStyle/>
+          <a:p>
+            <a:pPr marL="342900" indent="-342900">
+              <a:lnSpc>
+                <a:spcPct val="150000"/>
+              </a:lnSpc>
+              <a:buFont typeface="+mj-lt"/>
+              <a:buAutoNum type="arabicPeriod"/>
+            </a:pPr>
+            <a:r>
+              <a:rPr lang="en-CN" dirty="0">
+                <a:latin typeface="SimSun" panose="02010600030101010101" pitchFamily="2" charset="-122"/>
+                <a:ea typeface="SimSun" panose="02010600030101010101" pitchFamily="2" charset="-122"/>
+              </a:rPr>
+              <a:t>什么是回文</a:t>
+            </a:r>
+            <a:r>
+              <a:rPr lang="zh-CN" altLang="en-US" dirty="0">
+                <a:latin typeface="SimSun" panose="02010600030101010101" pitchFamily="2" charset="-122"/>
+                <a:ea typeface="SimSun" panose="02010600030101010101" pitchFamily="2" charset="-122"/>
+              </a:rPr>
+              <a:t>字符串</a:t>
+            </a:r>
+            <a:endParaRPr lang="en-US" altLang="zh-CN" dirty="0">
+              <a:latin typeface="SimSun" panose="02010600030101010101" pitchFamily="2" charset="-122"/>
+              <a:ea typeface="SimSun" panose="02010600030101010101" pitchFamily="2" charset="-122"/>
+            </a:endParaRPr>
+          </a:p>
+          <a:p>
+            <a:pPr marL="342900" indent="-342900">
+              <a:lnSpc>
+                <a:spcPct val="150000"/>
+              </a:lnSpc>
+              <a:buFont typeface="+mj-lt"/>
+              <a:buAutoNum type="arabicPeriod"/>
+            </a:pPr>
+            <a:r>
+              <a:rPr lang="zh-CN" altLang="en-US" b="1" dirty="0">
+                <a:solidFill>
+                  <a:srgbClr val="FF0000"/>
+                </a:solidFill>
+                <a:latin typeface="SimSun" panose="02010600030101010101" pitchFamily="2" charset="-122"/>
+                <a:ea typeface="SimSun" panose="02010600030101010101" pitchFamily="2" charset="-122"/>
+              </a:rPr>
+              <a:t>回文字符串的重要性质</a:t>
+            </a:r>
+            <a:endParaRPr lang="en-US" altLang="zh-CN" b="1" dirty="0">
+              <a:solidFill>
+                <a:srgbClr val="FF0000"/>
+              </a:solidFill>
+              <a:latin typeface="SimSun" panose="02010600030101010101" pitchFamily="2" charset="-122"/>
+              <a:ea typeface="SimSun" panose="02010600030101010101" pitchFamily="2" charset="-122"/>
+            </a:endParaRPr>
+          </a:p>
+          <a:p>
+            <a:pPr marL="342900" indent="-342900">
+              <a:lnSpc>
+                <a:spcPct val="150000"/>
+              </a:lnSpc>
+              <a:buFont typeface="+mj-lt"/>
+              <a:buAutoNum type="arabicPeriod"/>
+            </a:pPr>
+            <a:r>
+              <a:rPr lang="zh-CN" altLang="en-US" dirty="0">
+                <a:latin typeface="SimSun" panose="02010600030101010101" pitchFamily="2" charset="-122"/>
+                <a:ea typeface="SimSun" panose="02010600030101010101" pitchFamily="2" charset="-122"/>
+              </a:rPr>
+              <a:t>搜索回文字符串</a:t>
+            </a:r>
+            <a:endParaRPr lang="en-US" altLang="zh-CN" dirty="0">
+              <a:latin typeface="SimSun" panose="02010600030101010101" pitchFamily="2" charset="-122"/>
+              <a:ea typeface="SimSun" panose="02010600030101010101" pitchFamily="2" charset="-122"/>
+            </a:endParaRPr>
+          </a:p>
+          <a:p>
+            <a:pPr marL="800100" lvl="1" indent="-342900">
+              <a:lnSpc>
+                <a:spcPct val="150000"/>
+              </a:lnSpc>
+              <a:buFont typeface="+mj-lt"/>
+              <a:buAutoNum type="arabicParenR"/>
+            </a:pPr>
+            <a:r>
+              <a:rPr lang="zh-CN" altLang="en-US" dirty="0">
+                <a:latin typeface="SimSun" panose="02010600030101010101" pitchFamily="2" charset="-122"/>
+                <a:ea typeface="SimSun" panose="02010600030101010101" pitchFamily="2" charset="-122"/>
+              </a:rPr>
+              <a:t>方法</a:t>
+            </a:r>
+            <a:r>
+              <a:rPr lang="en-US" altLang="zh-CN" dirty="0">
+                <a:latin typeface="SimSun" panose="02010600030101010101" pitchFamily="2" charset="-122"/>
+                <a:ea typeface="SimSun" panose="02010600030101010101" pitchFamily="2" charset="-122"/>
+              </a:rPr>
+              <a:t>1</a:t>
+            </a:r>
+          </a:p>
+          <a:p>
+            <a:pPr marL="800100" lvl="1" indent="-342900">
+              <a:lnSpc>
+                <a:spcPct val="150000"/>
+              </a:lnSpc>
+              <a:buFont typeface="+mj-lt"/>
+              <a:buAutoNum type="arabicParenR"/>
+            </a:pPr>
+            <a:r>
+              <a:rPr lang="en-US" dirty="0">
+                <a:latin typeface="SimSun" panose="02010600030101010101" pitchFamily="2" charset="-122"/>
+                <a:ea typeface="SimSun" panose="02010600030101010101" pitchFamily="2" charset="-122"/>
+              </a:rPr>
+              <a:t>方法</a:t>
+            </a:r>
+            <a:r>
+              <a:rPr lang="en-US" altLang="zh-CN" dirty="0">
+                <a:latin typeface="SimSun" panose="02010600030101010101" pitchFamily="2" charset="-122"/>
+                <a:ea typeface="SimSun" panose="02010600030101010101" pitchFamily="2" charset="-122"/>
+              </a:rPr>
+              <a:t>2</a:t>
+            </a:r>
+          </a:p>
+          <a:p>
+            <a:pPr marL="342900" indent="-342900">
+              <a:lnSpc>
+                <a:spcPct val="150000"/>
+              </a:lnSpc>
+              <a:buFont typeface="+mj-lt"/>
+              <a:buAutoNum type="arabicPeriod"/>
+            </a:pPr>
+            <a:r>
+              <a:rPr lang="en-CN" dirty="0">
+                <a:latin typeface="SimSun" panose="02010600030101010101" pitchFamily="2" charset="-122"/>
+                <a:ea typeface="SimSun" panose="02010600030101010101" pitchFamily="2" charset="-122"/>
+              </a:rPr>
+              <a:t>使用</a:t>
+            </a:r>
+            <a:r>
+              <a:rPr lang="en-US" altLang="zh-CN" dirty="0">
+                <a:latin typeface="SimSun" panose="02010600030101010101" pitchFamily="2" charset="-122"/>
+                <a:ea typeface="SimSun" panose="02010600030101010101" pitchFamily="2" charset="-122"/>
+              </a:rPr>
+              <a:t>Excel</a:t>
+            </a:r>
+            <a:r>
+              <a:rPr lang="zh-CN" altLang="en-US" dirty="0">
+                <a:latin typeface="SimSun" panose="02010600030101010101" pitchFamily="2" charset="-122"/>
+                <a:ea typeface="SimSun" panose="02010600030101010101" pitchFamily="2" charset="-122"/>
+              </a:rPr>
+              <a:t>可视化分析动态规划过程</a:t>
+            </a:r>
+            <a:endParaRPr lang="en-US" altLang="zh-CN" dirty="0">
+              <a:latin typeface="SimSun" panose="02010600030101010101" pitchFamily="2" charset="-122"/>
+              <a:ea typeface="SimSun" panose="02010600030101010101" pitchFamily="2" charset="-122"/>
+            </a:endParaRPr>
+          </a:p>
+          <a:p>
+            <a:pPr marL="342900" indent="-342900">
+              <a:lnSpc>
+                <a:spcPct val="150000"/>
+              </a:lnSpc>
+              <a:buFont typeface="+mj-lt"/>
+              <a:buAutoNum type="arabicPeriod"/>
+            </a:pPr>
+            <a:r>
+              <a:rPr lang="zh-CN" altLang="en-US" dirty="0">
+                <a:latin typeface="SimSun" panose="02010600030101010101" pitchFamily="2" charset="-122"/>
+                <a:ea typeface="SimSun" panose="02010600030101010101" pitchFamily="2" charset="-122"/>
+              </a:rPr>
+              <a:t>代码讲解</a:t>
+            </a:r>
+            <a:endParaRPr lang="en-US" altLang="zh-CN" dirty="0">
+              <a:latin typeface="SimSun" panose="02010600030101010101" pitchFamily="2" charset="-122"/>
+              <a:ea typeface="SimSun" panose="02010600030101010101" pitchFamily="2" charset="-122"/>
+            </a:endParaRPr>
+          </a:p>
+          <a:p>
+            <a:pPr marL="342900" indent="-342900">
+              <a:lnSpc>
+                <a:spcPct val="150000"/>
+              </a:lnSpc>
+              <a:buFont typeface="+mj-lt"/>
+              <a:buAutoNum type="arabicPeriod"/>
+            </a:pPr>
+            <a:r>
+              <a:rPr lang="zh-CN" altLang="en-US" dirty="0">
+                <a:latin typeface="SimSun" panose="02010600030101010101" pitchFamily="2" charset="-122"/>
+                <a:ea typeface="SimSun" panose="02010600030101010101" pitchFamily="2" charset="-122"/>
+              </a:rPr>
+              <a:t>总结</a:t>
+            </a:r>
+            <a:endParaRPr lang="en-CN" dirty="0">
+              <a:latin typeface="SimSun" panose="02010600030101010101" pitchFamily="2" charset="-122"/>
+              <a:ea typeface="SimSun" panose="02010600030101010101" pitchFamily="2" charset="-122"/>
+            </a:endParaRPr>
+          </a:p>
+        </p:txBody>
+      </p:sp>
+    </p:spTree>
+    <p:extLst>
+      <p:ext uri="{BB962C8B-B14F-4D97-AF65-F5344CB8AC3E}">
+        <p14:creationId xmlns:p14="http://schemas.microsoft.com/office/powerpoint/2010/main" val="3529480847"/>
       </p:ext>
     </p:extLst>
   </p:cSld>

--- a/problems/longest-palindromic-substring/tutorial.pptx
+++ b/problems/longest-palindromic-substring/tutorial.pptx
@@ -14,6 +14,9 @@
     <p:sldId id="265" r:id="rId8"/>
     <p:sldId id="266" r:id="rId9"/>
     <p:sldId id="267" r:id="rId10"/>
+    <p:sldId id="268" r:id="rId11"/>
+    <p:sldId id="269" r:id="rId12"/>
+    <p:sldId id="270" r:id="rId13"/>
   </p:sldIdLst>
   <p:sldSz cx="12192000" cy="6858000"/>
   <p:notesSz cx="6858000" cy="9144000"/>
@@ -4778,6 +4781,1570 @@
 </file>
 
 <file path=ppt/diagrams/colors7.xml><?xml version="1.0" encoding="utf-8"?>
+<dgm:colorsDef xmlns:dgm="http://schemas.openxmlformats.org/drawingml/2006/diagram" xmlns:a="http://schemas.openxmlformats.org/drawingml/2006/main" uniqueId="urn:microsoft.com/office/officeart/2005/8/colors/colorful2">
+  <dgm:title val=""/>
+  <dgm:desc val=""/>
+  <dgm:catLst>
+    <dgm:cat type="colorful" pri="10200"/>
+  </dgm:catLst>
+  <dgm:styleLbl name="node0">
+    <dgm:fillClrLst meth="repeat">
+      <a:schemeClr val="accent1"/>
+    </dgm:fillClrLst>
+    <dgm:linClrLst meth="repeat">
+      <a:schemeClr val="lt1"/>
+    </dgm:linClrLst>
+    <dgm:effectClrLst/>
+    <dgm:txLinClrLst/>
+    <dgm:txFillClrLst/>
+    <dgm:txEffectClrLst/>
+  </dgm:styleLbl>
+  <dgm:styleLbl name="node1">
+    <dgm:fillClrLst>
+      <a:schemeClr val="accent2"/>
+      <a:schemeClr val="accent3"/>
+    </dgm:fillClrLst>
+    <dgm:linClrLst meth="repeat">
+      <a:schemeClr val="lt1"/>
+    </dgm:linClrLst>
+    <dgm:effectClrLst/>
+    <dgm:txLinClrLst/>
+    <dgm:txFillClrLst/>
+    <dgm:txEffectClrLst/>
+  </dgm:styleLbl>
+  <dgm:styleLbl name="alignNode1">
+    <dgm:fillClrLst>
+      <a:schemeClr val="accent2"/>
+      <a:schemeClr val="accent3"/>
+    </dgm:fillClrLst>
+    <dgm:linClrLst>
+      <a:schemeClr val="accent2"/>
+      <a:schemeClr val="accent3"/>
+    </dgm:linClrLst>
+    <dgm:effectClrLst/>
+    <dgm:txLinClrLst/>
+    <dgm:txFillClrLst/>
+    <dgm:txEffectClrLst/>
+  </dgm:styleLbl>
+  <dgm:styleLbl name="lnNode1">
+    <dgm:fillClrLst>
+      <a:schemeClr val="accent2"/>
+      <a:schemeClr val="accent3"/>
+    </dgm:fillClrLst>
+    <dgm:linClrLst meth="repeat">
+      <a:schemeClr val="lt1"/>
+    </dgm:linClrLst>
+    <dgm:effectClrLst/>
+    <dgm:txLinClrLst/>
+    <dgm:txFillClrLst/>
+    <dgm:txEffectClrLst/>
+  </dgm:styleLbl>
+  <dgm:styleLbl name="vennNode1">
+    <dgm:fillClrLst>
+      <a:schemeClr val="accent2">
+        <a:alpha val="50000"/>
+      </a:schemeClr>
+      <a:schemeClr val="accent3">
+        <a:alpha val="50000"/>
+      </a:schemeClr>
+    </dgm:fillClrLst>
+    <dgm:linClrLst meth="repeat">
+      <a:schemeClr val="lt1"/>
+    </dgm:linClrLst>
+    <dgm:effectClrLst/>
+    <dgm:txLinClrLst/>
+    <dgm:txFillClrLst/>
+    <dgm:txEffectClrLst/>
+  </dgm:styleLbl>
+  <dgm:styleLbl name="node2">
+    <dgm:fillClrLst>
+      <a:schemeClr val="accent3"/>
+    </dgm:fillClrLst>
+    <dgm:linClrLst meth="repeat">
+      <a:schemeClr val="lt1"/>
+    </dgm:linClrLst>
+    <dgm:effectClrLst/>
+    <dgm:txLinClrLst/>
+    <dgm:txFillClrLst/>
+    <dgm:txEffectClrLst/>
+  </dgm:styleLbl>
+  <dgm:styleLbl name="node3">
+    <dgm:fillClrLst>
+      <a:schemeClr val="accent4"/>
+    </dgm:fillClrLst>
+    <dgm:linClrLst meth="repeat">
+      <a:schemeClr val="lt1"/>
+    </dgm:linClrLst>
+    <dgm:effectClrLst/>
+    <dgm:txLinClrLst/>
+    <dgm:txFillClrLst/>
+    <dgm:txEffectClrLst/>
+  </dgm:styleLbl>
+  <dgm:styleLbl name="node4">
+    <dgm:fillClrLst>
+      <a:schemeClr val="accent5"/>
+    </dgm:fillClrLst>
+    <dgm:linClrLst meth="repeat">
+      <a:schemeClr val="lt1"/>
+    </dgm:linClrLst>
+    <dgm:effectClrLst/>
+    <dgm:txLinClrLst/>
+    <dgm:txFillClrLst/>
+    <dgm:txEffectClrLst/>
+  </dgm:styleLbl>
+  <dgm:styleLbl name="fgImgPlace1">
+    <dgm:fillClrLst>
+      <a:schemeClr val="accent2">
+        <a:tint val="50000"/>
+      </a:schemeClr>
+      <a:schemeClr val="accent3">
+        <a:tint val="50000"/>
+      </a:schemeClr>
+    </dgm:fillClrLst>
+    <dgm:linClrLst meth="repeat">
+      <a:schemeClr val="lt1"/>
+    </dgm:linClrLst>
+    <dgm:effectClrLst/>
+    <dgm:txLinClrLst/>
+    <dgm:txFillClrLst meth="repeat">
+      <a:schemeClr val="lt1"/>
+    </dgm:txFillClrLst>
+    <dgm:txEffectClrLst/>
+  </dgm:styleLbl>
+  <dgm:styleLbl name="alignImgPlace1">
+    <dgm:fillClrLst>
+      <a:schemeClr val="accent2">
+        <a:tint val="50000"/>
+      </a:schemeClr>
+      <a:schemeClr val="accent3">
+        <a:tint val="20000"/>
+      </a:schemeClr>
+    </dgm:fillClrLst>
+    <dgm:linClrLst meth="repeat">
+      <a:schemeClr val="lt1"/>
+    </dgm:linClrLst>
+    <dgm:effectClrLst/>
+    <dgm:txLinClrLst/>
+    <dgm:txFillClrLst meth="repeat">
+      <a:schemeClr val="lt1"/>
+    </dgm:txFillClrLst>
+    <dgm:txEffectClrLst/>
+  </dgm:styleLbl>
+  <dgm:styleLbl name="bgImgPlace1">
+    <dgm:fillClrLst>
+      <a:schemeClr val="accent2">
+        <a:tint val="50000"/>
+      </a:schemeClr>
+      <a:schemeClr val="accent3">
+        <a:tint val="20000"/>
+      </a:schemeClr>
+    </dgm:fillClrLst>
+    <dgm:linClrLst meth="repeat">
+      <a:schemeClr val="lt1"/>
+    </dgm:linClrLst>
+    <dgm:effectClrLst/>
+    <dgm:txLinClrLst/>
+    <dgm:txFillClrLst meth="repeat">
+      <a:schemeClr val="lt1"/>
+    </dgm:txFillClrLst>
+    <dgm:txEffectClrLst/>
+  </dgm:styleLbl>
+  <dgm:styleLbl name="sibTrans2D1">
+    <dgm:fillClrLst>
+      <a:schemeClr val="accent2"/>
+      <a:schemeClr val="accent3"/>
+    </dgm:fillClrLst>
+    <dgm:linClrLst meth="repeat">
+      <a:schemeClr val="lt1"/>
+    </dgm:linClrLst>
+    <dgm:effectClrLst/>
+    <dgm:txLinClrLst/>
+    <dgm:txFillClrLst/>
+    <dgm:txEffectClrLst/>
+  </dgm:styleLbl>
+  <dgm:styleLbl name="fgSibTrans2D1">
+    <dgm:fillClrLst>
+      <a:schemeClr val="accent2"/>
+      <a:schemeClr val="accent3"/>
+    </dgm:fillClrLst>
+    <dgm:linClrLst meth="repeat">
+      <a:schemeClr val="lt1"/>
+    </dgm:linClrLst>
+    <dgm:effectClrLst/>
+    <dgm:txLinClrLst/>
+    <dgm:txFillClrLst meth="repeat">
+      <a:schemeClr val="lt1"/>
+    </dgm:txFillClrLst>
+    <dgm:txEffectClrLst/>
+  </dgm:styleLbl>
+  <dgm:styleLbl name="bgSibTrans2D1">
+    <dgm:fillClrLst>
+      <a:schemeClr val="accent2"/>
+      <a:schemeClr val="accent3"/>
+    </dgm:fillClrLst>
+    <dgm:linClrLst meth="repeat">
+      <a:schemeClr val="lt1"/>
+    </dgm:linClrLst>
+    <dgm:effectClrLst/>
+    <dgm:txLinClrLst/>
+    <dgm:txFillClrLst meth="repeat">
+      <a:schemeClr val="lt1"/>
+    </dgm:txFillClrLst>
+    <dgm:txEffectClrLst/>
+  </dgm:styleLbl>
+  <dgm:styleLbl name="sibTrans1D1">
+    <dgm:fillClrLst/>
+    <dgm:linClrLst>
+      <a:schemeClr val="accent2"/>
+      <a:schemeClr val="accent3"/>
+    </dgm:linClrLst>
+    <dgm:effectClrLst/>
+    <dgm:txLinClrLst/>
+    <dgm:txFillClrLst meth="repeat">
+      <a:schemeClr val="tx1"/>
+    </dgm:txFillClrLst>
+    <dgm:txEffectClrLst/>
+  </dgm:styleLbl>
+  <dgm:styleLbl name="callout">
+    <dgm:fillClrLst meth="repeat">
+      <a:schemeClr val="accent2"/>
+    </dgm:fillClrLst>
+    <dgm:linClrLst meth="repeat">
+      <a:schemeClr val="accent2">
+        <a:tint val="50000"/>
+      </a:schemeClr>
+    </dgm:linClrLst>
+    <dgm:effectClrLst/>
+    <dgm:txLinClrLst/>
+    <dgm:txFillClrLst meth="repeat">
+      <a:schemeClr val="tx1"/>
+    </dgm:txFillClrLst>
+    <dgm:txEffectClrLst/>
+  </dgm:styleLbl>
+  <dgm:styleLbl name="asst0">
+    <dgm:fillClrLst meth="repeat">
+      <a:schemeClr val="accent2"/>
+    </dgm:fillClrLst>
+    <dgm:linClrLst meth="repeat">
+      <a:schemeClr val="lt1">
+        <a:shade val="80000"/>
+      </a:schemeClr>
+    </dgm:linClrLst>
+    <dgm:effectClrLst/>
+    <dgm:txLinClrLst/>
+    <dgm:txFillClrLst/>
+    <dgm:txEffectClrLst/>
+  </dgm:styleLbl>
+  <dgm:styleLbl name="asst1">
+    <dgm:fillClrLst meth="repeat">
+      <a:schemeClr val="accent3"/>
+    </dgm:fillClrLst>
+    <dgm:linClrLst meth="repeat">
+      <a:schemeClr val="lt1">
+        <a:shade val="80000"/>
+      </a:schemeClr>
+    </dgm:linClrLst>
+    <dgm:effectClrLst/>
+    <dgm:txLinClrLst/>
+    <dgm:txFillClrLst/>
+    <dgm:txEffectClrLst/>
+  </dgm:styleLbl>
+  <dgm:styleLbl name="asst2">
+    <dgm:fillClrLst>
+      <a:schemeClr val="accent4"/>
+    </dgm:fillClrLst>
+    <dgm:linClrLst meth="repeat">
+      <a:schemeClr val="lt1"/>
+    </dgm:linClrLst>
+    <dgm:effectClrLst/>
+    <dgm:txLinClrLst/>
+    <dgm:txFillClrLst/>
+    <dgm:txEffectClrLst/>
+  </dgm:styleLbl>
+  <dgm:styleLbl name="asst3">
+    <dgm:fillClrLst>
+      <a:schemeClr val="accent5"/>
+    </dgm:fillClrLst>
+    <dgm:linClrLst meth="repeat">
+      <a:schemeClr val="lt1"/>
+    </dgm:linClrLst>
+    <dgm:effectClrLst/>
+    <dgm:txLinClrLst/>
+    <dgm:txFillClrLst/>
+    <dgm:txEffectClrLst/>
+  </dgm:styleLbl>
+  <dgm:styleLbl name="asst4">
+    <dgm:fillClrLst>
+      <a:schemeClr val="accent6"/>
+    </dgm:fillClrLst>
+    <dgm:linClrLst meth="repeat">
+      <a:schemeClr val="lt1"/>
+    </dgm:linClrLst>
+    <dgm:effectClrLst/>
+    <dgm:txLinClrLst/>
+    <dgm:txFillClrLst/>
+    <dgm:txEffectClrLst/>
+  </dgm:styleLbl>
+  <dgm:styleLbl name="parChTrans2D1">
+    <dgm:fillClrLst meth="repeat">
+      <a:schemeClr val="accent2"/>
+    </dgm:fillClrLst>
+    <dgm:linClrLst meth="repeat">
+      <a:schemeClr val="lt1"/>
+    </dgm:linClrLst>
+    <dgm:effectClrLst/>
+    <dgm:txLinClrLst/>
+    <dgm:txFillClrLst meth="repeat">
+      <a:schemeClr val="lt1"/>
+    </dgm:txFillClrLst>
+    <dgm:txEffectClrLst/>
+  </dgm:styleLbl>
+  <dgm:styleLbl name="parChTrans2D2">
+    <dgm:fillClrLst meth="repeat">
+      <a:schemeClr val="accent3"/>
+    </dgm:fillClrLst>
+    <dgm:linClrLst meth="repeat">
+      <a:schemeClr val="lt1"/>
+    </dgm:linClrLst>
+    <dgm:effectClrLst/>
+    <dgm:txLinClrLst/>
+    <dgm:txFillClrLst/>
+    <dgm:txEffectClrLst/>
+  </dgm:styleLbl>
+  <dgm:styleLbl name="parChTrans2D3">
+    <dgm:fillClrLst meth="repeat">
+      <a:schemeClr val="accent4"/>
+    </dgm:fillClrLst>
+    <dgm:linClrLst meth="repeat">
+      <a:schemeClr val="lt1"/>
+    </dgm:linClrLst>
+    <dgm:effectClrLst/>
+    <dgm:txLinClrLst/>
+    <dgm:txFillClrLst/>
+    <dgm:txEffectClrLst/>
+  </dgm:styleLbl>
+  <dgm:styleLbl name="parChTrans2D4">
+    <dgm:fillClrLst meth="repeat">
+      <a:schemeClr val="accent5"/>
+    </dgm:fillClrLst>
+    <dgm:linClrLst meth="repeat">
+      <a:schemeClr val="lt1"/>
+    </dgm:linClrLst>
+    <dgm:effectClrLst/>
+    <dgm:txLinClrLst/>
+    <dgm:txFillClrLst meth="repeat">
+      <a:schemeClr val="lt1"/>
+    </dgm:txFillClrLst>
+    <dgm:txEffectClrLst/>
+  </dgm:styleLbl>
+  <dgm:styleLbl name="parChTrans1D1">
+    <dgm:fillClrLst meth="repeat">
+      <a:schemeClr val="accent2"/>
+    </dgm:fillClrLst>
+    <dgm:linClrLst meth="repeat">
+      <a:schemeClr val="accent2"/>
+    </dgm:linClrLst>
+    <dgm:effectClrLst/>
+    <dgm:txLinClrLst/>
+    <dgm:txFillClrLst meth="repeat">
+      <a:schemeClr val="tx1"/>
+    </dgm:txFillClrLst>
+    <dgm:txEffectClrLst/>
+  </dgm:styleLbl>
+  <dgm:styleLbl name="parChTrans1D2">
+    <dgm:fillClrLst meth="repeat">
+      <a:schemeClr val="accent2">
+        <a:tint val="90000"/>
+      </a:schemeClr>
+    </dgm:fillClrLst>
+    <dgm:linClrLst meth="repeat">
+      <a:schemeClr val="accent3"/>
+    </dgm:linClrLst>
+    <dgm:effectClrLst/>
+    <dgm:txLinClrLst/>
+    <dgm:txFillClrLst meth="repeat">
+      <a:schemeClr val="tx1"/>
+    </dgm:txFillClrLst>
+    <dgm:txEffectClrLst/>
+  </dgm:styleLbl>
+  <dgm:styleLbl name="parChTrans1D3">
+    <dgm:fillClrLst meth="repeat">
+      <a:schemeClr val="accent2">
+        <a:tint val="70000"/>
+      </a:schemeClr>
+    </dgm:fillClrLst>
+    <dgm:linClrLst meth="repeat">
+      <a:schemeClr val="accent4"/>
+    </dgm:linClrLst>
+    <dgm:effectClrLst/>
+    <dgm:txLinClrLst/>
+    <dgm:txFillClrLst meth="repeat">
+      <a:schemeClr val="tx1"/>
+    </dgm:txFillClrLst>
+    <dgm:txEffectClrLst/>
+  </dgm:styleLbl>
+  <dgm:styleLbl name="parChTrans1D4">
+    <dgm:fillClrLst meth="repeat">
+      <a:schemeClr val="accent2">
+        <a:tint val="50000"/>
+      </a:schemeClr>
+    </dgm:fillClrLst>
+    <dgm:linClrLst meth="repeat">
+      <a:schemeClr val="accent5"/>
+    </dgm:linClrLst>
+    <dgm:effectClrLst/>
+    <dgm:txLinClrLst/>
+    <dgm:txFillClrLst meth="repeat">
+      <a:schemeClr val="tx1"/>
+    </dgm:txFillClrLst>
+    <dgm:txEffectClrLst/>
+  </dgm:styleLbl>
+  <dgm:styleLbl name="fgAcc1">
+    <dgm:fillClrLst meth="repeat">
+      <a:schemeClr val="lt1">
+        <a:alpha val="90000"/>
+      </a:schemeClr>
+    </dgm:fillClrLst>
+    <dgm:linClrLst>
+      <a:schemeClr val="accent2"/>
+      <a:schemeClr val="accent3"/>
+    </dgm:linClrLst>
+    <dgm:effectClrLst/>
+    <dgm:txLinClrLst/>
+    <dgm:txFillClrLst meth="repeat">
+      <a:schemeClr val="dk1"/>
+    </dgm:txFillClrLst>
+    <dgm:txEffectClrLst/>
+  </dgm:styleLbl>
+  <dgm:styleLbl name="conFgAcc1">
+    <dgm:fillClrLst meth="repeat">
+      <a:schemeClr val="lt1">
+        <a:alpha val="90000"/>
+      </a:schemeClr>
+    </dgm:fillClrLst>
+    <dgm:linClrLst>
+      <a:schemeClr val="accent2"/>
+      <a:schemeClr val="accent3"/>
+    </dgm:linClrLst>
+    <dgm:effectClrLst/>
+    <dgm:txLinClrLst/>
+    <dgm:txFillClrLst meth="repeat">
+      <a:schemeClr val="dk1"/>
+    </dgm:txFillClrLst>
+    <dgm:txEffectClrLst/>
+  </dgm:styleLbl>
+  <dgm:styleLbl name="alignAcc1">
+    <dgm:fillClrLst meth="repeat">
+      <a:schemeClr val="lt1">
+        <a:alpha val="90000"/>
+      </a:schemeClr>
+    </dgm:fillClrLst>
+    <dgm:linClrLst>
+      <a:schemeClr val="accent2"/>
+      <a:schemeClr val="accent3"/>
+    </dgm:linClrLst>
+    <dgm:effectClrLst/>
+    <dgm:txLinClrLst/>
+    <dgm:txFillClrLst meth="repeat">
+      <a:schemeClr val="dk1"/>
+    </dgm:txFillClrLst>
+    <dgm:txEffectClrLst/>
+  </dgm:styleLbl>
+  <dgm:styleLbl name="trAlignAcc1">
+    <dgm:fillClrLst meth="repeat">
+      <a:schemeClr val="lt1">
+        <a:alpha val="40000"/>
+      </a:schemeClr>
+    </dgm:fillClrLst>
+    <dgm:linClrLst meth="repeat">
+      <a:schemeClr val="accent2"/>
+    </dgm:linClrLst>
+    <dgm:effectClrLst/>
+    <dgm:txLinClrLst/>
+    <dgm:txFillClrLst meth="repeat">
+      <a:schemeClr val="dk1"/>
+    </dgm:txFillClrLst>
+    <dgm:txEffectClrLst/>
+  </dgm:styleLbl>
+  <dgm:styleLbl name="bgAcc1">
+    <dgm:fillClrLst meth="repeat">
+      <a:schemeClr val="lt1">
+        <a:alpha val="90000"/>
+      </a:schemeClr>
+    </dgm:fillClrLst>
+    <dgm:linClrLst>
+      <a:schemeClr val="accent2"/>
+      <a:schemeClr val="accent3"/>
+    </dgm:linClrLst>
+    <dgm:effectClrLst/>
+    <dgm:txLinClrLst/>
+    <dgm:txFillClrLst meth="repeat">
+      <a:schemeClr val="dk1"/>
+    </dgm:txFillClrLst>
+    <dgm:txEffectClrLst/>
+  </dgm:styleLbl>
+  <dgm:styleLbl name="solidFgAcc1">
+    <dgm:fillClrLst meth="repeat">
+      <a:schemeClr val="lt1"/>
+    </dgm:fillClrLst>
+    <dgm:linClrLst>
+      <a:schemeClr val="accent2"/>
+      <a:schemeClr val="accent3"/>
+    </dgm:linClrLst>
+    <dgm:effectClrLst/>
+    <dgm:txLinClrLst/>
+    <dgm:txFillClrLst meth="repeat">
+      <a:schemeClr val="dk1"/>
+    </dgm:txFillClrLst>
+    <dgm:txEffectClrLst/>
+  </dgm:styleLbl>
+  <dgm:styleLbl name="solidAlignAcc1">
+    <dgm:fillClrLst meth="repeat">
+      <a:schemeClr val="lt1"/>
+    </dgm:fillClrLst>
+    <dgm:linClrLst>
+      <a:schemeClr val="accent2"/>
+      <a:schemeClr val="accent3"/>
+    </dgm:linClrLst>
+    <dgm:effectClrLst/>
+    <dgm:txLinClrLst/>
+    <dgm:txFillClrLst meth="repeat">
+      <a:schemeClr val="dk1"/>
+    </dgm:txFillClrLst>
+    <dgm:txEffectClrLst/>
+  </dgm:styleLbl>
+  <dgm:styleLbl name="solidBgAcc1">
+    <dgm:fillClrLst meth="repeat">
+      <a:schemeClr val="lt1"/>
+    </dgm:fillClrLst>
+    <dgm:linClrLst>
+      <a:schemeClr val="accent2"/>
+      <a:schemeClr val="accent3"/>
+    </dgm:linClrLst>
+    <dgm:effectClrLst/>
+    <dgm:txLinClrLst/>
+    <dgm:txFillClrLst meth="repeat">
+      <a:schemeClr val="dk1"/>
+    </dgm:txFillClrLst>
+    <dgm:txEffectClrLst/>
+  </dgm:styleLbl>
+  <dgm:styleLbl name="fgAccFollowNode1">
+    <dgm:fillClrLst>
+      <a:schemeClr val="accent2">
+        <a:tint val="40000"/>
+        <a:alpha val="90000"/>
+      </a:schemeClr>
+      <a:schemeClr val="accent3">
+        <a:tint val="40000"/>
+        <a:alpha val="90000"/>
+      </a:schemeClr>
+    </dgm:fillClrLst>
+    <dgm:linClrLst>
+      <a:schemeClr val="accent2">
+        <a:tint val="40000"/>
+        <a:alpha val="90000"/>
+      </a:schemeClr>
+      <a:schemeClr val="accent3">
+        <a:tint val="40000"/>
+        <a:alpha val="90000"/>
+      </a:schemeClr>
+    </dgm:linClrLst>
+    <dgm:effectClrLst/>
+    <dgm:txLinClrLst/>
+    <dgm:txFillClrLst meth="repeat">
+      <a:schemeClr val="dk1"/>
+    </dgm:txFillClrLst>
+    <dgm:txEffectClrLst/>
+  </dgm:styleLbl>
+  <dgm:styleLbl name="alignAccFollowNode1">
+    <dgm:fillClrLst>
+      <a:schemeClr val="accent2">
+        <a:tint val="40000"/>
+        <a:alpha val="90000"/>
+      </a:schemeClr>
+      <a:schemeClr val="accent3">
+        <a:tint val="40000"/>
+        <a:alpha val="90000"/>
+      </a:schemeClr>
+    </dgm:fillClrLst>
+    <dgm:linClrLst>
+      <a:schemeClr val="accent2">
+        <a:tint val="40000"/>
+        <a:alpha val="90000"/>
+      </a:schemeClr>
+      <a:schemeClr val="accent3">
+        <a:tint val="40000"/>
+        <a:alpha val="90000"/>
+      </a:schemeClr>
+    </dgm:linClrLst>
+    <dgm:effectClrLst/>
+    <dgm:txLinClrLst/>
+    <dgm:txFillClrLst meth="repeat">
+      <a:schemeClr val="dk1"/>
+    </dgm:txFillClrLst>
+    <dgm:txEffectClrLst/>
+  </dgm:styleLbl>
+  <dgm:styleLbl name="bgAccFollowNode1">
+    <dgm:fillClrLst>
+      <a:schemeClr val="accent2">
+        <a:tint val="40000"/>
+        <a:alpha val="90000"/>
+      </a:schemeClr>
+      <a:schemeClr val="accent3">
+        <a:tint val="40000"/>
+        <a:alpha val="90000"/>
+      </a:schemeClr>
+    </dgm:fillClrLst>
+    <dgm:linClrLst>
+      <a:schemeClr val="accent2">
+        <a:tint val="40000"/>
+        <a:alpha val="90000"/>
+      </a:schemeClr>
+      <a:schemeClr val="accent3">
+        <a:tint val="40000"/>
+        <a:alpha val="90000"/>
+      </a:schemeClr>
+    </dgm:linClrLst>
+    <dgm:effectClrLst/>
+    <dgm:txLinClrLst/>
+    <dgm:txFillClrLst meth="repeat">
+      <a:schemeClr val="dk1"/>
+    </dgm:txFillClrLst>
+    <dgm:txEffectClrLst/>
+  </dgm:styleLbl>
+  <dgm:styleLbl name="fgAcc0">
+    <dgm:fillClrLst meth="repeat">
+      <a:schemeClr val="lt1">
+        <a:alpha val="90000"/>
+      </a:schemeClr>
+    </dgm:fillClrLst>
+    <dgm:linClrLst>
+      <a:schemeClr val="accent1"/>
+    </dgm:linClrLst>
+    <dgm:effectClrLst/>
+    <dgm:txLinClrLst/>
+    <dgm:txFillClrLst meth="repeat">
+      <a:schemeClr val="dk1"/>
+    </dgm:txFillClrLst>
+    <dgm:txEffectClrLst/>
+  </dgm:styleLbl>
+  <dgm:styleLbl name="fgAcc2">
+    <dgm:fillClrLst meth="repeat">
+      <a:schemeClr val="lt1">
+        <a:alpha val="90000"/>
+      </a:schemeClr>
+    </dgm:fillClrLst>
+    <dgm:linClrLst>
+      <a:schemeClr val="accent3"/>
+    </dgm:linClrLst>
+    <dgm:effectClrLst/>
+    <dgm:txLinClrLst/>
+    <dgm:txFillClrLst meth="repeat">
+      <a:schemeClr val="dk1"/>
+    </dgm:txFillClrLst>
+    <dgm:txEffectClrLst/>
+  </dgm:styleLbl>
+  <dgm:styleLbl name="fgAcc3">
+    <dgm:fillClrLst meth="repeat">
+      <a:schemeClr val="lt1">
+        <a:alpha val="90000"/>
+      </a:schemeClr>
+    </dgm:fillClrLst>
+    <dgm:linClrLst>
+      <a:schemeClr val="accent4"/>
+    </dgm:linClrLst>
+    <dgm:effectClrLst/>
+    <dgm:txLinClrLst/>
+    <dgm:txFillClrLst meth="repeat">
+      <a:schemeClr val="dk1"/>
+    </dgm:txFillClrLst>
+    <dgm:txEffectClrLst/>
+  </dgm:styleLbl>
+  <dgm:styleLbl name="fgAcc4">
+    <dgm:fillClrLst meth="repeat">
+      <a:schemeClr val="lt1">
+        <a:alpha val="90000"/>
+      </a:schemeClr>
+    </dgm:fillClrLst>
+    <dgm:linClrLst>
+      <a:schemeClr val="accent5"/>
+    </dgm:linClrLst>
+    <dgm:effectClrLst/>
+    <dgm:txLinClrLst/>
+    <dgm:txFillClrLst meth="repeat">
+      <a:schemeClr val="dk1"/>
+    </dgm:txFillClrLst>
+    <dgm:txEffectClrLst/>
+  </dgm:styleLbl>
+  <dgm:styleLbl name="bgShp">
+    <dgm:fillClrLst meth="repeat">
+      <a:schemeClr val="accent2">
+        <a:tint val="40000"/>
+      </a:schemeClr>
+    </dgm:fillClrLst>
+    <dgm:linClrLst meth="repeat">
+      <a:schemeClr val="dk1"/>
+    </dgm:linClrLst>
+    <dgm:effectClrLst/>
+    <dgm:txLinClrLst/>
+    <dgm:txFillClrLst meth="repeat">
+      <a:schemeClr val="dk1"/>
+    </dgm:txFillClrLst>
+    <dgm:txEffectClrLst/>
+  </dgm:styleLbl>
+  <dgm:styleLbl name="dkBgShp">
+    <dgm:fillClrLst meth="repeat">
+      <a:schemeClr val="accent2">
+        <a:shade val="90000"/>
+      </a:schemeClr>
+    </dgm:fillClrLst>
+    <dgm:linClrLst meth="repeat">
+      <a:schemeClr val="dk1"/>
+    </dgm:linClrLst>
+    <dgm:effectClrLst/>
+    <dgm:txLinClrLst/>
+    <dgm:txFillClrLst meth="repeat">
+      <a:schemeClr val="lt1"/>
+    </dgm:txFillClrLst>
+    <dgm:txEffectClrLst/>
+  </dgm:styleLbl>
+  <dgm:styleLbl name="trBgShp">
+    <dgm:fillClrLst meth="repeat">
+      <a:schemeClr val="accent2">
+        <a:tint val="50000"/>
+        <a:alpha val="40000"/>
+      </a:schemeClr>
+    </dgm:fillClrLst>
+    <dgm:linClrLst meth="repeat">
+      <a:schemeClr val="accent2"/>
+    </dgm:linClrLst>
+    <dgm:effectClrLst/>
+    <dgm:txLinClrLst/>
+    <dgm:txFillClrLst meth="repeat">
+      <a:schemeClr val="lt1"/>
+    </dgm:txFillClrLst>
+    <dgm:txEffectClrLst/>
+  </dgm:styleLbl>
+  <dgm:styleLbl name="fgShp">
+    <dgm:fillClrLst meth="repeat">
+      <a:schemeClr val="accent2">
+        <a:tint val="40000"/>
+      </a:schemeClr>
+    </dgm:fillClrLst>
+    <dgm:linClrLst meth="repeat">
+      <a:schemeClr val="lt1"/>
+    </dgm:linClrLst>
+    <dgm:effectClrLst/>
+    <dgm:txLinClrLst/>
+    <dgm:txFillClrLst meth="repeat">
+      <a:schemeClr val="dk1"/>
+    </dgm:txFillClrLst>
+    <dgm:txEffectClrLst/>
+  </dgm:styleLbl>
+  <dgm:styleLbl name="revTx">
+    <dgm:fillClrLst meth="repeat">
+      <a:schemeClr val="lt1">
+        <a:alpha val="0"/>
+      </a:schemeClr>
+    </dgm:fillClrLst>
+    <dgm:linClrLst meth="repeat">
+      <a:schemeClr val="dk1">
+        <a:alpha val="0"/>
+      </a:schemeClr>
+    </dgm:linClrLst>
+    <dgm:effectClrLst/>
+    <dgm:txLinClrLst/>
+    <dgm:txFillClrLst meth="repeat">
+      <a:schemeClr val="tx1"/>
+    </dgm:txFillClrLst>
+    <dgm:txEffectClrLst/>
+  </dgm:styleLbl>
+</dgm:colorsDef>
+</file>
+
+<file path=ppt/diagrams/colors8.xml><?xml version="1.0" encoding="utf-8"?>
+<dgm:colorsDef xmlns:dgm="http://schemas.openxmlformats.org/drawingml/2006/diagram" xmlns:a="http://schemas.openxmlformats.org/drawingml/2006/main" uniqueId="urn:microsoft.com/office/officeart/2005/8/colors/colorful2">
+  <dgm:title val=""/>
+  <dgm:desc val=""/>
+  <dgm:catLst>
+    <dgm:cat type="colorful" pri="10200"/>
+  </dgm:catLst>
+  <dgm:styleLbl name="node0">
+    <dgm:fillClrLst meth="repeat">
+      <a:schemeClr val="accent1"/>
+    </dgm:fillClrLst>
+    <dgm:linClrLst meth="repeat">
+      <a:schemeClr val="lt1"/>
+    </dgm:linClrLst>
+    <dgm:effectClrLst/>
+    <dgm:txLinClrLst/>
+    <dgm:txFillClrLst/>
+    <dgm:txEffectClrLst/>
+  </dgm:styleLbl>
+  <dgm:styleLbl name="node1">
+    <dgm:fillClrLst>
+      <a:schemeClr val="accent2"/>
+      <a:schemeClr val="accent3"/>
+    </dgm:fillClrLst>
+    <dgm:linClrLst meth="repeat">
+      <a:schemeClr val="lt1"/>
+    </dgm:linClrLst>
+    <dgm:effectClrLst/>
+    <dgm:txLinClrLst/>
+    <dgm:txFillClrLst/>
+    <dgm:txEffectClrLst/>
+  </dgm:styleLbl>
+  <dgm:styleLbl name="alignNode1">
+    <dgm:fillClrLst>
+      <a:schemeClr val="accent2"/>
+      <a:schemeClr val="accent3"/>
+    </dgm:fillClrLst>
+    <dgm:linClrLst>
+      <a:schemeClr val="accent2"/>
+      <a:schemeClr val="accent3"/>
+    </dgm:linClrLst>
+    <dgm:effectClrLst/>
+    <dgm:txLinClrLst/>
+    <dgm:txFillClrLst/>
+    <dgm:txEffectClrLst/>
+  </dgm:styleLbl>
+  <dgm:styleLbl name="lnNode1">
+    <dgm:fillClrLst>
+      <a:schemeClr val="accent2"/>
+      <a:schemeClr val="accent3"/>
+    </dgm:fillClrLst>
+    <dgm:linClrLst meth="repeat">
+      <a:schemeClr val="lt1"/>
+    </dgm:linClrLst>
+    <dgm:effectClrLst/>
+    <dgm:txLinClrLst/>
+    <dgm:txFillClrLst/>
+    <dgm:txEffectClrLst/>
+  </dgm:styleLbl>
+  <dgm:styleLbl name="vennNode1">
+    <dgm:fillClrLst>
+      <a:schemeClr val="accent2">
+        <a:alpha val="50000"/>
+      </a:schemeClr>
+      <a:schemeClr val="accent3">
+        <a:alpha val="50000"/>
+      </a:schemeClr>
+    </dgm:fillClrLst>
+    <dgm:linClrLst meth="repeat">
+      <a:schemeClr val="lt1"/>
+    </dgm:linClrLst>
+    <dgm:effectClrLst/>
+    <dgm:txLinClrLst/>
+    <dgm:txFillClrLst/>
+    <dgm:txEffectClrLst/>
+  </dgm:styleLbl>
+  <dgm:styleLbl name="node2">
+    <dgm:fillClrLst>
+      <a:schemeClr val="accent3"/>
+    </dgm:fillClrLst>
+    <dgm:linClrLst meth="repeat">
+      <a:schemeClr val="lt1"/>
+    </dgm:linClrLst>
+    <dgm:effectClrLst/>
+    <dgm:txLinClrLst/>
+    <dgm:txFillClrLst/>
+    <dgm:txEffectClrLst/>
+  </dgm:styleLbl>
+  <dgm:styleLbl name="node3">
+    <dgm:fillClrLst>
+      <a:schemeClr val="accent4"/>
+    </dgm:fillClrLst>
+    <dgm:linClrLst meth="repeat">
+      <a:schemeClr val="lt1"/>
+    </dgm:linClrLst>
+    <dgm:effectClrLst/>
+    <dgm:txLinClrLst/>
+    <dgm:txFillClrLst/>
+    <dgm:txEffectClrLst/>
+  </dgm:styleLbl>
+  <dgm:styleLbl name="node4">
+    <dgm:fillClrLst>
+      <a:schemeClr val="accent5"/>
+    </dgm:fillClrLst>
+    <dgm:linClrLst meth="repeat">
+      <a:schemeClr val="lt1"/>
+    </dgm:linClrLst>
+    <dgm:effectClrLst/>
+    <dgm:txLinClrLst/>
+    <dgm:txFillClrLst/>
+    <dgm:txEffectClrLst/>
+  </dgm:styleLbl>
+  <dgm:styleLbl name="fgImgPlace1">
+    <dgm:fillClrLst>
+      <a:schemeClr val="accent2">
+        <a:tint val="50000"/>
+      </a:schemeClr>
+      <a:schemeClr val="accent3">
+        <a:tint val="50000"/>
+      </a:schemeClr>
+    </dgm:fillClrLst>
+    <dgm:linClrLst meth="repeat">
+      <a:schemeClr val="lt1"/>
+    </dgm:linClrLst>
+    <dgm:effectClrLst/>
+    <dgm:txLinClrLst/>
+    <dgm:txFillClrLst meth="repeat">
+      <a:schemeClr val="lt1"/>
+    </dgm:txFillClrLst>
+    <dgm:txEffectClrLst/>
+  </dgm:styleLbl>
+  <dgm:styleLbl name="alignImgPlace1">
+    <dgm:fillClrLst>
+      <a:schemeClr val="accent2">
+        <a:tint val="50000"/>
+      </a:schemeClr>
+      <a:schemeClr val="accent3">
+        <a:tint val="20000"/>
+      </a:schemeClr>
+    </dgm:fillClrLst>
+    <dgm:linClrLst meth="repeat">
+      <a:schemeClr val="lt1"/>
+    </dgm:linClrLst>
+    <dgm:effectClrLst/>
+    <dgm:txLinClrLst/>
+    <dgm:txFillClrLst meth="repeat">
+      <a:schemeClr val="lt1"/>
+    </dgm:txFillClrLst>
+    <dgm:txEffectClrLst/>
+  </dgm:styleLbl>
+  <dgm:styleLbl name="bgImgPlace1">
+    <dgm:fillClrLst>
+      <a:schemeClr val="accent2">
+        <a:tint val="50000"/>
+      </a:schemeClr>
+      <a:schemeClr val="accent3">
+        <a:tint val="20000"/>
+      </a:schemeClr>
+    </dgm:fillClrLst>
+    <dgm:linClrLst meth="repeat">
+      <a:schemeClr val="lt1"/>
+    </dgm:linClrLst>
+    <dgm:effectClrLst/>
+    <dgm:txLinClrLst/>
+    <dgm:txFillClrLst meth="repeat">
+      <a:schemeClr val="lt1"/>
+    </dgm:txFillClrLst>
+    <dgm:txEffectClrLst/>
+  </dgm:styleLbl>
+  <dgm:styleLbl name="sibTrans2D1">
+    <dgm:fillClrLst>
+      <a:schemeClr val="accent2"/>
+      <a:schemeClr val="accent3"/>
+    </dgm:fillClrLst>
+    <dgm:linClrLst meth="repeat">
+      <a:schemeClr val="lt1"/>
+    </dgm:linClrLst>
+    <dgm:effectClrLst/>
+    <dgm:txLinClrLst/>
+    <dgm:txFillClrLst/>
+    <dgm:txEffectClrLst/>
+  </dgm:styleLbl>
+  <dgm:styleLbl name="fgSibTrans2D1">
+    <dgm:fillClrLst>
+      <a:schemeClr val="accent2"/>
+      <a:schemeClr val="accent3"/>
+    </dgm:fillClrLst>
+    <dgm:linClrLst meth="repeat">
+      <a:schemeClr val="lt1"/>
+    </dgm:linClrLst>
+    <dgm:effectClrLst/>
+    <dgm:txLinClrLst/>
+    <dgm:txFillClrLst meth="repeat">
+      <a:schemeClr val="lt1"/>
+    </dgm:txFillClrLst>
+    <dgm:txEffectClrLst/>
+  </dgm:styleLbl>
+  <dgm:styleLbl name="bgSibTrans2D1">
+    <dgm:fillClrLst>
+      <a:schemeClr val="accent2"/>
+      <a:schemeClr val="accent3"/>
+    </dgm:fillClrLst>
+    <dgm:linClrLst meth="repeat">
+      <a:schemeClr val="lt1"/>
+    </dgm:linClrLst>
+    <dgm:effectClrLst/>
+    <dgm:txLinClrLst/>
+    <dgm:txFillClrLst meth="repeat">
+      <a:schemeClr val="lt1"/>
+    </dgm:txFillClrLst>
+    <dgm:txEffectClrLst/>
+  </dgm:styleLbl>
+  <dgm:styleLbl name="sibTrans1D1">
+    <dgm:fillClrLst/>
+    <dgm:linClrLst>
+      <a:schemeClr val="accent2"/>
+      <a:schemeClr val="accent3"/>
+    </dgm:linClrLst>
+    <dgm:effectClrLst/>
+    <dgm:txLinClrLst/>
+    <dgm:txFillClrLst meth="repeat">
+      <a:schemeClr val="tx1"/>
+    </dgm:txFillClrLst>
+    <dgm:txEffectClrLst/>
+  </dgm:styleLbl>
+  <dgm:styleLbl name="callout">
+    <dgm:fillClrLst meth="repeat">
+      <a:schemeClr val="accent2"/>
+    </dgm:fillClrLst>
+    <dgm:linClrLst meth="repeat">
+      <a:schemeClr val="accent2">
+        <a:tint val="50000"/>
+      </a:schemeClr>
+    </dgm:linClrLst>
+    <dgm:effectClrLst/>
+    <dgm:txLinClrLst/>
+    <dgm:txFillClrLst meth="repeat">
+      <a:schemeClr val="tx1"/>
+    </dgm:txFillClrLst>
+    <dgm:txEffectClrLst/>
+  </dgm:styleLbl>
+  <dgm:styleLbl name="asst0">
+    <dgm:fillClrLst meth="repeat">
+      <a:schemeClr val="accent2"/>
+    </dgm:fillClrLst>
+    <dgm:linClrLst meth="repeat">
+      <a:schemeClr val="lt1">
+        <a:shade val="80000"/>
+      </a:schemeClr>
+    </dgm:linClrLst>
+    <dgm:effectClrLst/>
+    <dgm:txLinClrLst/>
+    <dgm:txFillClrLst/>
+    <dgm:txEffectClrLst/>
+  </dgm:styleLbl>
+  <dgm:styleLbl name="asst1">
+    <dgm:fillClrLst meth="repeat">
+      <a:schemeClr val="accent3"/>
+    </dgm:fillClrLst>
+    <dgm:linClrLst meth="repeat">
+      <a:schemeClr val="lt1">
+        <a:shade val="80000"/>
+      </a:schemeClr>
+    </dgm:linClrLst>
+    <dgm:effectClrLst/>
+    <dgm:txLinClrLst/>
+    <dgm:txFillClrLst/>
+    <dgm:txEffectClrLst/>
+  </dgm:styleLbl>
+  <dgm:styleLbl name="asst2">
+    <dgm:fillClrLst>
+      <a:schemeClr val="accent4"/>
+    </dgm:fillClrLst>
+    <dgm:linClrLst meth="repeat">
+      <a:schemeClr val="lt1"/>
+    </dgm:linClrLst>
+    <dgm:effectClrLst/>
+    <dgm:txLinClrLst/>
+    <dgm:txFillClrLst/>
+    <dgm:txEffectClrLst/>
+  </dgm:styleLbl>
+  <dgm:styleLbl name="asst3">
+    <dgm:fillClrLst>
+      <a:schemeClr val="accent5"/>
+    </dgm:fillClrLst>
+    <dgm:linClrLst meth="repeat">
+      <a:schemeClr val="lt1"/>
+    </dgm:linClrLst>
+    <dgm:effectClrLst/>
+    <dgm:txLinClrLst/>
+    <dgm:txFillClrLst/>
+    <dgm:txEffectClrLst/>
+  </dgm:styleLbl>
+  <dgm:styleLbl name="asst4">
+    <dgm:fillClrLst>
+      <a:schemeClr val="accent6"/>
+    </dgm:fillClrLst>
+    <dgm:linClrLst meth="repeat">
+      <a:schemeClr val="lt1"/>
+    </dgm:linClrLst>
+    <dgm:effectClrLst/>
+    <dgm:txLinClrLst/>
+    <dgm:txFillClrLst/>
+    <dgm:txEffectClrLst/>
+  </dgm:styleLbl>
+  <dgm:styleLbl name="parChTrans2D1">
+    <dgm:fillClrLst meth="repeat">
+      <a:schemeClr val="accent2"/>
+    </dgm:fillClrLst>
+    <dgm:linClrLst meth="repeat">
+      <a:schemeClr val="lt1"/>
+    </dgm:linClrLst>
+    <dgm:effectClrLst/>
+    <dgm:txLinClrLst/>
+    <dgm:txFillClrLst meth="repeat">
+      <a:schemeClr val="lt1"/>
+    </dgm:txFillClrLst>
+    <dgm:txEffectClrLst/>
+  </dgm:styleLbl>
+  <dgm:styleLbl name="parChTrans2D2">
+    <dgm:fillClrLst meth="repeat">
+      <a:schemeClr val="accent3"/>
+    </dgm:fillClrLst>
+    <dgm:linClrLst meth="repeat">
+      <a:schemeClr val="lt1"/>
+    </dgm:linClrLst>
+    <dgm:effectClrLst/>
+    <dgm:txLinClrLst/>
+    <dgm:txFillClrLst/>
+    <dgm:txEffectClrLst/>
+  </dgm:styleLbl>
+  <dgm:styleLbl name="parChTrans2D3">
+    <dgm:fillClrLst meth="repeat">
+      <a:schemeClr val="accent4"/>
+    </dgm:fillClrLst>
+    <dgm:linClrLst meth="repeat">
+      <a:schemeClr val="lt1"/>
+    </dgm:linClrLst>
+    <dgm:effectClrLst/>
+    <dgm:txLinClrLst/>
+    <dgm:txFillClrLst/>
+    <dgm:txEffectClrLst/>
+  </dgm:styleLbl>
+  <dgm:styleLbl name="parChTrans2D4">
+    <dgm:fillClrLst meth="repeat">
+      <a:schemeClr val="accent5"/>
+    </dgm:fillClrLst>
+    <dgm:linClrLst meth="repeat">
+      <a:schemeClr val="lt1"/>
+    </dgm:linClrLst>
+    <dgm:effectClrLst/>
+    <dgm:txLinClrLst/>
+    <dgm:txFillClrLst meth="repeat">
+      <a:schemeClr val="lt1"/>
+    </dgm:txFillClrLst>
+    <dgm:txEffectClrLst/>
+  </dgm:styleLbl>
+  <dgm:styleLbl name="parChTrans1D1">
+    <dgm:fillClrLst meth="repeat">
+      <a:schemeClr val="accent2"/>
+    </dgm:fillClrLst>
+    <dgm:linClrLst meth="repeat">
+      <a:schemeClr val="accent2"/>
+    </dgm:linClrLst>
+    <dgm:effectClrLst/>
+    <dgm:txLinClrLst/>
+    <dgm:txFillClrLst meth="repeat">
+      <a:schemeClr val="tx1"/>
+    </dgm:txFillClrLst>
+    <dgm:txEffectClrLst/>
+  </dgm:styleLbl>
+  <dgm:styleLbl name="parChTrans1D2">
+    <dgm:fillClrLst meth="repeat">
+      <a:schemeClr val="accent2">
+        <a:tint val="90000"/>
+      </a:schemeClr>
+    </dgm:fillClrLst>
+    <dgm:linClrLst meth="repeat">
+      <a:schemeClr val="accent3"/>
+    </dgm:linClrLst>
+    <dgm:effectClrLst/>
+    <dgm:txLinClrLst/>
+    <dgm:txFillClrLst meth="repeat">
+      <a:schemeClr val="tx1"/>
+    </dgm:txFillClrLst>
+    <dgm:txEffectClrLst/>
+  </dgm:styleLbl>
+  <dgm:styleLbl name="parChTrans1D3">
+    <dgm:fillClrLst meth="repeat">
+      <a:schemeClr val="accent2">
+        <a:tint val="70000"/>
+      </a:schemeClr>
+    </dgm:fillClrLst>
+    <dgm:linClrLst meth="repeat">
+      <a:schemeClr val="accent4"/>
+    </dgm:linClrLst>
+    <dgm:effectClrLst/>
+    <dgm:txLinClrLst/>
+    <dgm:txFillClrLst meth="repeat">
+      <a:schemeClr val="tx1"/>
+    </dgm:txFillClrLst>
+    <dgm:txEffectClrLst/>
+  </dgm:styleLbl>
+  <dgm:styleLbl name="parChTrans1D4">
+    <dgm:fillClrLst meth="repeat">
+      <a:schemeClr val="accent2">
+        <a:tint val="50000"/>
+      </a:schemeClr>
+    </dgm:fillClrLst>
+    <dgm:linClrLst meth="repeat">
+      <a:schemeClr val="accent5"/>
+    </dgm:linClrLst>
+    <dgm:effectClrLst/>
+    <dgm:txLinClrLst/>
+    <dgm:txFillClrLst meth="repeat">
+      <a:schemeClr val="tx1"/>
+    </dgm:txFillClrLst>
+    <dgm:txEffectClrLst/>
+  </dgm:styleLbl>
+  <dgm:styleLbl name="fgAcc1">
+    <dgm:fillClrLst meth="repeat">
+      <a:schemeClr val="lt1">
+        <a:alpha val="90000"/>
+      </a:schemeClr>
+    </dgm:fillClrLst>
+    <dgm:linClrLst>
+      <a:schemeClr val="accent2"/>
+      <a:schemeClr val="accent3"/>
+    </dgm:linClrLst>
+    <dgm:effectClrLst/>
+    <dgm:txLinClrLst/>
+    <dgm:txFillClrLst meth="repeat">
+      <a:schemeClr val="dk1"/>
+    </dgm:txFillClrLst>
+    <dgm:txEffectClrLst/>
+  </dgm:styleLbl>
+  <dgm:styleLbl name="conFgAcc1">
+    <dgm:fillClrLst meth="repeat">
+      <a:schemeClr val="lt1">
+        <a:alpha val="90000"/>
+      </a:schemeClr>
+    </dgm:fillClrLst>
+    <dgm:linClrLst>
+      <a:schemeClr val="accent2"/>
+      <a:schemeClr val="accent3"/>
+    </dgm:linClrLst>
+    <dgm:effectClrLst/>
+    <dgm:txLinClrLst/>
+    <dgm:txFillClrLst meth="repeat">
+      <a:schemeClr val="dk1"/>
+    </dgm:txFillClrLst>
+    <dgm:txEffectClrLst/>
+  </dgm:styleLbl>
+  <dgm:styleLbl name="alignAcc1">
+    <dgm:fillClrLst meth="repeat">
+      <a:schemeClr val="lt1">
+        <a:alpha val="90000"/>
+      </a:schemeClr>
+    </dgm:fillClrLst>
+    <dgm:linClrLst>
+      <a:schemeClr val="accent2"/>
+      <a:schemeClr val="accent3"/>
+    </dgm:linClrLst>
+    <dgm:effectClrLst/>
+    <dgm:txLinClrLst/>
+    <dgm:txFillClrLst meth="repeat">
+      <a:schemeClr val="dk1"/>
+    </dgm:txFillClrLst>
+    <dgm:txEffectClrLst/>
+  </dgm:styleLbl>
+  <dgm:styleLbl name="trAlignAcc1">
+    <dgm:fillClrLst meth="repeat">
+      <a:schemeClr val="lt1">
+        <a:alpha val="40000"/>
+      </a:schemeClr>
+    </dgm:fillClrLst>
+    <dgm:linClrLst meth="repeat">
+      <a:schemeClr val="accent2"/>
+    </dgm:linClrLst>
+    <dgm:effectClrLst/>
+    <dgm:txLinClrLst/>
+    <dgm:txFillClrLst meth="repeat">
+      <a:schemeClr val="dk1"/>
+    </dgm:txFillClrLst>
+    <dgm:txEffectClrLst/>
+  </dgm:styleLbl>
+  <dgm:styleLbl name="bgAcc1">
+    <dgm:fillClrLst meth="repeat">
+      <a:schemeClr val="lt1">
+        <a:alpha val="90000"/>
+      </a:schemeClr>
+    </dgm:fillClrLst>
+    <dgm:linClrLst>
+      <a:schemeClr val="accent2"/>
+      <a:schemeClr val="accent3"/>
+    </dgm:linClrLst>
+    <dgm:effectClrLst/>
+    <dgm:txLinClrLst/>
+    <dgm:txFillClrLst meth="repeat">
+      <a:schemeClr val="dk1"/>
+    </dgm:txFillClrLst>
+    <dgm:txEffectClrLst/>
+  </dgm:styleLbl>
+  <dgm:styleLbl name="solidFgAcc1">
+    <dgm:fillClrLst meth="repeat">
+      <a:schemeClr val="lt1"/>
+    </dgm:fillClrLst>
+    <dgm:linClrLst>
+      <a:schemeClr val="accent2"/>
+      <a:schemeClr val="accent3"/>
+    </dgm:linClrLst>
+    <dgm:effectClrLst/>
+    <dgm:txLinClrLst/>
+    <dgm:txFillClrLst meth="repeat">
+      <a:schemeClr val="dk1"/>
+    </dgm:txFillClrLst>
+    <dgm:txEffectClrLst/>
+  </dgm:styleLbl>
+  <dgm:styleLbl name="solidAlignAcc1">
+    <dgm:fillClrLst meth="repeat">
+      <a:schemeClr val="lt1"/>
+    </dgm:fillClrLst>
+    <dgm:linClrLst>
+      <a:schemeClr val="accent2"/>
+      <a:schemeClr val="accent3"/>
+    </dgm:linClrLst>
+    <dgm:effectClrLst/>
+    <dgm:txLinClrLst/>
+    <dgm:txFillClrLst meth="repeat">
+      <a:schemeClr val="dk1"/>
+    </dgm:txFillClrLst>
+    <dgm:txEffectClrLst/>
+  </dgm:styleLbl>
+  <dgm:styleLbl name="solidBgAcc1">
+    <dgm:fillClrLst meth="repeat">
+      <a:schemeClr val="lt1"/>
+    </dgm:fillClrLst>
+    <dgm:linClrLst>
+      <a:schemeClr val="accent2"/>
+      <a:schemeClr val="accent3"/>
+    </dgm:linClrLst>
+    <dgm:effectClrLst/>
+    <dgm:txLinClrLst/>
+    <dgm:txFillClrLst meth="repeat">
+      <a:schemeClr val="dk1"/>
+    </dgm:txFillClrLst>
+    <dgm:txEffectClrLst/>
+  </dgm:styleLbl>
+  <dgm:styleLbl name="fgAccFollowNode1">
+    <dgm:fillClrLst>
+      <a:schemeClr val="accent2">
+        <a:tint val="40000"/>
+        <a:alpha val="90000"/>
+      </a:schemeClr>
+      <a:schemeClr val="accent3">
+        <a:tint val="40000"/>
+        <a:alpha val="90000"/>
+      </a:schemeClr>
+    </dgm:fillClrLst>
+    <dgm:linClrLst>
+      <a:schemeClr val="accent2">
+        <a:tint val="40000"/>
+        <a:alpha val="90000"/>
+      </a:schemeClr>
+      <a:schemeClr val="accent3">
+        <a:tint val="40000"/>
+        <a:alpha val="90000"/>
+      </a:schemeClr>
+    </dgm:linClrLst>
+    <dgm:effectClrLst/>
+    <dgm:txLinClrLst/>
+    <dgm:txFillClrLst meth="repeat">
+      <a:schemeClr val="dk1"/>
+    </dgm:txFillClrLst>
+    <dgm:txEffectClrLst/>
+  </dgm:styleLbl>
+  <dgm:styleLbl name="alignAccFollowNode1">
+    <dgm:fillClrLst>
+      <a:schemeClr val="accent2">
+        <a:tint val="40000"/>
+        <a:alpha val="90000"/>
+      </a:schemeClr>
+      <a:schemeClr val="accent3">
+        <a:tint val="40000"/>
+        <a:alpha val="90000"/>
+      </a:schemeClr>
+    </dgm:fillClrLst>
+    <dgm:linClrLst>
+      <a:schemeClr val="accent2">
+        <a:tint val="40000"/>
+        <a:alpha val="90000"/>
+      </a:schemeClr>
+      <a:schemeClr val="accent3">
+        <a:tint val="40000"/>
+        <a:alpha val="90000"/>
+      </a:schemeClr>
+    </dgm:linClrLst>
+    <dgm:effectClrLst/>
+    <dgm:txLinClrLst/>
+    <dgm:txFillClrLst meth="repeat">
+      <a:schemeClr val="dk1"/>
+    </dgm:txFillClrLst>
+    <dgm:txEffectClrLst/>
+  </dgm:styleLbl>
+  <dgm:styleLbl name="bgAccFollowNode1">
+    <dgm:fillClrLst>
+      <a:schemeClr val="accent2">
+        <a:tint val="40000"/>
+        <a:alpha val="90000"/>
+      </a:schemeClr>
+      <a:schemeClr val="accent3">
+        <a:tint val="40000"/>
+        <a:alpha val="90000"/>
+      </a:schemeClr>
+    </dgm:fillClrLst>
+    <dgm:linClrLst>
+      <a:schemeClr val="accent2">
+        <a:tint val="40000"/>
+        <a:alpha val="90000"/>
+      </a:schemeClr>
+      <a:schemeClr val="accent3">
+        <a:tint val="40000"/>
+        <a:alpha val="90000"/>
+      </a:schemeClr>
+    </dgm:linClrLst>
+    <dgm:effectClrLst/>
+    <dgm:txLinClrLst/>
+    <dgm:txFillClrLst meth="repeat">
+      <a:schemeClr val="dk1"/>
+    </dgm:txFillClrLst>
+    <dgm:txEffectClrLst/>
+  </dgm:styleLbl>
+  <dgm:styleLbl name="fgAcc0">
+    <dgm:fillClrLst meth="repeat">
+      <a:schemeClr val="lt1">
+        <a:alpha val="90000"/>
+      </a:schemeClr>
+    </dgm:fillClrLst>
+    <dgm:linClrLst>
+      <a:schemeClr val="accent1"/>
+    </dgm:linClrLst>
+    <dgm:effectClrLst/>
+    <dgm:txLinClrLst/>
+    <dgm:txFillClrLst meth="repeat">
+      <a:schemeClr val="dk1"/>
+    </dgm:txFillClrLst>
+    <dgm:txEffectClrLst/>
+  </dgm:styleLbl>
+  <dgm:styleLbl name="fgAcc2">
+    <dgm:fillClrLst meth="repeat">
+      <a:schemeClr val="lt1">
+        <a:alpha val="90000"/>
+      </a:schemeClr>
+    </dgm:fillClrLst>
+    <dgm:linClrLst>
+      <a:schemeClr val="accent3"/>
+    </dgm:linClrLst>
+    <dgm:effectClrLst/>
+    <dgm:txLinClrLst/>
+    <dgm:txFillClrLst meth="repeat">
+      <a:schemeClr val="dk1"/>
+    </dgm:txFillClrLst>
+    <dgm:txEffectClrLst/>
+  </dgm:styleLbl>
+  <dgm:styleLbl name="fgAcc3">
+    <dgm:fillClrLst meth="repeat">
+      <a:schemeClr val="lt1">
+        <a:alpha val="90000"/>
+      </a:schemeClr>
+    </dgm:fillClrLst>
+    <dgm:linClrLst>
+      <a:schemeClr val="accent4"/>
+    </dgm:linClrLst>
+    <dgm:effectClrLst/>
+    <dgm:txLinClrLst/>
+    <dgm:txFillClrLst meth="repeat">
+      <a:schemeClr val="dk1"/>
+    </dgm:txFillClrLst>
+    <dgm:txEffectClrLst/>
+  </dgm:styleLbl>
+  <dgm:styleLbl name="fgAcc4">
+    <dgm:fillClrLst meth="repeat">
+      <a:schemeClr val="lt1">
+        <a:alpha val="90000"/>
+      </a:schemeClr>
+    </dgm:fillClrLst>
+    <dgm:linClrLst>
+      <a:schemeClr val="accent5"/>
+    </dgm:linClrLst>
+    <dgm:effectClrLst/>
+    <dgm:txLinClrLst/>
+    <dgm:txFillClrLst meth="repeat">
+      <a:schemeClr val="dk1"/>
+    </dgm:txFillClrLst>
+    <dgm:txEffectClrLst/>
+  </dgm:styleLbl>
+  <dgm:styleLbl name="bgShp">
+    <dgm:fillClrLst meth="repeat">
+      <a:schemeClr val="accent2">
+        <a:tint val="40000"/>
+      </a:schemeClr>
+    </dgm:fillClrLst>
+    <dgm:linClrLst meth="repeat">
+      <a:schemeClr val="dk1"/>
+    </dgm:linClrLst>
+    <dgm:effectClrLst/>
+    <dgm:txLinClrLst/>
+    <dgm:txFillClrLst meth="repeat">
+      <a:schemeClr val="dk1"/>
+    </dgm:txFillClrLst>
+    <dgm:txEffectClrLst/>
+  </dgm:styleLbl>
+  <dgm:styleLbl name="dkBgShp">
+    <dgm:fillClrLst meth="repeat">
+      <a:schemeClr val="accent2">
+        <a:shade val="90000"/>
+      </a:schemeClr>
+    </dgm:fillClrLst>
+    <dgm:linClrLst meth="repeat">
+      <a:schemeClr val="dk1"/>
+    </dgm:linClrLst>
+    <dgm:effectClrLst/>
+    <dgm:txLinClrLst/>
+    <dgm:txFillClrLst meth="repeat">
+      <a:schemeClr val="lt1"/>
+    </dgm:txFillClrLst>
+    <dgm:txEffectClrLst/>
+  </dgm:styleLbl>
+  <dgm:styleLbl name="trBgShp">
+    <dgm:fillClrLst meth="repeat">
+      <a:schemeClr val="accent2">
+        <a:tint val="50000"/>
+        <a:alpha val="40000"/>
+      </a:schemeClr>
+    </dgm:fillClrLst>
+    <dgm:linClrLst meth="repeat">
+      <a:schemeClr val="accent2"/>
+    </dgm:linClrLst>
+    <dgm:effectClrLst/>
+    <dgm:txLinClrLst/>
+    <dgm:txFillClrLst meth="repeat">
+      <a:schemeClr val="lt1"/>
+    </dgm:txFillClrLst>
+    <dgm:txEffectClrLst/>
+  </dgm:styleLbl>
+  <dgm:styleLbl name="fgShp">
+    <dgm:fillClrLst meth="repeat">
+      <a:schemeClr val="accent2">
+        <a:tint val="40000"/>
+      </a:schemeClr>
+    </dgm:fillClrLst>
+    <dgm:linClrLst meth="repeat">
+      <a:schemeClr val="lt1"/>
+    </dgm:linClrLst>
+    <dgm:effectClrLst/>
+    <dgm:txLinClrLst/>
+    <dgm:txFillClrLst meth="repeat">
+      <a:schemeClr val="dk1"/>
+    </dgm:txFillClrLst>
+    <dgm:txEffectClrLst/>
+  </dgm:styleLbl>
+  <dgm:styleLbl name="revTx">
+    <dgm:fillClrLst meth="repeat">
+      <a:schemeClr val="lt1">
+        <a:alpha val="0"/>
+      </a:schemeClr>
+    </dgm:fillClrLst>
+    <dgm:linClrLst meth="repeat">
+      <a:schemeClr val="dk1">
+        <a:alpha val="0"/>
+      </a:schemeClr>
+    </dgm:linClrLst>
+    <dgm:effectClrLst/>
+    <dgm:txLinClrLst/>
+    <dgm:txFillClrLst meth="repeat">
+      <a:schemeClr val="tx1"/>
+    </dgm:txFillClrLst>
+    <dgm:txEffectClrLst/>
+  </dgm:styleLbl>
+</dgm:colorsDef>
+</file>
+
+<file path=ppt/diagrams/colors9.xml><?xml version="1.0" encoding="utf-8"?>
 <dgm:colorsDef xmlns:dgm="http://schemas.openxmlformats.org/drawingml/2006/diagram" xmlns:a="http://schemas.openxmlformats.org/drawingml/2006/main" uniqueId="urn:microsoft.com/office/officeart/2005/8/colors/colorful2">
   <dgm:title val=""/>
   <dgm:desc val=""/>
@@ -6019,7 +7586,7 @@
 <dgm:dataModel xmlns:dgm="http://schemas.openxmlformats.org/drawingml/2006/diagram" xmlns:a="http://schemas.openxmlformats.org/drawingml/2006/main">
   <dgm:ptLst>
     <dgm:pt modelId="{4DACB77B-49BD-486C-8192-F436EE496D72}" type="doc">
-      <dgm:prSet loTypeId="urn:microsoft.com/office/officeart/2005/8/layout/vList5" loCatId="list" qsTypeId="urn:microsoft.com/office/officeart/2005/8/quickstyle/simple4" qsCatId="simple" csTypeId="urn:microsoft.com/office/officeart/2005/8/colors/colorful5" csCatId="colorful"/>
+      <dgm:prSet loTypeId="urn:microsoft.com/office/officeart/2005/8/layout/vList5" loCatId="list" qsTypeId="urn:microsoft.com/office/officeart/2005/8/quickstyle/simple4" qsCatId="simple" csTypeId="urn:microsoft.com/office/officeart/2005/8/colors/colorful5" csCatId="colorful" phldr="1"/>
       <dgm:spPr/>
       <dgm:t>
         <a:bodyPr/>
@@ -6073,7 +7640,7 @@
         <a:lstStyle/>
         <a:p>
           <a:r>
-            <a:rPr lang="en-US"/>
+            <a:rPr lang="en-US" dirty="0"/>
             <a:t>aa</a:t>
           </a:r>
         </a:p>
@@ -6145,7 +7712,7 @@
         <a:lstStyle/>
         <a:p>
           <a:r>
-            <a:rPr lang="en-US"/>
+            <a:rPr lang="en-US" dirty="0"/>
             <a:t>abba</a:t>
           </a:r>
         </a:p>
@@ -6181,7 +7748,7 @@
         <a:lstStyle/>
         <a:p>
           <a:r>
-            <a:rPr lang="en-US"/>
+            <a:rPr lang="en-US" dirty="0"/>
             <a:t>a</a:t>
           </a:r>
         </a:p>
@@ -6209,6 +7776,57 @@
         </a:p>
       </dgm:t>
     </dgm:pt>
+    <dgm:pt modelId="{33806E86-5FAC-4C41-B6CD-C95FE94473F0}">
+      <dgm:prSet/>
+      <dgm:spPr/>
+      <dgm:t>
+        <a:bodyPr/>
+        <a:lstStyle/>
+        <a:p>
+          <a:r>
+            <a:rPr lang="en-US" dirty="0" err="1"/>
+            <a:t>a</a:t>
+          </a:r>
+          <a:r>
+            <a:rPr lang="en-US" dirty="0" err="1">
+              <a:solidFill>
+                <a:schemeClr val="tx2">
+                  <a:lumMod val="50000"/>
+                </a:schemeClr>
+              </a:solidFill>
+            </a:rPr>
+            <a:t>bcdcb</a:t>
+          </a:r>
+          <a:r>
+            <a:rPr lang="en-US" dirty="0" err="1"/>
+            <a:t>ef</a:t>
+          </a:r>
+          <a:endParaRPr lang="en-US" dirty="0"/>
+        </a:p>
+      </dgm:t>
+    </dgm:pt>
+    <dgm:pt modelId="{6F7675F3-3FEC-463D-AAB8-168DEBF03812}" type="parTrans" cxnId="{DB078250-DB1E-4167-9DE3-9E86D4B660B9}">
+      <dgm:prSet/>
+      <dgm:spPr/>
+      <dgm:t>
+        <a:bodyPr/>
+        <a:lstStyle/>
+        <a:p>
+          <a:endParaRPr lang="en-US"/>
+        </a:p>
+      </dgm:t>
+    </dgm:pt>
+    <dgm:pt modelId="{FE529BB7-BB0F-4807-A8F5-C292EB33571E}" type="sibTrans" cxnId="{DB078250-DB1E-4167-9DE3-9E86D4B660B9}">
+      <dgm:prSet/>
+      <dgm:spPr/>
+      <dgm:t>
+        <a:bodyPr/>
+        <a:lstStyle/>
+        <a:p>
+          <a:endParaRPr lang="en-US"/>
+        </a:p>
+      </dgm:t>
+    </dgm:pt>
     <dgm:pt modelId="{277D8519-54B7-3E4D-BB63-E4E60BBBFDD6}" type="pres">
       <dgm:prSet presAssocID="{4DACB77B-49BD-486C-8192-F436EE496D72}" presName="Name0" presStyleCnt="0">
         <dgm:presLayoutVars>
@@ -6224,7 +7842,7 @@
       <dgm:spPr/>
     </dgm:pt>
     <dgm:pt modelId="{89B4C842-F50A-3740-B10B-DEEF819D1D08}" type="pres">
-      <dgm:prSet presAssocID="{04A77419-B860-49FB-B090-FFE7ECA06BA2}" presName="parentText" presStyleLbl="node1" presStyleIdx="0" presStyleCnt="5">
+      <dgm:prSet presAssocID="{04A77419-B860-49FB-B090-FFE7ECA06BA2}" presName="parentText" presStyleLbl="node1" presStyleIdx="0" presStyleCnt="6">
         <dgm:presLayoutVars>
           <dgm:chMax val="1"/>
           <dgm:bulletEnabled val="1"/>
@@ -6241,7 +7859,7 @@
       <dgm:spPr/>
     </dgm:pt>
     <dgm:pt modelId="{04D9BB2A-338B-BC41-B863-70E4A8356516}" type="pres">
-      <dgm:prSet presAssocID="{6E63CCDC-5A21-4085-BB3F-CB0F3313419A}" presName="parentText" presStyleLbl="node1" presStyleIdx="1" presStyleCnt="5">
+      <dgm:prSet presAssocID="{6E63CCDC-5A21-4085-BB3F-CB0F3313419A}" presName="parentText" presStyleLbl="node1" presStyleIdx="1" presStyleCnt="6">
         <dgm:presLayoutVars>
           <dgm:chMax val="1"/>
           <dgm:bulletEnabled val="1"/>
@@ -6258,7 +7876,7 @@
       <dgm:spPr/>
     </dgm:pt>
     <dgm:pt modelId="{5A318154-FC5C-FA40-BA3C-D6DD63F2D4D2}" type="pres">
-      <dgm:prSet presAssocID="{50521404-3B13-4912-9BA5-EFEAA507ACEB}" presName="parentText" presStyleLbl="node1" presStyleIdx="2" presStyleCnt="5">
+      <dgm:prSet presAssocID="{50521404-3B13-4912-9BA5-EFEAA507ACEB}" presName="parentText" presStyleLbl="node1" presStyleIdx="2" presStyleCnt="6">
         <dgm:presLayoutVars>
           <dgm:chMax val="1"/>
           <dgm:bulletEnabled val="1"/>
@@ -6275,7 +7893,7 @@
       <dgm:spPr/>
     </dgm:pt>
     <dgm:pt modelId="{92325E00-3E9C-9648-B097-7E909E438B2D}" type="pres">
-      <dgm:prSet presAssocID="{EB275535-4A29-425B-8920-735D7439B912}" presName="parentText" presStyleLbl="node1" presStyleIdx="3" presStyleCnt="5">
+      <dgm:prSet presAssocID="{EB275535-4A29-425B-8920-735D7439B912}" presName="parentText" presStyleLbl="node1" presStyleIdx="3" presStyleCnt="6">
         <dgm:presLayoutVars>
           <dgm:chMax val="1"/>
           <dgm:bulletEnabled val="1"/>
@@ -6292,7 +7910,24 @@
       <dgm:spPr/>
     </dgm:pt>
     <dgm:pt modelId="{D020B8C6-3554-F742-AA33-277C83DE2795}" type="pres">
-      <dgm:prSet presAssocID="{316EBF37-7828-4E9B-B765-F856930BAF46}" presName="parentText" presStyleLbl="node1" presStyleIdx="4" presStyleCnt="5">
+      <dgm:prSet presAssocID="{316EBF37-7828-4E9B-B765-F856930BAF46}" presName="parentText" presStyleLbl="node1" presStyleIdx="4" presStyleCnt="6">
+        <dgm:presLayoutVars>
+          <dgm:chMax val="1"/>
+          <dgm:bulletEnabled val="1"/>
+        </dgm:presLayoutVars>
+      </dgm:prSet>
+      <dgm:spPr/>
+    </dgm:pt>
+    <dgm:pt modelId="{47B2F8B9-8D46-4700-BF96-560B0AA46DF8}" type="pres">
+      <dgm:prSet presAssocID="{A2C0B565-21C9-41EC-8620-79339809B33E}" presName="sp" presStyleCnt="0"/>
+      <dgm:spPr/>
+    </dgm:pt>
+    <dgm:pt modelId="{830761F5-2A64-4890-8E39-CD00FE6E5DE0}" type="pres">
+      <dgm:prSet presAssocID="{33806E86-5FAC-4C41-B6CD-C95FE94473F0}" presName="linNode" presStyleCnt="0"/>
+      <dgm:spPr/>
+    </dgm:pt>
+    <dgm:pt modelId="{575748B0-1492-4744-9848-F1087F15FF05}" type="pres">
+      <dgm:prSet presAssocID="{33806E86-5FAC-4C41-B6CD-C95FE94473F0}" presName="parentText" presStyleLbl="node1" presStyleIdx="5" presStyleCnt="6">
         <dgm:presLayoutVars>
           <dgm:chMax val="1"/>
           <dgm:bulletEnabled val="1"/>
@@ -6307,9 +7942,11 @@
     <dgm:cxn modelId="{CD64270C-0762-4489-9F4E-33C309158236}" srcId="{4DACB77B-49BD-486C-8192-F436EE496D72}" destId="{04A77419-B860-49FB-B090-FFE7ECA06BA2}" srcOrd="0" destOrd="0" parTransId="{DE907ACA-655C-429F-AC14-8BB843BD1676}" sibTransId="{DA09BB93-69AD-42C7-A1D1-B4293641B963}"/>
     <dgm:cxn modelId="{8E6CFD1A-C40F-864C-991E-BE5FCE0235A9}" type="presOf" srcId="{316EBF37-7828-4E9B-B765-F856930BAF46}" destId="{D020B8C6-3554-F742-AA33-277C83DE2795}" srcOrd="0" destOrd="0" presId="urn:microsoft.com/office/officeart/2005/8/layout/vList5"/>
     <dgm:cxn modelId="{EB6BE132-23B5-4480-90DB-B3D2B59A3086}" srcId="{4DACB77B-49BD-486C-8192-F436EE496D72}" destId="{EB275535-4A29-425B-8920-735D7439B912}" srcOrd="3" destOrd="0" parTransId="{4DD816CB-098D-4126-9403-4AA396D3BDD8}" sibTransId="{0BB342AE-7AD7-4A11-B84F-D68CB69E1A36}"/>
+    <dgm:cxn modelId="{F698363A-00F1-47D0-844C-C21679075436}" type="presOf" srcId="{33806E86-5FAC-4C41-B6CD-C95FE94473F0}" destId="{575748B0-1492-4744-9848-F1087F15FF05}" srcOrd="0" destOrd="0" presId="urn:microsoft.com/office/officeart/2005/8/layout/vList5"/>
     <dgm:cxn modelId="{27DC833B-ED60-DB4B-90FB-1E667D5E74B0}" type="presOf" srcId="{4DACB77B-49BD-486C-8192-F436EE496D72}" destId="{277D8519-54B7-3E4D-BB63-E4E60BBBFDD6}" srcOrd="0" destOrd="0" presId="urn:microsoft.com/office/officeart/2005/8/layout/vList5"/>
+    <dgm:cxn modelId="{DB078250-DB1E-4167-9DE3-9E86D4B660B9}" srcId="{4DACB77B-49BD-486C-8192-F436EE496D72}" destId="{33806E86-5FAC-4C41-B6CD-C95FE94473F0}" srcOrd="5" destOrd="0" parTransId="{6F7675F3-3FEC-463D-AAB8-168DEBF03812}" sibTransId="{FE529BB7-BB0F-4807-A8F5-C292EB33571E}"/>
+    <dgm:cxn modelId="{17287672-0B34-2F45-82B8-2BE54CC9643C}" type="presOf" srcId="{04A77419-B860-49FB-B090-FFE7ECA06BA2}" destId="{89B4C842-F50A-3740-B10B-DEEF819D1D08}" srcOrd="0" destOrd="0" presId="urn:microsoft.com/office/officeart/2005/8/layout/vList5"/>
     <dgm:cxn modelId="{601A4057-EF70-4656-B464-3CED3A59CD74}" srcId="{4DACB77B-49BD-486C-8192-F436EE496D72}" destId="{6E63CCDC-5A21-4085-BB3F-CB0F3313419A}" srcOrd="1" destOrd="0" parTransId="{42D0A89E-04BF-4FEC-ADF6-056BE3590E27}" sibTransId="{C6B4232A-0694-4A59-94EE-E3D82CDCCEEA}"/>
-    <dgm:cxn modelId="{17287672-0B34-2F45-82B8-2BE54CC9643C}" type="presOf" srcId="{04A77419-B860-49FB-B090-FFE7ECA06BA2}" destId="{89B4C842-F50A-3740-B10B-DEEF819D1D08}" srcOrd="0" destOrd="0" presId="urn:microsoft.com/office/officeart/2005/8/layout/vList5"/>
     <dgm:cxn modelId="{00C236A2-6FEE-3443-AE06-44057B3AAC67}" type="presOf" srcId="{50521404-3B13-4912-9BA5-EFEAA507ACEB}" destId="{5A318154-FC5C-FA40-BA3C-D6DD63F2D4D2}" srcOrd="0" destOrd="0" presId="urn:microsoft.com/office/officeart/2005/8/layout/vList5"/>
     <dgm:cxn modelId="{872C4AAA-D58B-244B-A4AA-E382A41A4F69}" type="presOf" srcId="{6E63CCDC-5A21-4085-BB3F-CB0F3313419A}" destId="{04D9BB2A-338B-BC41-B863-70E4A8356516}" srcOrd="0" destOrd="0" presId="urn:microsoft.com/office/officeart/2005/8/layout/vList5"/>
     <dgm:cxn modelId="{3AD610AD-DB03-4B4C-BD6B-6FB066B3E404}" srcId="{4DACB77B-49BD-486C-8192-F436EE496D72}" destId="{316EBF37-7828-4E9B-B765-F856930BAF46}" srcOrd="4" destOrd="0" parTransId="{076123D6-40A0-435F-B33D-E80B8F3BAC2C}" sibTransId="{A2C0B565-21C9-41EC-8620-79339809B33E}"/>
@@ -6327,6 +7964,9 @@
     <dgm:cxn modelId="{DF5E6D52-C51E-2746-B7EB-D6344A449295}" type="presParOf" srcId="{277D8519-54B7-3E4D-BB63-E4E60BBBFDD6}" destId="{3AC82E20-71C3-E441-B405-20A44A868D7A}" srcOrd="7" destOrd="0" presId="urn:microsoft.com/office/officeart/2005/8/layout/vList5"/>
     <dgm:cxn modelId="{BD70C147-FF23-544D-B780-43FF138EA0A4}" type="presParOf" srcId="{277D8519-54B7-3E4D-BB63-E4E60BBBFDD6}" destId="{71A5A9CF-0917-3B4F-928A-E5D12AA2B929}" srcOrd="8" destOrd="0" presId="urn:microsoft.com/office/officeart/2005/8/layout/vList5"/>
     <dgm:cxn modelId="{54826487-9871-A045-A756-045DF67382F0}" type="presParOf" srcId="{71A5A9CF-0917-3B4F-928A-E5D12AA2B929}" destId="{D020B8C6-3554-F742-AA33-277C83DE2795}" srcOrd="0" destOrd="0" presId="urn:microsoft.com/office/officeart/2005/8/layout/vList5"/>
+    <dgm:cxn modelId="{2099495E-9452-4747-8700-9E769EF07E0A}" type="presParOf" srcId="{277D8519-54B7-3E4D-BB63-E4E60BBBFDD6}" destId="{47B2F8B9-8D46-4700-BF96-560B0AA46DF8}" srcOrd="9" destOrd="0" presId="urn:microsoft.com/office/officeart/2005/8/layout/vList5"/>
+    <dgm:cxn modelId="{21FDDDB4-8F23-4F97-8D21-012AAA1CA31E}" type="presParOf" srcId="{277D8519-54B7-3E4D-BB63-E4E60BBBFDD6}" destId="{830761F5-2A64-4890-8E39-CD00FE6E5DE0}" srcOrd="10" destOrd="0" presId="urn:microsoft.com/office/officeart/2005/8/layout/vList5"/>
+    <dgm:cxn modelId="{4A56D2D5-7CC6-4FBE-9B3E-256EBE262953}" type="presParOf" srcId="{830761F5-2A64-4890-8E39-CD00FE6E5DE0}" destId="{575748B0-1492-4744-9848-F1087F15FF05}" srcOrd="0" destOrd="0" presId="urn:microsoft.com/office/officeart/2005/8/layout/vList5"/>
   </dgm:cxnLst>
   <dgm:bg/>
   <dgm:whole/>
@@ -7096,11 +8736,11 @@
   </dgm:ptLst>
   <dgm:cxnLst>
     <dgm:cxn modelId="{62F13612-C77C-4944-B161-27FF9730CE75}" type="presOf" srcId="{DC6F015A-FC0A-400C-854E-AFA80F9A110E}" destId="{E90B364F-2946-9D49-9477-27AF16777F7F}" srcOrd="1" destOrd="0" presId="urn:microsoft.com/office/officeart/2005/8/layout/list1"/>
+    <dgm:cxn modelId="{448C4360-E03B-E940-860F-57949AFD437B}" type="presOf" srcId="{7D5C31C0-0BA8-4877-A903-A7976773FF6E}" destId="{ECBC1FD4-1FEF-2343-8B93-32062BAA600B}" srcOrd="1" destOrd="0" presId="urn:microsoft.com/office/officeart/2005/8/layout/list1"/>
     <dgm:cxn modelId="{074C8848-B0A3-4FE8-BB7F-61F8CF02F1E3}" srcId="{3E24CE54-C222-4A07-91C5-DDFA8BA12754}" destId="{DCD4FCBC-F65E-4377-86D7-E73F06E67B0E}" srcOrd="0" destOrd="0" parTransId="{268A56D9-9E5A-4797-B710-C77345A83ABE}" sibTransId="{D2DA9987-5F01-4B51-9CE9-4E4E3596B5F7}"/>
-    <dgm:cxn modelId="{2CC01D5A-A5C1-834C-AE88-58EBA90C3FA8}" type="presOf" srcId="{28FDA1D4-E8A8-4AFC-8564-9175AA47B403}" destId="{C1EB95B1-F363-4C4F-A36C-E533DAC59887}" srcOrd="0" destOrd="0" presId="urn:microsoft.com/office/officeart/2005/8/layout/list1"/>
-    <dgm:cxn modelId="{448C4360-E03B-E940-860F-57949AFD437B}" type="presOf" srcId="{7D5C31C0-0BA8-4877-A903-A7976773FF6E}" destId="{ECBC1FD4-1FEF-2343-8B93-32062BAA600B}" srcOrd="1" destOrd="0" presId="urn:microsoft.com/office/officeart/2005/8/layout/list1"/>
     <dgm:cxn modelId="{64E8FD6F-3E8D-4CFD-B171-B0A8C4C2C8DA}" srcId="{DCD4FCBC-F65E-4377-86D7-E73F06E67B0E}" destId="{28FDA1D4-E8A8-4AFC-8564-9175AA47B403}" srcOrd="0" destOrd="0" parTransId="{BA51AF9F-72EB-4C6E-BBAE-2FAED98ADD46}" sibTransId="{4E444490-7E69-4E5D-984E-4FE2F4C63E16}"/>
     <dgm:cxn modelId="{1D849073-982F-FB46-A557-3C0329381367}" type="presOf" srcId="{7D5C31C0-0BA8-4877-A903-A7976773FF6E}" destId="{D00D4B93-52A1-B54E-8B05-4B77CAD190A5}" srcOrd="0" destOrd="0" presId="urn:microsoft.com/office/officeart/2005/8/layout/list1"/>
+    <dgm:cxn modelId="{2CC01D5A-A5C1-834C-AE88-58EBA90C3FA8}" type="presOf" srcId="{28FDA1D4-E8A8-4AFC-8564-9175AA47B403}" destId="{C1EB95B1-F363-4C4F-A36C-E533DAC59887}" srcOrd="0" destOrd="0" presId="urn:microsoft.com/office/officeart/2005/8/layout/list1"/>
     <dgm:cxn modelId="{450A8C99-FE77-A241-B766-8371157CDAE0}" type="presOf" srcId="{029D388B-8DD7-4FAE-9BEE-C853C706D0B0}" destId="{C1EB95B1-F363-4C4F-A36C-E533DAC59887}" srcOrd="0" destOrd="1" presId="urn:microsoft.com/office/officeart/2005/8/layout/list1"/>
     <dgm:cxn modelId="{D894659B-51A7-4827-A059-89DB3877E035}" srcId="{DCD4FCBC-F65E-4377-86D7-E73F06E67B0E}" destId="{029D388B-8DD7-4FAE-9BEE-C853C706D0B0}" srcOrd="1" destOrd="0" parTransId="{DF5F9C8B-C75E-4D03-A305-98C517540DC2}" sibTransId="{0F308CDF-B76C-4F4B-A256-F05BC2462A26}"/>
     <dgm:cxn modelId="{D795959F-EDB0-45A3-8396-10C58AFD018A}" srcId="{3E24CE54-C222-4A07-91C5-DDFA8BA12754}" destId="{DC6F015A-FC0A-400C-854E-AFA80F9A110E}" srcOrd="1" destOrd="0" parTransId="{9F7D7389-F03E-4B44-BD89-13EF28E8551F}" sibTransId="{B953726F-1447-4524-B500-B4DE9684539D}"/>
@@ -8238,6 +9878,918 @@
 </dgm:dataModel>
 </file>
 
+<file path=ppt/diagrams/data8.xml><?xml version="1.0" encoding="utf-8"?>
+<dgm:dataModel xmlns:dgm="http://schemas.openxmlformats.org/drawingml/2006/diagram" xmlns:a="http://schemas.openxmlformats.org/drawingml/2006/main">
+  <dgm:ptLst>
+    <dgm:pt modelId="{9A3EDFB2-A9E0-43FC-AC9C-CD5F96668851}" type="doc">
+      <dgm:prSet loTypeId="urn:microsoft.com/office/officeart/2005/8/layout/vList2" loCatId="list" qsTypeId="urn:microsoft.com/office/officeart/2005/8/quickstyle/simple1" qsCatId="simple" csTypeId="urn:microsoft.com/office/officeart/2005/8/colors/colorful2" csCatId="colorful" phldr="1"/>
+      <dgm:spPr/>
+      <dgm:t>
+        <a:bodyPr/>
+        <a:lstStyle/>
+        <a:p>
+          <a:endParaRPr lang="en-US"/>
+        </a:p>
+      </dgm:t>
+    </dgm:pt>
+    <dgm:pt modelId="{AA502A6F-9D96-4832-88D2-B0F8EE011E19}">
+      <dgm:prSet custT="1"/>
+      <dgm:spPr/>
+      <dgm:t>
+        <a:bodyPr/>
+        <a:lstStyle/>
+        <a:p>
+          <a:r>
+            <a:rPr lang="en-US" sz="1800" b="0" dirty="0" err="1">
+              <a:latin typeface="Heiti TC Medium" pitchFamily="2" charset="-128"/>
+              <a:ea typeface="Heiti TC Medium" pitchFamily="2" charset="-128"/>
+            </a:rPr>
+            <a:t>什么是回文</a:t>
+          </a:r>
+          <a:r>
+            <a:rPr lang="zh-CN" sz="1800" b="0" dirty="0">
+              <a:latin typeface="Heiti TC Medium" pitchFamily="2" charset="-128"/>
+              <a:ea typeface="Heiti TC Medium" pitchFamily="2" charset="-128"/>
+            </a:rPr>
+            <a:t>字符串</a:t>
+          </a:r>
+          <a:endParaRPr lang="en-US" sz="1800" b="0" dirty="0">
+            <a:latin typeface="Heiti TC Medium" pitchFamily="2" charset="-128"/>
+            <a:ea typeface="Heiti TC Medium" pitchFamily="2" charset="-128"/>
+          </a:endParaRPr>
+        </a:p>
+      </dgm:t>
+    </dgm:pt>
+    <dgm:pt modelId="{46334E41-87D1-47F2-A8F8-D843F451BD99}" type="parTrans" cxnId="{87919F9F-98A3-4715-A30C-853ED7DE85AE}">
+      <dgm:prSet/>
+      <dgm:spPr/>
+      <dgm:t>
+        <a:bodyPr/>
+        <a:lstStyle/>
+        <a:p>
+          <a:endParaRPr lang="en-US" sz="1800" b="0">
+            <a:latin typeface="Heiti TC Medium" pitchFamily="2" charset="-128"/>
+            <a:ea typeface="Heiti TC Medium" pitchFamily="2" charset="-128"/>
+          </a:endParaRPr>
+        </a:p>
+      </dgm:t>
+    </dgm:pt>
+    <dgm:pt modelId="{558F9E34-85E4-4763-B158-BE915FF03CD6}" type="sibTrans" cxnId="{87919F9F-98A3-4715-A30C-853ED7DE85AE}">
+      <dgm:prSet/>
+      <dgm:spPr/>
+      <dgm:t>
+        <a:bodyPr/>
+        <a:lstStyle/>
+        <a:p>
+          <a:endParaRPr lang="en-US" sz="1800" b="0">
+            <a:latin typeface="Heiti TC Medium" pitchFamily="2" charset="-128"/>
+            <a:ea typeface="Heiti TC Medium" pitchFamily="2" charset="-128"/>
+          </a:endParaRPr>
+        </a:p>
+      </dgm:t>
+    </dgm:pt>
+    <dgm:pt modelId="{C35538AB-9158-4400-B859-6B535B153938}">
+      <dgm:prSet custT="1"/>
+      <dgm:spPr/>
+      <dgm:t>
+        <a:bodyPr/>
+        <a:lstStyle/>
+        <a:p>
+          <a:r>
+            <a:rPr lang="en-US" sz="1800" b="0" dirty="0" err="1">
+              <a:latin typeface="Heiti TC Medium" pitchFamily="2" charset="-128"/>
+              <a:ea typeface="Heiti TC Medium" pitchFamily="2" charset="-128"/>
+            </a:rPr>
+            <a:t>判定回文字符串</a:t>
+          </a:r>
+          <a:endParaRPr lang="en-US" sz="1800" b="0" dirty="0">
+            <a:latin typeface="Heiti TC Medium" pitchFamily="2" charset="-128"/>
+            <a:ea typeface="Heiti TC Medium" pitchFamily="2" charset="-128"/>
+          </a:endParaRPr>
+        </a:p>
+      </dgm:t>
+    </dgm:pt>
+    <dgm:pt modelId="{F41499C0-0130-4AB2-B618-7B4C9630925A}" type="parTrans" cxnId="{6A1D05AC-7B9F-4059-BD61-26AD4704193B}">
+      <dgm:prSet/>
+      <dgm:spPr/>
+      <dgm:t>
+        <a:bodyPr/>
+        <a:lstStyle/>
+        <a:p>
+          <a:endParaRPr lang="en-US" sz="1800" b="0">
+            <a:latin typeface="Heiti TC Medium" pitchFamily="2" charset="-128"/>
+            <a:ea typeface="Heiti TC Medium" pitchFamily="2" charset="-128"/>
+          </a:endParaRPr>
+        </a:p>
+      </dgm:t>
+    </dgm:pt>
+    <dgm:pt modelId="{3DF4133E-9642-4C8D-BE98-E4C6F3E5BC6F}" type="sibTrans" cxnId="{6A1D05AC-7B9F-4059-BD61-26AD4704193B}">
+      <dgm:prSet/>
+      <dgm:spPr/>
+      <dgm:t>
+        <a:bodyPr/>
+        <a:lstStyle/>
+        <a:p>
+          <a:endParaRPr lang="en-US" sz="1800" b="0">
+            <a:latin typeface="Heiti TC Medium" pitchFamily="2" charset="-128"/>
+            <a:ea typeface="Heiti TC Medium" pitchFamily="2" charset="-128"/>
+          </a:endParaRPr>
+        </a:p>
+      </dgm:t>
+    </dgm:pt>
+    <dgm:pt modelId="{DF280A30-7869-4D2A-98D9-1535E32DBD92}">
+      <dgm:prSet custT="1"/>
+      <dgm:spPr/>
+      <dgm:t>
+        <a:bodyPr/>
+        <a:lstStyle/>
+        <a:p>
+          <a:r>
+            <a:rPr lang="zh-CN" sz="1800" b="0" dirty="0">
+              <a:latin typeface="Heiti TC Medium" pitchFamily="2" charset="-128"/>
+              <a:ea typeface="Heiti TC Medium" pitchFamily="2" charset="-128"/>
+            </a:rPr>
+            <a:t>搜索回文</a:t>
+          </a:r>
+          <a:r>
+            <a:rPr lang="zh-CN" altLang="en-US" sz="1800" b="0" dirty="0">
+              <a:latin typeface="Heiti TC Medium" pitchFamily="2" charset="-128"/>
+              <a:ea typeface="Heiti TC Medium" pitchFamily="2" charset="-128"/>
+            </a:rPr>
+            <a:t>子</a:t>
+          </a:r>
+          <a:r>
+            <a:rPr lang="zh-CN" sz="1800" b="0" dirty="0">
+              <a:latin typeface="Heiti TC Medium" pitchFamily="2" charset="-128"/>
+              <a:ea typeface="Heiti TC Medium" pitchFamily="2" charset="-128"/>
+            </a:rPr>
+            <a:t>字符串</a:t>
+          </a:r>
+          <a:endParaRPr lang="en-US" sz="1800" b="0" dirty="0">
+            <a:latin typeface="Heiti TC Medium" pitchFamily="2" charset="-128"/>
+            <a:ea typeface="Heiti TC Medium" pitchFamily="2" charset="-128"/>
+          </a:endParaRPr>
+        </a:p>
+      </dgm:t>
+    </dgm:pt>
+    <dgm:pt modelId="{0EB402F1-9836-4B9D-AC7B-9AF515999335}" type="parTrans" cxnId="{A8C843A6-3995-469A-BB2D-319433F4CAD2}">
+      <dgm:prSet/>
+      <dgm:spPr/>
+      <dgm:t>
+        <a:bodyPr/>
+        <a:lstStyle/>
+        <a:p>
+          <a:endParaRPr lang="en-US" sz="1800" b="0">
+            <a:latin typeface="Heiti TC Medium" pitchFamily="2" charset="-128"/>
+            <a:ea typeface="Heiti TC Medium" pitchFamily="2" charset="-128"/>
+          </a:endParaRPr>
+        </a:p>
+      </dgm:t>
+    </dgm:pt>
+    <dgm:pt modelId="{24A09119-7253-4DB7-AB0E-39103895CE40}" type="sibTrans" cxnId="{A8C843A6-3995-469A-BB2D-319433F4CAD2}">
+      <dgm:prSet/>
+      <dgm:spPr/>
+      <dgm:t>
+        <a:bodyPr/>
+        <a:lstStyle/>
+        <a:p>
+          <a:endParaRPr lang="en-US" sz="1800" b="0">
+            <a:latin typeface="Heiti TC Medium" pitchFamily="2" charset="-128"/>
+            <a:ea typeface="Heiti TC Medium" pitchFamily="2" charset="-128"/>
+          </a:endParaRPr>
+        </a:p>
+      </dgm:t>
+    </dgm:pt>
+    <dgm:pt modelId="{D2A2AC86-C057-4650-A61B-570B5F734061}">
+      <dgm:prSet custT="1"/>
+      <dgm:spPr/>
+      <dgm:t>
+        <a:bodyPr/>
+        <a:lstStyle/>
+        <a:p>
+          <a:r>
+            <a:rPr lang="en-US" sz="1800" b="0" dirty="0" err="1">
+              <a:latin typeface="Heiti TC Medium" pitchFamily="2" charset="-128"/>
+              <a:ea typeface="Heiti TC Medium" pitchFamily="2" charset="-128"/>
+            </a:rPr>
+            <a:t>使用Excel</a:t>
+          </a:r>
+          <a:r>
+            <a:rPr lang="zh-CN" sz="1800" b="0" dirty="0">
+              <a:latin typeface="Heiti TC Medium" pitchFamily="2" charset="-128"/>
+              <a:ea typeface="Heiti TC Medium" pitchFamily="2" charset="-128"/>
+            </a:rPr>
+            <a:t>可视化分析动态规划过程</a:t>
+          </a:r>
+          <a:endParaRPr lang="en-US" sz="1800" b="0" dirty="0">
+            <a:latin typeface="Heiti TC Medium" pitchFamily="2" charset="-128"/>
+            <a:ea typeface="Heiti TC Medium" pitchFamily="2" charset="-128"/>
+          </a:endParaRPr>
+        </a:p>
+      </dgm:t>
+    </dgm:pt>
+    <dgm:pt modelId="{1FCF3528-7F41-4EB6-B74D-19165EDBEF8E}" type="parTrans" cxnId="{D992A407-974C-4B3C-8AB3-E28D28098C6C}">
+      <dgm:prSet/>
+      <dgm:spPr/>
+      <dgm:t>
+        <a:bodyPr/>
+        <a:lstStyle/>
+        <a:p>
+          <a:endParaRPr lang="en-US" sz="1800" b="0">
+            <a:latin typeface="Heiti TC Medium" pitchFamily="2" charset="-128"/>
+            <a:ea typeface="Heiti TC Medium" pitchFamily="2" charset="-128"/>
+          </a:endParaRPr>
+        </a:p>
+      </dgm:t>
+    </dgm:pt>
+    <dgm:pt modelId="{AFFDA2C8-8C22-49ED-8001-419BA6ABC980}" type="sibTrans" cxnId="{D992A407-974C-4B3C-8AB3-E28D28098C6C}">
+      <dgm:prSet/>
+      <dgm:spPr/>
+      <dgm:t>
+        <a:bodyPr/>
+        <a:lstStyle/>
+        <a:p>
+          <a:endParaRPr lang="en-US" sz="1800" b="0">
+            <a:latin typeface="Heiti TC Medium" pitchFamily="2" charset="-128"/>
+            <a:ea typeface="Heiti TC Medium" pitchFamily="2" charset="-128"/>
+          </a:endParaRPr>
+        </a:p>
+      </dgm:t>
+    </dgm:pt>
+    <dgm:pt modelId="{9CD6C951-3DA3-4F4A-9028-2F769ED53159}">
+      <dgm:prSet custT="1"/>
+      <dgm:spPr/>
+      <dgm:t>
+        <a:bodyPr/>
+        <a:lstStyle/>
+        <a:p>
+          <a:r>
+            <a:rPr lang="zh-CN" sz="2800" b="1">
+              <a:latin typeface="Heiti TC Medium" pitchFamily="2" charset="-128"/>
+              <a:ea typeface="Heiti TC Medium" pitchFamily="2" charset="-128"/>
+            </a:rPr>
+            <a:t>代码讲解</a:t>
+          </a:r>
+          <a:endParaRPr lang="en-US" sz="2800" b="1">
+            <a:latin typeface="Heiti TC Medium" pitchFamily="2" charset="-128"/>
+            <a:ea typeface="Heiti TC Medium" pitchFamily="2" charset="-128"/>
+          </a:endParaRPr>
+        </a:p>
+      </dgm:t>
+    </dgm:pt>
+    <dgm:pt modelId="{3C5DF1E9-09F6-47DB-B78F-B6B36871275E}" type="parTrans" cxnId="{61A4454A-1B03-4E4B-BFFD-5AE9DE57B343}">
+      <dgm:prSet/>
+      <dgm:spPr/>
+      <dgm:t>
+        <a:bodyPr/>
+        <a:lstStyle/>
+        <a:p>
+          <a:endParaRPr lang="en-US" sz="1800" b="0">
+            <a:latin typeface="Heiti TC Medium" pitchFamily="2" charset="-128"/>
+            <a:ea typeface="Heiti TC Medium" pitchFamily="2" charset="-128"/>
+          </a:endParaRPr>
+        </a:p>
+      </dgm:t>
+    </dgm:pt>
+    <dgm:pt modelId="{DD0CD0EC-19B9-4BF2-9C8B-D770D8DE42D5}" type="sibTrans" cxnId="{61A4454A-1B03-4E4B-BFFD-5AE9DE57B343}">
+      <dgm:prSet/>
+      <dgm:spPr/>
+      <dgm:t>
+        <a:bodyPr/>
+        <a:lstStyle/>
+        <a:p>
+          <a:endParaRPr lang="en-US" sz="1800" b="0">
+            <a:latin typeface="Heiti TC Medium" pitchFamily="2" charset="-128"/>
+            <a:ea typeface="Heiti TC Medium" pitchFamily="2" charset="-128"/>
+          </a:endParaRPr>
+        </a:p>
+      </dgm:t>
+    </dgm:pt>
+    <dgm:pt modelId="{765346B1-1E95-4782-AA54-AB860E7617BF}">
+      <dgm:prSet custT="1"/>
+      <dgm:spPr/>
+      <dgm:t>
+        <a:bodyPr/>
+        <a:lstStyle/>
+        <a:p>
+          <a:r>
+            <a:rPr lang="zh-CN" sz="1800" b="0">
+              <a:latin typeface="Heiti TC Medium" pitchFamily="2" charset="-128"/>
+              <a:ea typeface="Heiti TC Medium" pitchFamily="2" charset="-128"/>
+            </a:rPr>
+            <a:t>总结</a:t>
+          </a:r>
+          <a:endParaRPr lang="en-US" sz="1800" b="0">
+            <a:latin typeface="Heiti TC Medium" pitchFamily="2" charset="-128"/>
+            <a:ea typeface="Heiti TC Medium" pitchFamily="2" charset="-128"/>
+          </a:endParaRPr>
+        </a:p>
+      </dgm:t>
+    </dgm:pt>
+    <dgm:pt modelId="{B2C40623-7456-460C-90A3-D7986EA0028F}" type="parTrans" cxnId="{D63A7737-1152-47B2-A225-A9CD98AB371F}">
+      <dgm:prSet/>
+      <dgm:spPr/>
+      <dgm:t>
+        <a:bodyPr/>
+        <a:lstStyle/>
+        <a:p>
+          <a:endParaRPr lang="en-US" sz="1800" b="0">
+            <a:latin typeface="Heiti TC Medium" pitchFamily="2" charset="-128"/>
+            <a:ea typeface="Heiti TC Medium" pitchFamily="2" charset="-128"/>
+          </a:endParaRPr>
+        </a:p>
+      </dgm:t>
+    </dgm:pt>
+    <dgm:pt modelId="{EE8CF666-5A4F-4373-896A-81C7C24CD5CC}" type="sibTrans" cxnId="{D63A7737-1152-47B2-A225-A9CD98AB371F}">
+      <dgm:prSet/>
+      <dgm:spPr/>
+      <dgm:t>
+        <a:bodyPr/>
+        <a:lstStyle/>
+        <a:p>
+          <a:endParaRPr lang="en-US" sz="1800" b="0">
+            <a:latin typeface="Heiti TC Medium" pitchFamily="2" charset="-128"/>
+            <a:ea typeface="Heiti TC Medium" pitchFamily="2" charset="-128"/>
+          </a:endParaRPr>
+        </a:p>
+      </dgm:t>
+    </dgm:pt>
+    <dgm:pt modelId="{7A3DA9FD-242F-7147-A692-173C5DF2A9F4}" type="pres">
+      <dgm:prSet presAssocID="{9A3EDFB2-A9E0-43FC-AC9C-CD5F96668851}" presName="linear" presStyleCnt="0">
+        <dgm:presLayoutVars>
+          <dgm:animLvl val="lvl"/>
+          <dgm:resizeHandles val="exact"/>
+        </dgm:presLayoutVars>
+      </dgm:prSet>
+      <dgm:spPr/>
+    </dgm:pt>
+    <dgm:pt modelId="{4C003A2B-7F8B-AB48-ACEE-50AE8C016D94}" type="pres">
+      <dgm:prSet presAssocID="{AA502A6F-9D96-4832-88D2-B0F8EE011E19}" presName="parentText" presStyleLbl="node1" presStyleIdx="0" presStyleCnt="6">
+        <dgm:presLayoutVars>
+          <dgm:chMax val="0"/>
+          <dgm:bulletEnabled val="1"/>
+        </dgm:presLayoutVars>
+      </dgm:prSet>
+      <dgm:spPr/>
+    </dgm:pt>
+    <dgm:pt modelId="{FA655A38-5AEE-3B47-B8A9-37217BF436AC}" type="pres">
+      <dgm:prSet presAssocID="{558F9E34-85E4-4763-B158-BE915FF03CD6}" presName="spacer" presStyleCnt="0"/>
+      <dgm:spPr/>
+    </dgm:pt>
+    <dgm:pt modelId="{8146FD83-1663-6A46-91AF-063A5EF92073}" type="pres">
+      <dgm:prSet presAssocID="{C35538AB-9158-4400-B859-6B535B153938}" presName="parentText" presStyleLbl="node1" presStyleIdx="1" presStyleCnt="6">
+        <dgm:presLayoutVars>
+          <dgm:chMax val="0"/>
+          <dgm:bulletEnabled val="1"/>
+        </dgm:presLayoutVars>
+      </dgm:prSet>
+      <dgm:spPr/>
+    </dgm:pt>
+    <dgm:pt modelId="{A9263FCB-9B2D-4B4F-9160-47B2066DF3A9}" type="pres">
+      <dgm:prSet presAssocID="{3DF4133E-9642-4C8D-BE98-E4C6F3E5BC6F}" presName="spacer" presStyleCnt="0"/>
+      <dgm:spPr/>
+    </dgm:pt>
+    <dgm:pt modelId="{8B733273-944B-E941-BF15-95F2C76776AA}" type="pres">
+      <dgm:prSet presAssocID="{DF280A30-7869-4D2A-98D9-1535E32DBD92}" presName="parentText" presStyleLbl="node1" presStyleIdx="2" presStyleCnt="6">
+        <dgm:presLayoutVars>
+          <dgm:chMax val="0"/>
+          <dgm:bulletEnabled val="1"/>
+        </dgm:presLayoutVars>
+      </dgm:prSet>
+      <dgm:spPr/>
+    </dgm:pt>
+    <dgm:pt modelId="{0A976D83-4A19-9B45-A703-DDD0ABDBA24F}" type="pres">
+      <dgm:prSet presAssocID="{24A09119-7253-4DB7-AB0E-39103895CE40}" presName="spacer" presStyleCnt="0"/>
+      <dgm:spPr/>
+    </dgm:pt>
+    <dgm:pt modelId="{1206DBF2-22EE-0346-A930-7944A5B0624B}" type="pres">
+      <dgm:prSet presAssocID="{D2A2AC86-C057-4650-A61B-570B5F734061}" presName="parentText" presStyleLbl="node1" presStyleIdx="3" presStyleCnt="6">
+        <dgm:presLayoutVars>
+          <dgm:chMax val="0"/>
+          <dgm:bulletEnabled val="1"/>
+        </dgm:presLayoutVars>
+      </dgm:prSet>
+      <dgm:spPr/>
+    </dgm:pt>
+    <dgm:pt modelId="{B753B2B7-81D5-234C-8952-39515C462569}" type="pres">
+      <dgm:prSet presAssocID="{AFFDA2C8-8C22-49ED-8001-419BA6ABC980}" presName="spacer" presStyleCnt="0"/>
+      <dgm:spPr/>
+    </dgm:pt>
+    <dgm:pt modelId="{F0D9E6BE-96C7-8A40-90D8-3C1EBA3922E7}" type="pres">
+      <dgm:prSet presAssocID="{9CD6C951-3DA3-4F4A-9028-2F769ED53159}" presName="parentText" presStyleLbl="node1" presStyleIdx="4" presStyleCnt="6">
+        <dgm:presLayoutVars>
+          <dgm:chMax val="0"/>
+          <dgm:bulletEnabled val="1"/>
+        </dgm:presLayoutVars>
+      </dgm:prSet>
+      <dgm:spPr/>
+    </dgm:pt>
+    <dgm:pt modelId="{9700A130-BE0D-734F-AE09-F9DDA4D8E0DA}" type="pres">
+      <dgm:prSet presAssocID="{DD0CD0EC-19B9-4BF2-9C8B-D770D8DE42D5}" presName="spacer" presStyleCnt="0"/>
+      <dgm:spPr/>
+    </dgm:pt>
+    <dgm:pt modelId="{CA7D2971-370A-5E42-AF73-2C82F35D298F}" type="pres">
+      <dgm:prSet presAssocID="{765346B1-1E95-4782-AA54-AB860E7617BF}" presName="parentText" presStyleLbl="node1" presStyleIdx="5" presStyleCnt="6">
+        <dgm:presLayoutVars>
+          <dgm:chMax val="0"/>
+          <dgm:bulletEnabled val="1"/>
+        </dgm:presLayoutVars>
+      </dgm:prSet>
+      <dgm:spPr/>
+    </dgm:pt>
+  </dgm:ptLst>
+  <dgm:cxnLst>
+    <dgm:cxn modelId="{D992A407-974C-4B3C-8AB3-E28D28098C6C}" srcId="{9A3EDFB2-A9E0-43FC-AC9C-CD5F96668851}" destId="{D2A2AC86-C057-4650-A61B-570B5F734061}" srcOrd="3" destOrd="0" parTransId="{1FCF3528-7F41-4EB6-B74D-19165EDBEF8E}" sibTransId="{AFFDA2C8-8C22-49ED-8001-419BA6ABC980}"/>
+    <dgm:cxn modelId="{2779281C-7AA5-B748-A640-945D14911DCF}" type="presOf" srcId="{AA502A6F-9D96-4832-88D2-B0F8EE011E19}" destId="{4C003A2B-7F8B-AB48-ACEE-50AE8C016D94}" srcOrd="0" destOrd="0" presId="urn:microsoft.com/office/officeart/2005/8/layout/vList2"/>
+    <dgm:cxn modelId="{ED42CE2E-FAE9-974D-A6EB-88C10F56541F}" type="presOf" srcId="{9CD6C951-3DA3-4F4A-9028-2F769ED53159}" destId="{F0D9E6BE-96C7-8A40-90D8-3C1EBA3922E7}" srcOrd="0" destOrd="0" presId="urn:microsoft.com/office/officeart/2005/8/layout/vList2"/>
+    <dgm:cxn modelId="{D63A7737-1152-47B2-A225-A9CD98AB371F}" srcId="{9A3EDFB2-A9E0-43FC-AC9C-CD5F96668851}" destId="{765346B1-1E95-4782-AA54-AB860E7617BF}" srcOrd="5" destOrd="0" parTransId="{B2C40623-7456-460C-90A3-D7986EA0028F}" sibTransId="{EE8CF666-5A4F-4373-896A-81C7C24CD5CC}"/>
+    <dgm:cxn modelId="{61A4454A-1B03-4E4B-BFFD-5AE9DE57B343}" srcId="{9A3EDFB2-A9E0-43FC-AC9C-CD5F96668851}" destId="{9CD6C951-3DA3-4F4A-9028-2F769ED53159}" srcOrd="4" destOrd="0" parTransId="{3C5DF1E9-09F6-47DB-B78F-B6B36871275E}" sibTransId="{DD0CD0EC-19B9-4BF2-9C8B-D770D8DE42D5}"/>
+    <dgm:cxn modelId="{ED40B454-5938-9A4C-A366-FFE8FF44D92A}" type="presOf" srcId="{9A3EDFB2-A9E0-43FC-AC9C-CD5F96668851}" destId="{7A3DA9FD-242F-7147-A692-173C5DF2A9F4}" srcOrd="0" destOrd="0" presId="urn:microsoft.com/office/officeart/2005/8/layout/vList2"/>
+    <dgm:cxn modelId="{48AF1B84-2B6F-B54F-B6B8-963491150975}" type="presOf" srcId="{765346B1-1E95-4782-AA54-AB860E7617BF}" destId="{CA7D2971-370A-5E42-AF73-2C82F35D298F}" srcOrd="0" destOrd="0" presId="urn:microsoft.com/office/officeart/2005/8/layout/vList2"/>
+    <dgm:cxn modelId="{F3BA8F98-29F0-A247-8EF2-FE1ECCB03952}" type="presOf" srcId="{D2A2AC86-C057-4650-A61B-570B5F734061}" destId="{1206DBF2-22EE-0346-A930-7944A5B0624B}" srcOrd="0" destOrd="0" presId="urn:microsoft.com/office/officeart/2005/8/layout/vList2"/>
+    <dgm:cxn modelId="{87919F9F-98A3-4715-A30C-853ED7DE85AE}" srcId="{9A3EDFB2-A9E0-43FC-AC9C-CD5F96668851}" destId="{AA502A6F-9D96-4832-88D2-B0F8EE011E19}" srcOrd="0" destOrd="0" parTransId="{46334E41-87D1-47F2-A8F8-D843F451BD99}" sibTransId="{558F9E34-85E4-4763-B158-BE915FF03CD6}"/>
+    <dgm:cxn modelId="{A8C843A6-3995-469A-BB2D-319433F4CAD2}" srcId="{9A3EDFB2-A9E0-43FC-AC9C-CD5F96668851}" destId="{DF280A30-7869-4D2A-98D9-1535E32DBD92}" srcOrd="2" destOrd="0" parTransId="{0EB402F1-9836-4B9D-AC7B-9AF515999335}" sibTransId="{24A09119-7253-4DB7-AB0E-39103895CE40}"/>
+    <dgm:cxn modelId="{6A1D05AC-7B9F-4059-BD61-26AD4704193B}" srcId="{9A3EDFB2-A9E0-43FC-AC9C-CD5F96668851}" destId="{C35538AB-9158-4400-B859-6B535B153938}" srcOrd="1" destOrd="0" parTransId="{F41499C0-0130-4AB2-B618-7B4C9630925A}" sibTransId="{3DF4133E-9642-4C8D-BE98-E4C6F3E5BC6F}"/>
+    <dgm:cxn modelId="{E6B9CCDF-F66D-4046-A312-70ED1AAD60BF}" type="presOf" srcId="{DF280A30-7869-4D2A-98D9-1535E32DBD92}" destId="{8B733273-944B-E941-BF15-95F2C76776AA}" srcOrd="0" destOrd="0" presId="urn:microsoft.com/office/officeart/2005/8/layout/vList2"/>
+    <dgm:cxn modelId="{D1E138E7-3889-414C-AAF3-48456BC4A81E}" type="presOf" srcId="{C35538AB-9158-4400-B859-6B535B153938}" destId="{8146FD83-1663-6A46-91AF-063A5EF92073}" srcOrd="0" destOrd="0" presId="urn:microsoft.com/office/officeart/2005/8/layout/vList2"/>
+    <dgm:cxn modelId="{D36B7E60-DDF4-2342-A31E-2120A140A0D5}" type="presParOf" srcId="{7A3DA9FD-242F-7147-A692-173C5DF2A9F4}" destId="{4C003A2B-7F8B-AB48-ACEE-50AE8C016D94}" srcOrd="0" destOrd="0" presId="urn:microsoft.com/office/officeart/2005/8/layout/vList2"/>
+    <dgm:cxn modelId="{7D4FBBB0-9851-1E48-9887-0541ED8668E1}" type="presParOf" srcId="{7A3DA9FD-242F-7147-A692-173C5DF2A9F4}" destId="{FA655A38-5AEE-3B47-B8A9-37217BF436AC}" srcOrd="1" destOrd="0" presId="urn:microsoft.com/office/officeart/2005/8/layout/vList2"/>
+    <dgm:cxn modelId="{795AA623-E11B-6E46-AB6B-F219451C1098}" type="presParOf" srcId="{7A3DA9FD-242F-7147-A692-173C5DF2A9F4}" destId="{8146FD83-1663-6A46-91AF-063A5EF92073}" srcOrd="2" destOrd="0" presId="urn:microsoft.com/office/officeart/2005/8/layout/vList2"/>
+    <dgm:cxn modelId="{4BC0E3E9-435D-4542-8C9F-9E6B7BD24B98}" type="presParOf" srcId="{7A3DA9FD-242F-7147-A692-173C5DF2A9F4}" destId="{A9263FCB-9B2D-4B4F-9160-47B2066DF3A9}" srcOrd="3" destOrd="0" presId="urn:microsoft.com/office/officeart/2005/8/layout/vList2"/>
+    <dgm:cxn modelId="{6E1F0FCD-4C1B-694F-9353-BCC4799DF4DF}" type="presParOf" srcId="{7A3DA9FD-242F-7147-A692-173C5DF2A9F4}" destId="{8B733273-944B-E941-BF15-95F2C76776AA}" srcOrd="4" destOrd="0" presId="urn:microsoft.com/office/officeart/2005/8/layout/vList2"/>
+    <dgm:cxn modelId="{5905EF89-33DF-0C4D-811D-8E210C4A14B5}" type="presParOf" srcId="{7A3DA9FD-242F-7147-A692-173C5DF2A9F4}" destId="{0A976D83-4A19-9B45-A703-DDD0ABDBA24F}" srcOrd="5" destOrd="0" presId="urn:microsoft.com/office/officeart/2005/8/layout/vList2"/>
+    <dgm:cxn modelId="{D4804D1C-9C36-BD4C-AE18-AFE460D0F6BE}" type="presParOf" srcId="{7A3DA9FD-242F-7147-A692-173C5DF2A9F4}" destId="{1206DBF2-22EE-0346-A930-7944A5B0624B}" srcOrd="6" destOrd="0" presId="urn:microsoft.com/office/officeart/2005/8/layout/vList2"/>
+    <dgm:cxn modelId="{4763D09F-ECC2-BF45-8F48-70767534FF8C}" type="presParOf" srcId="{7A3DA9FD-242F-7147-A692-173C5DF2A9F4}" destId="{B753B2B7-81D5-234C-8952-39515C462569}" srcOrd="7" destOrd="0" presId="urn:microsoft.com/office/officeart/2005/8/layout/vList2"/>
+    <dgm:cxn modelId="{0A9EDB93-597A-9840-8A41-F4ECC45AD46A}" type="presParOf" srcId="{7A3DA9FD-242F-7147-A692-173C5DF2A9F4}" destId="{F0D9E6BE-96C7-8A40-90D8-3C1EBA3922E7}" srcOrd="8" destOrd="0" presId="urn:microsoft.com/office/officeart/2005/8/layout/vList2"/>
+    <dgm:cxn modelId="{A4A5F24D-B346-0740-A964-320347657508}" type="presParOf" srcId="{7A3DA9FD-242F-7147-A692-173C5DF2A9F4}" destId="{9700A130-BE0D-734F-AE09-F9DDA4D8E0DA}" srcOrd="9" destOrd="0" presId="urn:microsoft.com/office/officeart/2005/8/layout/vList2"/>
+    <dgm:cxn modelId="{A7AC109F-2F7B-C94D-AE55-EB39BF2B9262}" type="presParOf" srcId="{7A3DA9FD-242F-7147-A692-173C5DF2A9F4}" destId="{CA7D2971-370A-5E42-AF73-2C82F35D298F}" srcOrd="10" destOrd="0" presId="urn:microsoft.com/office/officeart/2005/8/layout/vList2"/>
+  </dgm:cxnLst>
+  <dgm:bg/>
+  <dgm:whole/>
+  <dgm:extLst>
+    <a:ext uri="http://schemas.microsoft.com/office/drawing/2008/diagram">
+      <dsp:dataModelExt xmlns:dsp="http://schemas.microsoft.com/office/drawing/2008/diagram" relId="rId8" minVer="http://schemas.openxmlformats.org/drawingml/2006/diagram"/>
+    </a:ext>
+  </dgm:extLst>
+</dgm:dataModel>
+</file>
+
+<file path=ppt/diagrams/data9.xml><?xml version="1.0" encoding="utf-8"?>
+<dgm:dataModel xmlns:dgm="http://schemas.openxmlformats.org/drawingml/2006/diagram" xmlns:a="http://schemas.openxmlformats.org/drawingml/2006/main">
+  <dgm:ptLst>
+    <dgm:pt modelId="{9A3EDFB2-A9E0-43FC-AC9C-CD5F96668851}" type="doc">
+      <dgm:prSet loTypeId="urn:microsoft.com/office/officeart/2005/8/layout/vList2" loCatId="list" qsTypeId="urn:microsoft.com/office/officeart/2005/8/quickstyle/simple1" qsCatId="simple" csTypeId="urn:microsoft.com/office/officeart/2005/8/colors/colorful2" csCatId="colorful" phldr="1"/>
+      <dgm:spPr/>
+      <dgm:t>
+        <a:bodyPr/>
+        <a:lstStyle/>
+        <a:p>
+          <a:endParaRPr lang="en-US"/>
+        </a:p>
+      </dgm:t>
+    </dgm:pt>
+    <dgm:pt modelId="{AA502A6F-9D96-4832-88D2-B0F8EE011E19}">
+      <dgm:prSet custT="1"/>
+      <dgm:spPr/>
+      <dgm:t>
+        <a:bodyPr/>
+        <a:lstStyle/>
+        <a:p>
+          <a:r>
+            <a:rPr lang="en-US" sz="1800" b="0" dirty="0" err="1">
+              <a:latin typeface="Heiti TC Medium" pitchFamily="2" charset="-128"/>
+              <a:ea typeface="Heiti TC Medium" pitchFamily="2" charset="-128"/>
+            </a:rPr>
+            <a:t>什么是回文</a:t>
+          </a:r>
+          <a:r>
+            <a:rPr lang="zh-CN" sz="1800" b="0" dirty="0">
+              <a:latin typeface="Heiti TC Medium" pitchFamily="2" charset="-128"/>
+              <a:ea typeface="Heiti TC Medium" pitchFamily="2" charset="-128"/>
+            </a:rPr>
+            <a:t>字符串</a:t>
+          </a:r>
+          <a:endParaRPr lang="en-US" sz="1800" b="0" dirty="0">
+            <a:latin typeface="Heiti TC Medium" pitchFamily="2" charset="-128"/>
+            <a:ea typeface="Heiti TC Medium" pitchFamily="2" charset="-128"/>
+          </a:endParaRPr>
+        </a:p>
+      </dgm:t>
+    </dgm:pt>
+    <dgm:pt modelId="{46334E41-87D1-47F2-A8F8-D843F451BD99}" type="parTrans" cxnId="{87919F9F-98A3-4715-A30C-853ED7DE85AE}">
+      <dgm:prSet/>
+      <dgm:spPr/>
+      <dgm:t>
+        <a:bodyPr/>
+        <a:lstStyle/>
+        <a:p>
+          <a:endParaRPr lang="en-US" sz="1800" b="0">
+            <a:latin typeface="Heiti TC Medium" pitchFamily="2" charset="-128"/>
+            <a:ea typeface="Heiti TC Medium" pitchFamily="2" charset="-128"/>
+          </a:endParaRPr>
+        </a:p>
+      </dgm:t>
+    </dgm:pt>
+    <dgm:pt modelId="{558F9E34-85E4-4763-B158-BE915FF03CD6}" type="sibTrans" cxnId="{87919F9F-98A3-4715-A30C-853ED7DE85AE}">
+      <dgm:prSet/>
+      <dgm:spPr/>
+      <dgm:t>
+        <a:bodyPr/>
+        <a:lstStyle/>
+        <a:p>
+          <a:endParaRPr lang="en-US" sz="1800" b="0">
+            <a:latin typeface="Heiti TC Medium" pitchFamily="2" charset="-128"/>
+            <a:ea typeface="Heiti TC Medium" pitchFamily="2" charset="-128"/>
+          </a:endParaRPr>
+        </a:p>
+      </dgm:t>
+    </dgm:pt>
+    <dgm:pt modelId="{C35538AB-9158-4400-B859-6B535B153938}">
+      <dgm:prSet custT="1"/>
+      <dgm:spPr/>
+      <dgm:t>
+        <a:bodyPr/>
+        <a:lstStyle/>
+        <a:p>
+          <a:r>
+            <a:rPr lang="en-US" sz="1800" b="0" dirty="0" err="1">
+              <a:latin typeface="Heiti TC Medium" pitchFamily="2" charset="-128"/>
+              <a:ea typeface="Heiti TC Medium" pitchFamily="2" charset="-128"/>
+            </a:rPr>
+            <a:t>判定回文字符串</a:t>
+          </a:r>
+          <a:endParaRPr lang="en-US" sz="1800" b="0" dirty="0">
+            <a:latin typeface="Heiti TC Medium" pitchFamily="2" charset="-128"/>
+            <a:ea typeface="Heiti TC Medium" pitchFamily="2" charset="-128"/>
+          </a:endParaRPr>
+        </a:p>
+      </dgm:t>
+    </dgm:pt>
+    <dgm:pt modelId="{F41499C0-0130-4AB2-B618-7B4C9630925A}" type="parTrans" cxnId="{6A1D05AC-7B9F-4059-BD61-26AD4704193B}">
+      <dgm:prSet/>
+      <dgm:spPr/>
+      <dgm:t>
+        <a:bodyPr/>
+        <a:lstStyle/>
+        <a:p>
+          <a:endParaRPr lang="en-US" sz="1800" b="0">
+            <a:latin typeface="Heiti TC Medium" pitchFamily="2" charset="-128"/>
+            <a:ea typeface="Heiti TC Medium" pitchFamily="2" charset="-128"/>
+          </a:endParaRPr>
+        </a:p>
+      </dgm:t>
+    </dgm:pt>
+    <dgm:pt modelId="{3DF4133E-9642-4C8D-BE98-E4C6F3E5BC6F}" type="sibTrans" cxnId="{6A1D05AC-7B9F-4059-BD61-26AD4704193B}">
+      <dgm:prSet/>
+      <dgm:spPr/>
+      <dgm:t>
+        <a:bodyPr/>
+        <a:lstStyle/>
+        <a:p>
+          <a:endParaRPr lang="en-US" sz="1800" b="0">
+            <a:latin typeface="Heiti TC Medium" pitchFamily="2" charset="-128"/>
+            <a:ea typeface="Heiti TC Medium" pitchFamily="2" charset="-128"/>
+          </a:endParaRPr>
+        </a:p>
+      </dgm:t>
+    </dgm:pt>
+    <dgm:pt modelId="{DF280A30-7869-4D2A-98D9-1535E32DBD92}">
+      <dgm:prSet custT="1"/>
+      <dgm:spPr/>
+      <dgm:t>
+        <a:bodyPr/>
+        <a:lstStyle/>
+        <a:p>
+          <a:r>
+            <a:rPr lang="zh-CN" sz="1800" b="0" dirty="0">
+              <a:latin typeface="Heiti TC Medium" pitchFamily="2" charset="-128"/>
+              <a:ea typeface="Heiti TC Medium" pitchFamily="2" charset="-128"/>
+            </a:rPr>
+            <a:t>搜索回文</a:t>
+          </a:r>
+          <a:r>
+            <a:rPr lang="zh-CN" altLang="en-US" sz="1800" b="0" dirty="0">
+              <a:latin typeface="Heiti TC Medium" pitchFamily="2" charset="-128"/>
+              <a:ea typeface="Heiti TC Medium" pitchFamily="2" charset="-128"/>
+            </a:rPr>
+            <a:t>子</a:t>
+          </a:r>
+          <a:r>
+            <a:rPr lang="zh-CN" sz="1800" b="0" dirty="0">
+              <a:latin typeface="Heiti TC Medium" pitchFamily="2" charset="-128"/>
+              <a:ea typeface="Heiti TC Medium" pitchFamily="2" charset="-128"/>
+            </a:rPr>
+            <a:t>字符串</a:t>
+          </a:r>
+          <a:endParaRPr lang="en-US" sz="1800" b="0" dirty="0">
+            <a:latin typeface="Heiti TC Medium" pitchFamily="2" charset="-128"/>
+            <a:ea typeface="Heiti TC Medium" pitchFamily="2" charset="-128"/>
+          </a:endParaRPr>
+        </a:p>
+      </dgm:t>
+    </dgm:pt>
+    <dgm:pt modelId="{0EB402F1-9836-4B9D-AC7B-9AF515999335}" type="parTrans" cxnId="{A8C843A6-3995-469A-BB2D-319433F4CAD2}">
+      <dgm:prSet/>
+      <dgm:spPr/>
+      <dgm:t>
+        <a:bodyPr/>
+        <a:lstStyle/>
+        <a:p>
+          <a:endParaRPr lang="en-US" sz="1800" b="0">
+            <a:latin typeface="Heiti TC Medium" pitchFamily="2" charset="-128"/>
+            <a:ea typeface="Heiti TC Medium" pitchFamily="2" charset="-128"/>
+          </a:endParaRPr>
+        </a:p>
+      </dgm:t>
+    </dgm:pt>
+    <dgm:pt modelId="{24A09119-7253-4DB7-AB0E-39103895CE40}" type="sibTrans" cxnId="{A8C843A6-3995-469A-BB2D-319433F4CAD2}">
+      <dgm:prSet/>
+      <dgm:spPr/>
+      <dgm:t>
+        <a:bodyPr/>
+        <a:lstStyle/>
+        <a:p>
+          <a:endParaRPr lang="en-US" sz="1800" b="0">
+            <a:latin typeface="Heiti TC Medium" pitchFamily="2" charset="-128"/>
+            <a:ea typeface="Heiti TC Medium" pitchFamily="2" charset="-128"/>
+          </a:endParaRPr>
+        </a:p>
+      </dgm:t>
+    </dgm:pt>
+    <dgm:pt modelId="{D2A2AC86-C057-4650-A61B-570B5F734061}">
+      <dgm:prSet custT="1"/>
+      <dgm:spPr/>
+      <dgm:t>
+        <a:bodyPr/>
+        <a:lstStyle/>
+        <a:p>
+          <a:r>
+            <a:rPr lang="en-US" sz="1800" b="0" dirty="0" err="1">
+              <a:latin typeface="Heiti TC Medium" pitchFamily="2" charset="-128"/>
+              <a:ea typeface="Heiti TC Medium" pitchFamily="2" charset="-128"/>
+            </a:rPr>
+            <a:t>使用Excel</a:t>
+          </a:r>
+          <a:r>
+            <a:rPr lang="zh-CN" sz="1800" b="0" dirty="0">
+              <a:latin typeface="Heiti TC Medium" pitchFamily="2" charset="-128"/>
+              <a:ea typeface="Heiti TC Medium" pitchFamily="2" charset="-128"/>
+            </a:rPr>
+            <a:t>可视化分析动态规划过程</a:t>
+          </a:r>
+          <a:endParaRPr lang="en-US" sz="1800" b="0" dirty="0">
+            <a:latin typeface="Heiti TC Medium" pitchFamily="2" charset="-128"/>
+            <a:ea typeface="Heiti TC Medium" pitchFamily="2" charset="-128"/>
+          </a:endParaRPr>
+        </a:p>
+      </dgm:t>
+    </dgm:pt>
+    <dgm:pt modelId="{1FCF3528-7F41-4EB6-B74D-19165EDBEF8E}" type="parTrans" cxnId="{D992A407-974C-4B3C-8AB3-E28D28098C6C}">
+      <dgm:prSet/>
+      <dgm:spPr/>
+      <dgm:t>
+        <a:bodyPr/>
+        <a:lstStyle/>
+        <a:p>
+          <a:endParaRPr lang="en-US" sz="1800" b="0">
+            <a:latin typeface="Heiti TC Medium" pitchFamily="2" charset="-128"/>
+            <a:ea typeface="Heiti TC Medium" pitchFamily="2" charset="-128"/>
+          </a:endParaRPr>
+        </a:p>
+      </dgm:t>
+    </dgm:pt>
+    <dgm:pt modelId="{AFFDA2C8-8C22-49ED-8001-419BA6ABC980}" type="sibTrans" cxnId="{D992A407-974C-4B3C-8AB3-E28D28098C6C}">
+      <dgm:prSet/>
+      <dgm:spPr/>
+      <dgm:t>
+        <a:bodyPr/>
+        <a:lstStyle/>
+        <a:p>
+          <a:endParaRPr lang="en-US" sz="1800" b="0">
+            <a:latin typeface="Heiti TC Medium" pitchFamily="2" charset="-128"/>
+            <a:ea typeface="Heiti TC Medium" pitchFamily="2" charset="-128"/>
+          </a:endParaRPr>
+        </a:p>
+      </dgm:t>
+    </dgm:pt>
+    <dgm:pt modelId="{9CD6C951-3DA3-4F4A-9028-2F769ED53159}">
+      <dgm:prSet custT="1"/>
+      <dgm:spPr/>
+      <dgm:t>
+        <a:bodyPr/>
+        <a:lstStyle/>
+        <a:p>
+          <a:r>
+            <a:rPr lang="zh-CN" sz="1800" b="0" dirty="0">
+              <a:latin typeface="Heiti TC Medium" pitchFamily="2" charset="-128"/>
+              <a:ea typeface="Heiti TC Medium" pitchFamily="2" charset="-128"/>
+            </a:rPr>
+            <a:t>代码讲解</a:t>
+          </a:r>
+          <a:endParaRPr lang="en-US" sz="1800" b="0" dirty="0">
+            <a:latin typeface="Heiti TC Medium" pitchFamily="2" charset="-128"/>
+            <a:ea typeface="Heiti TC Medium" pitchFamily="2" charset="-128"/>
+          </a:endParaRPr>
+        </a:p>
+      </dgm:t>
+    </dgm:pt>
+    <dgm:pt modelId="{3C5DF1E9-09F6-47DB-B78F-B6B36871275E}" type="parTrans" cxnId="{61A4454A-1B03-4E4B-BFFD-5AE9DE57B343}">
+      <dgm:prSet/>
+      <dgm:spPr/>
+      <dgm:t>
+        <a:bodyPr/>
+        <a:lstStyle/>
+        <a:p>
+          <a:endParaRPr lang="en-US" sz="1800" b="0">
+            <a:latin typeface="Heiti TC Medium" pitchFamily="2" charset="-128"/>
+            <a:ea typeface="Heiti TC Medium" pitchFamily="2" charset="-128"/>
+          </a:endParaRPr>
+        </a:p>
+      </dgm:t>
+    </dgm:pt>
+    <dgm:pt modelId="{DD0CD0EC-19B9-4BF2-9C8B-D770D8DE42D5}" type="sibTrans" cxnId="{61A4454A-1B03-4E4B-BFFD-5AE9DE57B343}">
+      <dgm:prSet/>
+      <dgm:spPr/>
+      <dgm:t>
+        <a:bodyPr/>
+        <a:lstStyle/>
+        <a:p>
+          <a:endParaRPr lang="en-US" sz="1800" b="0">
+            <a:latin typeface="Heiti TC Medium" pitchFamily="2" charset="-128"/>
+            <a:ea typeface="Heiti TC Medium" pitchFamily="2" charset="-128"/>
+          </a:endParaRPr>
+        </a:p>
+      </dgm:t>
+    </dgm:pt>
+    <dgm:pt modelId="{765346B1-1E95-4782-AA54-AB860E7617BF}">
+      <dgm:prSet custT="1"/>
+      <dgm:spPr/>
+      <dgm:t>
+        <a:bodyPr/>
+        <a:lstStyle/>
+        <a:p>
+          <a:r>
+            <a:rPr lang="zh-CN" sz="2800" b="0">
+              <a:latin typeface="Heiti TC Medium" pitchFamily="2" charset="-128"/>
+              <a:ea typeface="Heiti TC Medium" pitchFamily="2" charset="-128"/>
+            </a:rPr>
+            <a:t>总结</a:t>
+          </a:r>
+          <a:endParaRPr lang="en-US" sz="2800" b="0">
+            <a:latin typeface="Heiti TC Medium" pitchFamily="2" charset="-128"/>
+            <a:ea typeface="Heiti TC Medium" pitchFamily="2" charset="-128"/>
+          </a:endParaRPr>
+        </a:p>
+      </dgm:t>
+    </dgm:pt>
+    <dgm:pt modelId="{B2C40623-7456-460C-90A3-D7986EA0028F}" type="parTrans" cxnId="{D63A7737-1152-47B2-A225-A9CD98AB371F}">
+      <dgm:prSet/>
+      <dgm:spPr/>
+      <dgm:t>
+        <a:bodyPr/>
+        <a:lstStyle/>
+        <a:p>
+          <a:endParaRPr lang="en-US" sz="1800" b="0">
+            <a:latin typeface="Heiti TC Medium" pitchFamily="2" charset="-128"/>
+            <a:ea typeface="Heiti TC Medium" pitchFamily="2" charset="-128"/>
+          </a:endParaRPr>
+        </a:p>
+      </dgm:t>
+    </dgm:pt>
+    <dgm:pt modelId="{EE8CF666-5A4F-4373-896A-81C7C24CD5CC}" type="sibTrans" cxnId="{D63A7737-1152-47B2-A225-A9CD98AB371F}">
+      <dgm:prSet/>
+      <dgm:spPr/>
+      <dgm:t>
+        <a:bodyPr/>
+        <a:lstStyle/>
+        <a:p>
+          <a:endParaRPr lang="en-US" sz="1800" b="0">
+            <a:latin typeface="Heiti TC Medium" pitchFamily="2" charset="-128"/>
+            <a:ea typeface="Heiti TC Medium" pitchFamily="2" charset="-128"/>
+          </a:endParaRPr>
+        </a:p>
+      </dgm:t>
+    </dgm:pt>
+    <dgm:pt modelId="{7A3DA9FD-242F-7147-A692-173C5DF2A9F4}" type="pres">
+      <dgm:prSet presAssocID="{9A3EDFB2-A9E0-43FC-AC9C-CD5F96668851}" presName="linear" presStyleCnt="0">
+        <dgm:presLayoutVars>
+          <dgm:animLvl val="lvl"/>
+          <dgm:resizeHandles val="exact"/>
+        </dgm:presLayoutVars>
+      </dgm:prSet>
+      <dgm:spPr/>
+    </dgm:pt>
+    <dgm:pt modelId="{4C003A2B-7F8B-AB48-ACEE-50AE8C016D94}" type="pres">
+      <dgm:prSet presAssocID="{AA502A6F-9D96-4832-88D2-B0F8EE011E19}" presName="parentText" presStyleLbl="node1" presStyleIdx="0" presStyleCnt="6">
+        <dgm:presLayoutVars>
+          <dgm:chMax val="0"/>
+          <dgm:bulletEnabled val="1"/>
+        </dgm:presLayoutVars>
+      </dgm:prSet>
+      <dgm:spPr/>
+    </dgm:pt>
+    <dgm:pt modelId="{FA655A38-5AEE-3B47-B8A9-37217BF436AC}" type="pres">
+      <dgm:prSet presAssocID="{558F9E34-85E4-4763-B158-BE915FF03CD6}" presName="spacer" presStyleCnt="0"/>
+      <dgm:spPr/>
+    </dgm:pt>
+    <dgm:pt modelId="{8146FD83-1663-6A46-91AF-063A5EF92073}" type="pres">
+      <dgm:prSet presAssocID="{C35538AB-9158-4400-B859-6B535B153938}" presName="parentText" presStyleLbl="node1" presStyleIdx="1" presStyleCnt="6">
+        <dgm:presLayoutVars>
+          <dgm:chMax val="0"/>
+          <dgm:bulletEnabled val="1"/>
+        </dgm:presLayoutVars>
+      </dgm:prSet>
+      <dgm:spPr/>
+    </dgm:pt>
+    <dgm:pt modelId="{A9263FCB-9B2D-4B4F-9160-47B2066DF3A9}" type="pres">
+      <dgm:prSet presAssocID="{3DF4133E-9642-4C8D-BE98-E4C6F3E5BC6F}" presName="spacer" presStyleCnt="0"/>
+      <dgm:spPr/>
+    </dgm:pt>
+    <dgm:pt modelId="{8B733273-944B-E941-BF15-95F2C76776AA}" type="pres">
+      <dgm:prSet presAssocID="{DF280A30-7869-4D2A-98D9-1535E32DBD92}" presName="parentText" presStyleLbl="node1" presStyleIdx="2" presStyleCnt="6">
+        <dgm:presLayoutVars>
+          <dgm:chMax val="0"/>
+          <dgm:bulletEnabled val="1"/>
+        </dgm:presLayoutVars>
+      </dgm:prSet>
+      <dgm:spPr/>
+    </dgm:pt>
+    <dgm:pt modelId="{0A976D83-4A19-9B45-A703-DDD0ABDBA24F}" type="pres">
+      <dgm:prSet presAssocID="{24A09119-7253-4DB7-AB0E-39103895CE40}" presName="spacer" presStyleCnt="0"/>
+      <dgm:spPr/>
+    </dgm:pt>
+    <dgm:pt modelId="{1206DBF2-22EE-0346-A930-7944A5B0624B}" type="pres">
+      <dgm:prSet presAssocID="{D2A2AC86-C057-4650-A61B-570B5F734061}" presName="parentText" presStyleLbl="node1" presStyleIdx="3" presStyleCnt="6">
+        <dgm:presLayoutVars>
+          <dgm:chMax val="0"/>
+          <dgm:bulletEnabled val="1"/>
+        </dgm:presLayoutVars>
+      </dgm:prSet>
+      <dgm:spPr/>
+    </dgm:pt>
+    <dgm:pt modelId="{B753B2B7-81D5-234C-8952-39515C462569}" type="pres">
+      <dgm:prSet presAssocID="{AFFDA2C8-8C22-49ED-8001-419BA6ABC980}" presName="spacer" presStyleCnt="0"/>
+      <dgm:spPr/>
+    </dgm:pt>
+    <dgm:pt modelId="{F0D9E6BE-96C7-8A40-90D8-3C1EBA3922E7}" type="pres">
+      <dgm:prSet presAssocID="{9CD6C951-3DA3-4F4A-9028-2F769ED53159}" presName="parentText" presStyleLbl="node1" presStyleIdx="4" presStyleCnt="6">
+        <dgm:presLayoutVars>
+          <dgm:chMax val="0"/>
+          <dgm:bulletEnabled val="1"/>
+        </dgm:presLayoutVars>
+      </dgm:prSet>
+      <dgm:spPr/>
+    </dgm:pt>
+    <dgm:pt modelId="{9700A130-BE0D-734F-AE09-F9DDA4D8E0DA}" type="pres">
+      <dgm:prSet presAssocID="{DD0CD0EC-19B9-4BF2-9C8B-D770D8DE42D5}" presName="spacer" presStyleCnt="0"/>
+      <dgm:spPr/>
+    </dgm:pt>
+    <dgm:pt modelId="{CA7D2971-370A-5E42-AF73-2C82F35D298F}" type="pres">
+      <dgm:prSet presAssocID="{765346B1-1E95-4782-AA54-AB860E7617BF}" presName="parentText" presStyleLbl="node1" presStyleIdx="5" presStyleCnt="6">
+        <dgm:presLayoutVars>
+          <dgm:chMax val="0"/>
+          <dgm:bulletEnabled val="1"/>
+        </dgm:presLayoutVars>
+      </dgm:prSet>
+      <dgm:spPr/>
+    </dgm:pt>
+  </dgm:ptLst>
+  <dgm:cxnLst>
+    <dgm:cxn modelId="{D992A407-974C-4B3C-8AB3-E28D28098C6C}" srcId="{9A3EDFB2-A9E0-43FC-AC9C-CD5F96668851}" destId="{D2A2AC86-C057-4650-A61B-570B5F734061}" srcOrd="3" destOrd="0" parTransId="{1FCF3528-7F41-4EB6-B74D-19165EDBEF8E}" sibTransId="{AFFDA2C8-8C22-49ED-8001-419BA6ABC980}"/>
+    <dgm:cxn modelId="{2779281C-7AA5-B748-A640-945D14911DCF}" type="presOf" srcId="{AA502A6F-9D96-4832-88D2-B0F8EE011E19}" destId="{4C003A2B-7F8B-AB48-ACEE-50AE8C016D94}" srcOrd="0" destOrd="0" presId="urn:microsoft.com/office/officeart/2005/8/layout/vList2"/>
+    <dgm:cxn modelId="{ED42CE2E-FAE9-974D-A6EB-88C10F56541F}" type="presOf" srcId="{9CD6C951-3DA3-4F4A-9028-2F769ED53159}" destId="{F0D9E6BE-96C7-8A40-90D8-3C1EBA3922E7}" srcOrd="0" destOrd="0" presId="urn:microsoft.com/office/officeart/2005/8/layout/vList2"/>
+    <dgm:cxn modelId="{D63A7737-1152-47B2-A225-A9CD98AB371F}" srcId="{9A3EDFB2-A9E0-43FC-AC9C-CD5F96668851}" destId="{765346B1-1E95-4782-AA54-AB860E7617BF}" srcOrd="5" destOrd="0" parTransId="{B2C40623-7456-460C-90A3-D7986EA0028F}" sibTransId="{EE8CF666-5A4F-4373-896A-81C7C24CD5CC}"/>
+    <dgm:cxn modelId="{61A4454A-1B03-4E4B-BFFD-5AE9DE57B343}" srcId="{9A3EDFB2-A9E0-43FC-AC9C-CD5F96668851}" destId="{9CD6C951-3DA3-4F4A-9028-2F769ED53159}" srcOrd="4" destOrd="0" parTransId="{3C5DF1E9-09F6-47DB-B78F-B6B36871275E}" sibTransId="{DD0CD0EC-19B9-4BF2-9C8B-D770D8DE42D5}"/>
+    <dgm:cxn modelId="{ED40B454-5938-9A4C-A366-FFE8FF44D92A}" type="presOf" srcId="{9A3EDFB2-A9E0-43FC-AC9C-CD5F96668851}" destId="{7A3DA9FD-242F-7147-A692-173C5DF2A9F4}" srcOrd="0" destOrd="0" presId="urn:microsoft.com/office/officeart/2005/8/layout/vList2"/>
+    <dgm:cxn modelId="{48AF1B84-2B6F-B54F-B6B8-963491150975}" type="presOf" srcId="{765346B1-1E95-4782-AA54-AB860E7617BF}" destId="{CA7D2971-370A-5E42-AF73-2C82F35D298F}" srcOrd="0" destOrd="0" presId="urn:microsoft.com/office/officeart/2005/8/layout/vList2"/>
+    <dgm:cxn modelId="{F3BA8F98-29F0-A247-8EF2-FE1ECCB03952}" type="presOf" srcId="{D2A2AC86-C057-4650-A61B-570B5F734061}" destId="{1206DBF2-22EE-0346-A930-7944A5B0624B}" srcOrd="0" destOrd="0" presId="urn:microsoft.com/office/officeart/2005/8/layout/vList2"/>
+    <dgm:cxn modelId="{87919F9F-98A3-4715-A30C-853ED7DE85AE}" srcId="{9A3EDFB2-A9E0-43FC-AC9C-CD5F96668851}" destId="{AA502A6F-9D96-4832-88D2-B0F8EE011E19}" srcOrd="0" destOrd="0" parTransId="{46334E41-87D1-47F2-A8F8-D843F451BD99}" sibTransId="{558F9E34-85E4-4763-B158-BE915FF03CD6}"/>
+    <dgm:cxn modelId="{A8C843A6-3995-469A-BB2D-319433F4CAD2}" srcId="{9A3EDFB2-A9E0-43FC-AC9C-CD5F96668851}" destId="{DF280A30-7869-4D2A-98D9-1535E32DBD92}" srcOrd="2" destOrd="0" parTransId="{0EB402F1-9836-4B9D-AC7B-9AF515999335}" sibTransId="{24A09119-7253-4DB7-AB0E-39103895CE40}"/>
+    <dgm:cxn modelId="{6A1D05AC-7B9F-4059-BD61-26AD4704193B}" srcId="{9A3EDFB2-A9E0-43FC-AC9C-CD5F96668851}" destId="{C35538AB-9158-4400-B859-6B535B153938}" srcOrd="1" destOrd="0" parTransId="{F41499C0-0130-4AB2-B618-7B4C9630925A}" sibTransId="{3DF4133E-9642-4C8D-BE98-E4C6F3E5BC6F}"/>
+    <dgm:cxn modelId="{E6B9CCDF-F66D-4046-A312-70ED1AAD60BF}" type="presOf" srcId="{DF280A30-7869-4D2A-98D9-1535E32DBD92}" destId="{8B733273-944B-E941-BF15-95F2C76776AA}" srcOrd="0" destOrd="0" presId="urn:microsoft.com/office/officeart/2005/8/layout/vList2"/>
+    <dgm:cxn modelId="{D1E138E7-3889-414C-AAF3-48456BC4A81E}" type="presOf" srcId="{C35538AB-9158-4400-B859-6B535B153938}" destId="{8146FD83-1663-6A46-91AF-063A5EF92073}" srcOrd="0" destOrd="0" presId="urn:microsoft.com/office/officeart/2005/8/layout/vList2"/>
+    <dgm:cxn modelId="{D36B7E60-DDF4-2342-A31E-2120A140A0D5}" type="presParOf" srcId="{7A3DA9FD-242F-7147-A692-173C5DF2A9F4}" destId="{4C003A2B-7F8B-AB48-ACEE-50AE8C016D94}" srcOrd="0" destOrd="0" presId="urn:microsoft.com/office/officeart/2005/8/layout/vList2"/>
+    <dgm:cxn modelId="{7D4FBBB0-9851-1E48-9887-0541ED8668E1}" type="presParOf" srcId="{7A3DA9FD-242F-7147-A692-173C5DF2A9F4}" destId="{FA655A38-5AEE-3B47-B8A9-37217BF436AC}" srcOrd="1" destOrd="0" presId="urn:microsoft.com/office/officeart/2005/8/layout/vList2"/>
+    <dgm:cxn modelId="{795AA623-E11B-6E46-AB6B-F219451C1098}" type="presParOf" srcId="{7A3DA9FD-242F-7147-A692-173C5DF2A9F4}" destId="{8146FD83-1663-6A46-91AF-063A5EF92073}" srcOrd="2" destOrd="0" presId="urn:microsoft.com/office/officeart/2005/8/layout/vList2"/>
+    <dgm:cxn modelId="{4BC0E3E9-435D-4542-8C9F-9E6B7BD24B98}" type="presParOf" srcId="{7A3DA9FD-242F-7147-A692-173C5DF2A9F4}" destId="{A9263FCB-9B2D-4B4F-9160-47B2066DF3A9}" srcOrd="3" destOrd="0" presId="urn:microsoft.com/office/officeart/2005/8/layout/vList2"/>
+    <dgm:cxn modelId="{6E1F0FCD-4C1B-694F-9353-BCC4799DF4DF}" type="presParOf" srcId="{7A3DA9FD-242F-7147-A692-173C5DF2A9F4}" destId="{8B733273-944B-E941-BF15-95F2C76776AA}" srcOrd="4" destOrd="0" presId="urn:microsoft.com/office/officeart/2005/8/layout/vList2"/>
+    <dgm:cxn modelId="{5905EF89-33DF-0C4D-811D-8E210C4A14B5}" type="presParOf" srcId="{7A3DA9FD-242F-7147-A692-173C5DF2A9F4}" destId="{0A976D83-4A19-9B45-A703-DDD0ABDBA24F}" srcOrd="5" destOrd="0" presId="urn:microsoft.com/office/officeart/2005/8/layout/vList2"/>
+    <dgm:cxn modelId="{D4804D1C-9C36-BD4C-AE18-AFE460D0F6BE}" type="presParOf" srcId="{7A3DA9FD-242F-7147-A692-173C5DF2A9F4}" destId="{1206DBF2-22EE-0346-A930-7944A5B0624B}" srcOrd="6" destOrd="0" presId="urn:microsoft.com/office/officeart/2005/8/layout/vList2"/>
+    <dgm:cxn modelId="{4763D09F-ECC2-BF45-8F48-70767534FF8C}" type="presParOf" srcId="{7A3DA9FD-242F-7147-A692-173C5DF2A9F4}" destId="{B753B2B7-81D5-234C-8952-39515C462569}" srcOrd="7" destOrd="0" presId="urn:microsoft.com/office/officeart/2005/8/layout/vList2"/>
+    <dgm:cxn modelId="{0A9EDB93-597A-9840-8A41-F4ECC45AD46A}" type="presParOf" srcId="{7A3DA9FD-242F-7147-A692-173C5DF2A9F4}" destId="{F0D9E6BE-96C7-8A40-90D8-3C1EBA3922E7}" srcOrd="8" destOrd="0" presId="urn:microsoft.com/office/officeart/2005/8/layout/vList2"/>
+    <dgm:cxn modelId="{A4A5F24D-B346-0740-A964-320347657508}" type="presParOf" srcId="{7A3DA9FD-242F-7147-A692-173C5DF2A9F4}" destId="{9700A130-BE0D-734F-AE09-F9DDA4D8E0DA}" srcOrd="9" destOrd="0" presId="urn:microsoft.com/office/officeart/2005/8/layout/vList2"/>
+    <dgm:cxn modelId="{A7AC109F-2F7B-C94D-AE55-EB39BF2B9262}" type="presParOf" srcId="{7A3DA9FD-242F-7147-A692-173C5DF2A9F4}" destId="{CA7D2971-370A-5E42-AF73-2C82F35D298F}" srcOrd="10" destOrd="0" presId="urn:microsoft.com/office/officeart/2005/8/layout/vList2"/>
+  </dgm:cxnLst>
+  <dgm:bg/>
+  <dgm:whole/>
+  <dgm:extLst>
+    <a:ext uri="http://schemas.microsoft.com/office/drawing/2008/diagram">
+      <dsp:dataModelExt xmlns:dsp="http://schemas.microsoft.com/office/drawing/2008/diagram" relId="rId8" minVer="http://schemas.openxmlformats.org/drawingml/2006/diagram"/>
+    </a:ext>
+  </dgm:extLst>
+</dgm:dataModel>
+</file>
+
 <file path=ppt/diagrams/drawing1.xml><?xml version="1.0" encoding="utf-8"?>
 <dsp:drawing xmlns:dgm="http://schemas.openxmlformats.org/drawingml/2006/diagram" xmlns:dsp="http://schemas.microsoft.com/office/drawing/2008/diagram" xmlns:a="http://schemas.openxmlformats.org/drawingml/2006/main">
   <dsp:spTree>
@@ -8253,8 +10805,8 @@
       </dsp:nvSpPr>
       <dsp:spPr>
         <a:xfrm>
-          <a:off x="0" y="50925"/>
-          <a:ext cx="5886291" cy="711360"/>
+          <a:off x="0" y="79"/>
+          <a:ext cx="5886291" cy="808305"/>
         </a:xfrm>
         <a:prstGeom prst="roundRect">
           <a:avLst/>
@@ -8333,8 +10885,8 @@
         </a:p>
       </dsp:txBody>
       <dsp:txXfrm>
-        <a:off x="34726" y="85651"/>
-        <a:ext cx="5816839" cy="641908"/>
+        <a:off x="39458" y="39537"/>
+        <a:ext cx="5807375" cy="729389"/>
       </dsp:txXfrm>
     </dsp:sp>
     <dsp:sp modelId="{8146FD83-1663-6A46-91AF-063A5EF92073}">
@@ -8344,8 +10896,8 @@
       </dsp:nvSpPr>
       <dsp:spPr>
         <a:xfrm>
-          <a:off x="0" y="871725"/>
-          <a:ext cx="5886291" cy="711360"/>
+          <a:off x="0" y="821828"/>
+          <a:ext cx="5886291" cy="808305"/>
         </a:xfrm>
         <a:prstGeom prst="roundRect">
           <a:avLst/>
@@ -8417,8 +10969,8 @@
         </a:p>
       </dsp:txBody>
       <dsp:txXfrm>
-        <a:off x="34726" y="906451"/>
-        <a:ext cx="5816839" cy="641908"/>
+        <a:off x="39458" y="861286"/>
+        <a:ext cx="5807375" cy="729389"/>
       </dsp:txXfrm>
     </dsp:sp>
     <dsp:sp modelId="{8B733273-944B-E941-BF15-95F2C76776AA}">
@@ -8428,8 +10980,8 @@
       </dsp:nvSpPr>
       <dsp:spPr>
         <a:xfrm>
-          <a:off x="0" y="1692525"/>
-          <a:ext cx="5886291" cy="711360"/>
+          <a:off x="0" y="1643578"/>
+          <a:ext cx="5886291" cy="808305"/>
         </a:xfrm>
         <a:prstGeom prst="roundRect">
           <a:avLst/>
@@ -8515,8 +11067,8 @@
         </a:p>
       </dsp:txBody>
       <dsp:txXfrm>
-        <a:off x="34726" y="1727251"/>
-        <a:ext cx="5816839" cy="641908"/>
+        <a:off x="39458" y="1683036"/>
+        <a:ext cx="5807375" cy="729389"/>
       </dsp:txXfrm>
     </dsp:sp>
     <dsp:sp modelId="{1206DBF2-22EE-0346-A930-7944A5B0624B}">
@@ -8526,8 +11078,8 @@
       </dsp:nvSpPr>
       <dsp:spPr>
         <a:xfrm>
-          <a:off x="0" y="2513325"/>
-          <a:ext cx="5886291" cy="711360"/>
+          <a:off x="0" y="2465327"/>
+          <a:ext cx="5886291" cy="808305"/>
         </a:xfrm>
         <a:prstGeom prst="roundRect">
           <a:avLst/>
@@ -8606,8 +11158,8 @@
         </a:p>
       </dsp:txBody>
       <dsp:txXfrm>
-        <a:off x="34726" y="2548051"/>
-        <a:ext cx="5816839" cy="641908"/>
+        <a:off x="39458" y="2504785"/>
+        <a:ext cx="5807375" cy="729389"/>
       </dsp:txXfrm>
     </dsp:sp>
     <dsp:sp modelId="{F0D9E6BE-96C7-8A40-90D8-3C1EBA3922E7}">
@@ -8617,8 +11169,8 @@
       </dsp:nvSpPr>
       <dsp:spPr>
         <a:xfrm>
-          <a:off x="0" y="3334125"/>
-          <a:ext cx="5886291" cy="711360"/>
+          <a:off x="0" y="3287076"/>
+          <a:ext cx="5886291" cy="808305"/>
         </a:xfrm>
         <a:prstGeom prst="roundRect">
           <a:avLst/>
@@ -8690,8 +11242,8 @@
         </a:p>
       </dsp:txBody>
       <dsp:txXfrm>
-        <a:off x="34726" y="3368851"/>
-        <a:ext cx="5816839" cy="641908"/>
+        <a:off x="39458" y="3326534"/>
+        <a:ext cx="5807375" cy="729389"/>
       </dsp:txXfrm>
     </dsp:sp>
     <dsp:sp modelId="{CA7D2971-370A-5E42-AF73-2C82F35D298F}">
@@ -8701,8 +11253,8 @@
       </dsp:nvSpPr>
       <dsp:spPr>
         <a:xfrm>
-          <a:off x="0" y="4154925"/>
-          <a:ext cx="5886291" cy="711360"/>
+          <a:off x="0" y="4108825"/>
+          <a:ext cx="5886291" cy="808305"/>
         </a:xfrm>
         <a:prstGeom prst="roundRect">
           <a:avLst/>
@@ -8774,8 +11326,8 @@
         </a:p>
       </dsp:txBody>
       <dsp:txXfrm>
-        <a:off x="34726" y="4189651"/>
-        <a:ext cx="5816839" cy="641908"/>
+        <a:off x="39458" y="4148283"/>
+        <a:ext cx="5807375" cy="729389"/>
       </dsp:txXfrm>
     </dsp:sp>
   </dsp:spTree>
@@ -8797,8 +11349,8 @@
       </dsp:nvSpPr>
       <dsp:spPr>
         <a:xfrm>
-          <a:off x="2094463" y="2118"/>
-          <a:ext cx="2356271" cy="926143"/>
+          <a:off x="2094463" y="1323"/>
+          <a:ext cx="2356271" cy="770805"/>
         </a:xfrm>
         <a:prstGeom prst="roundRect">
           <a:avLst/>
@@ -8854,12 +11406,12 @@
         </a:fontRef>
       </dsp:style>
       <dsp:txBody>
-        <a:bodyPr spcFirstLastPara="0" vert="horz" wrap="square" lIns="179070" tIns="89535" rIns="179070" bIns="89535" numCol="1" spcCol="1270" anchor="ctr" anchorCtr="0">
+        <a:bodyPr spcFirstLastPara="0" vert="horz" wrap="square" lIns="144780" tIns="72390" rIns="144780" bIns="72390" numCol="1" spcCol="1270" anchor="ctr" anchorCtr="0">
           <a:noAutofit/>
         </a:bodyPr>
         <a:lstStyle/>
         <a:p>
-          <a:pPr marL="0" lvl="0" indent="0" algn="ctr" defTabSz="2089150">
+          <a:pPr marL="0" lvl="0" indent="0" algn="ctr" defTabSz="1689100">
             <a:lnSpc>
               <a:spcPct val="90000"/>
             </a:lnSpc>
@@ -8872,14 +11424,14 @@
             <a:buNone/>
           </a:pPr>
           <a:r>
-            <a:rPr lang="en-US" sz="4700" kern="1200"/>
+            <a:rPr lang="en-US" sz="3800" kern="1200"/>
             <a:t>abcba</a:t>
           </a:r>
         </a:p>
       </dsp:txBody>
       <dsp:txXfrm>
-        <a:off x="2139674" y="47329"/>
-        <a:ext cx="2265849" cy="835721"/>
+        <a:off x="2132091" y="38951"/>
+        <a:ext cx="2281015" cy="695549"/>
       </dsp:txXfrm>
     </dsp:sp>
     <dsp:sp modelId="{04D9BB2A-338B-BC41-B863-70E4A8356516}">
@@ -8889,8 +11441,8 @@
       </dsp:nvSpPr>
       <dsp:spPr>
         <a:xfrm>
-          <a:off x="2094463" y="974568"/>
-          <a:ext cx="2356271" cy="926143"/>
+          <a:off x="2094463" y="810669"/>
+          <a:ext cx="2356271" cy="770805"/>
         </a:xfrm>
         <a:prstGeom prst="roundRect">
           <a:avLst/>
@@ -8899,9 +11451,9 @@
           <a:gsLst>
             <a:gs pos="0">
               <a:schemeClr val="accent5">
-                <a:hueOff val="-501234"/>
-                <a:satOff val="276"/>
-                <a:lumOff val="1324"/>
+                <a:hueOff val="-400987"/>
+                <a:satOff val="220"/>
+                <a:lumOff val="1059"/>
                 <a:alphaOff val="0"/>
                 <a:tint val="98000"/>
                 <a:lumMod val="100000"/>
@@ -8909,9 +11461,9 @@
             </a:gs>
             <a:gs pos="100000">
               <a:schemeClr val="accent5">
-                <a:hueOff val="-501234"/>
-                <a:satOff val="276"/>
-                <a:lumOff val="1324"/>
+                <a:hueOff val="-400987"/>
+                <a:satOff val="220"/>
+                <a:lumOff val="1059"/>
                 <a:alphaOff val="0"/>
                 <a:shade val="88000"/>
                 <a:lumMod val="88000"/>
@@ -8946,12 +11498,12 @@
         </a:fontRef>
       </dsp:style>
       <dsp:txBody>
-        <a:bodyPr spcFirstLastPara="0" vert="horz" wrap="square" lIns="179070" tIns="89535" rIns="179070" bIns="89535" numCol="1" spcCol="1270" anchor="ctr" anchorCtr="0">
+        <a:bodyPr spcFirstLastPara="0" vert="horz" wrap="square" lIns="144780" tIns="72390" rIns="144780" bIns="72390" numCol="1" spcCol="1270" anchor="ctr" anchorCtr="0">
           <a:noAutofit/>
         </a:bodyPr>
         <a:lstStyle/>
         <a:p>
-          <a:pPr marL="0" lvl="0" indent="0" algn="ctr" defTabSz="2089150">
+          <a:pPr marL="0" lvl="0" indent="0" algn="ctr" defTabSz="1689100">
             <a:lnSpc>
               <a:spcPct val="90000"/>
             </a:lnSpc>
@@ -8964,14 +11516,14 @@
             <a:buNone/>
           </a:pPr>
           <a:r>
-            <a:rPr lang="en-US" sz="4700" kern="1200"/>
+            <a:rPr lang="en-US" sz="3800" kern="1200" dirty="0"/>
             <a:t>aa</a:t>
           </a:r>
         </a:p>
       </dsp:txBody>
       <dsp:txXfrm>
-        <a:off x="2139674" y="1019779"/>
-        <a:ext cx="2265849" cy="835721"/>
+        <a:off x="2132091" y="848297"/>
+        <a:ext cx="2281015" cy="695549"/>
       </dsp:txXfrm>
     </dsp:sp>
     <dsp:sp modelId="{5A318154-FC5C-FA40-BA3C-D6DD63F2D4D2}">
@@ -8981,8 +11533,8 @@
       </dsp:nvSpPr>
       <dsp:spPr>
         <a:xfrm>
-          <a:off x="2094463" y="1947019"/>
-          <a:ext cx="2356271" cy="926143"/>
+          <a:off x="2094463" y="1620015"/>
+          <a:ext cx="2356271" cy="770805"/>
         </a:xfrm>
         <a:prstGeom prst="roundRect">
           <a:avLst/>
@@ -8991,9 +11543,9 @@
           <a:gsLst>
             <a:gs pos="0">
               <a:schemeClr val="accent5">
-                <a:hueOff val="-1002469"/>
-                <a:satOff val="551"/>
-                <a:lumOff val="2647"/>
+                <a:hueOff val="-801975"/>
+                <a:satOff val="441"/>
+                <a:lumOff val="2118"/>
                 <a:alphaOff val="0"/>
                 <a:tint val="98000"/>
                 <a:lumMod val="100000"/>
@@ -9001,9 +11553,9 @@
             </a:gs>
             <a:gs pos="100000">
               <a:schemeClr val="accent5">
-                <a:hueOff val="-1002469"/>
-                <a:satOff val="551"/>
-                <a:lumOff val="2647"/>
+                <a:hueOff val="-801975"/>
+                <a:satOff val="441"/>
+                <a:lumOff val="2118"/>
                 <a:alphaOff val="0"/>
                 <a:shade val="88000"/>
                 <a:lumMod val="88000"/>
@@ -9038,12 +11590,12 @@
         </a:fontRef>
       </dsp:style>
       <dsp:txBody>
-        <a:bodyPr spcFirstLastPara="0" vert="horz" wrap="square" lIns="179070" tIns="89535" rIns="179070" bIns="89535" numCol="1" spcCol="1270" anchor="ctr" anchorCtr="0">
+        <a:bodyPr spcFirstLastPara="0" vert="horz" wrap="square" lIns="144780" tIns="72390" rIns="144780" bIns="72390" numCol="1" spcCol="1270" anchor="ctr" anchorCtr="0">
           <a:noAutofit/>
         </a:bodyPr>
         <a:lstStyle/>
         <a:p>
-          <a:pPr marL="0" lvl="0" indent="0" algn="ctr" defTabSz="2089150">
+          <a:pPr marL="0" lvl="0" indent="0" algn="ctr" defTabSz="1689100">
             <a:lnSpc>
               <a:spcPct val="90000"/>
             </a:lnSpc>
@@ -9056,14 +11608,14 @@
             <a:buNone/>
           </a:pPr>
           <a:r>
-            <a:rPr lang="en-US" sz="4700" kern="1200"/>
+            <a:rPr lang="en-US" sz="3800" kern="1200"/>
             <a:t>121</a:t>
           </a:r>
         </a:p>
       </dsp:txBody>
       <dsp:txXfrm>
-        <a:off x="2139674" y="1992230"/>
-        <a:ext cx="2265849" cy="835721"/>
+        <a:off x="2132091" y="1657643"/>
+        <a:ext cx="2281015" cy="695549"/>
       </dsp:txXfrm>
     </dsp:sp>
     <dsp:sp modelId="{92325E00-3E9C-9648-B097-7E909E438B2D}">
@@ -9073,8 +11625,8 @@
       </dsp:nvSpPr>
       <dsp:spPr>
         <a:xfrm>
-          <a:off x="2094463" y="2919469"/>
-          <a:ext cx="2356271" cy="926143"/>
+          <a:off x="2094463" y="2429361"/>
+          <a:ext cx="2356271" cy="770805"/>
         </a:xfrm>
         <a:prstGeom prst="roundRect">
           <a:avLst/>
@@ -9083,9 +11635,9 @@
           <a:gsLst>
             <a:gs pos="0">
               <a:schemeClr val="accent5">
-                <a:hueOff val="-1503703"/>
-                <a:satOff val="827"/>
-                <a:lumOff val="3971"/>
+                <a:hueOff val="-1202962"/>
+                <a:satOff val="661"/>
+                <a:lumOff val="3176"/>
                 <a:alphaOff val="0"/>
                 <a:tint val="98000"/>
                 <a:lumMod val="100000"/>
@@ -9093,9 +11645,9 @@
             </a:gs>
             <a:gs pos="100000">
               <a:schemeClr val="accent5">
-                <a:hueOff val="-1503703"/>
-                <a:satOff val="827"/>
-                <a:lumOff val="3971"/>
+                <a:hueOff val="-1202962"/>
+                <a:satOff val="661"/>
+                <a:lumOff val="3176"/>
                 <a:alphaOff val="0"/>
                 <a:shade val="88000"/>
                 <a:lumMod val="88000"/>
@@ -9130,12 +11682,12 @@
         </a:fontRef>
       </dsp:style>
       <dsp:txBody>
-        <a:bodyPr spcFirstLastPara="0" vert="horz" wrap="square" lIns="179070" tIns="89535" rIns="179070" bIns="89535" numCol="1" spcCol="1270" anchor="ctr" anchorCtr="0">
+        <a:bodyPr spcFirstLastPara="0" vert="horz" wrap="square" lIns="144780" tIns="72390" rIns="144780" bIns="72390" numCol="1" spcCol="1270" anchor="ctr" anchorCtr="0">
           <a:noAutofit/>
         </a:bodyPr>
         <a:lstStyle/>
         <a:p>
-          <a:pPr marL="0" lvl="0" indent="0" algn="ctr" defTabSz="2089150">
+          <a:pPr marL="0" lvl="0" indent="0" algn="ctr" defTabSz="1689100">
             <a:lnSpc>
               <a:spcPct val="90000"/>
             </a:lnSpc>
@@ -9148,14 +11700,14 @@
             <a:buNone/>
           </a:pPr>
           <a:r>
-            <a:rPr lang="en-US" sz="4700" kern="1200"/>
+            <a:rPr lang="en-US" sz="3800" kern="1200" dirty="0"/>
             <a:t>abba</a:t>
           </a:r>
         </a:p>
       </dsp:txBody>
       <dsp:txXfrm>
-        <a:off x="2139674" y="2964680"/>
-        <a:ext cx="2265849" cy="835721"/>
+        <a:off x="2132091" y="2466989"/>
+        <a:ext cx="2281015" cy="695549"/>
       </dsp:txXfrm>
     </dsp:sp>
     <dsp:sp modelId="{D020B8C6-3554-F742-AA33-277C83DE2795}">
@@ -9165,8 +11717,100 @@
       </dsp:nvSpPr>
       <dsp:spPr>
         <a:xfrm>
-          <a:off x="2094463" y="3891920"/>
-          <a:ext cx="2356271" cy="926143"/>
+          <a:off x="2094463" y="3238706"/>
+          <a:ext cx="2356271" cy="770805"/>
+        </a:xfrm>
+        <a:prstGeom prst="roundRect">
+          <a:avLst/>
+        </a:prstGeom>
+        <a:gradFill rotWithShape="0">
+          <a:gsLst>
+            <a:gs pos="0">
+              <a:schemeClr val="accent5">
+                <a:hueOff val="-1603950"/>
+                <a:satOff val="882"/>
+                <a:lumOff val="4235"/>
+                <a:alphaOff val="0"/>
+                <a:tint val="98000"/>
+                <a:lumMod val="100000"/>
+              </a:schemeClr>
+            </a:gs>
+            <a:gs pos="100000">
+              <a:schemeClr val="accent5">
+                <a:hueOff val="-1603950"/>
+                <a:satOff val="882"/>
+                <a:lumOff val="4235"/>
+                <a:alphaOff val="0"/>
+                <a:shade val="88000"/>
+                <a:lumMod val="88000"/>
+              </a:schemeClr>
+            </a:gs>
+          </a:gsLst>
+          <a:lin ang="5400000" scaled="1"/>
+        </a:gradFill>
+        <a:ln>
+          <a:noFill/>
+        </a:ln>
+        <a:effectLst>
+          <a:outerShdw blurRad="50800" dist="38100" dir="5400000" rotWithShape="0">
+            <a:srgbClr val="000000">
+              <a:alpha val="35000"/>
+            </a:srgbClr>
+          </a:outerShdw>
+        </a:effectLst>
+      </dsp:spPr>
+      <dsp:style>
+        <a:lnRef idx="0">
+          <a:scrgbClr r="0" g="0" b="0"/>
+        </a:lnRef>
+        <a:fillRef idx="3">
+          <a:scrgbClr r="0" g="0" b="0"/>
+        </a:fillRef>
+        <a:effectRef idx="2">
+          <a:scrgbClr r="0" g="0" b="0"/>
+        </a:effectRef>
+        <a:fontRef idx="minor">
+          <a:schemeClr val="lt1"/>
+        </a:fontRef>
+      </dsp:style>
+      <dsp:txBody>
+        <a:bodyPr spcFirstLastPara="0" vert="horz" wrap="square" lIns="144780" tIns="72390" rIns="144780" bIns="72390" numCol="1" spcCol="1270" anchor="ctr" anchorCtr="0">
+          <a:noAutofit/>
+        </a:bodyPr>
+        <a:lstStyle/>
+        <a:p>
+          <a:pPr marL="0" lvl="0" indent="0" algn="ctr" defTabSz="1689100">
+            <a:lnSpc>
+              <a:spcPct val="90000"/>
+            </a:lnSpc>
+            <a:spcBef>
+              <a:spcPct val="0"/>
+            </a:spcBef>
+            <a:spcAft>
+              <a:spcPct val="35000"/>
+            </a:spcAft>
+            <a:buNone/>
+          </a:pPr>
+          <a:r>
+            <a:rPr lang="en-US" sz="3800" kern="1200" dirty="0"/>
+            <a:t>a</a:t>
+          </a:r>
+        </a:p>
+      </dsp:txBody>
+      <dsp:txXfrm>
+        <a:off x="2132091" y="3276334"/>
+        <a:ext cx="2281015" cy="695549"/>
+      </dsp:txXfrm>
+    </dsp:sp>
+    <dsp:sp modelId="{575748B0-1492-4744-9848-F1087F15FF05}">
+      <dsp:nvSpPr>
+        <dsp:cNvPr id="0" name=""/>
+        <dsp:cNvSpPr/>
+      </dsp:nvSpPr>
+      <dsp:spPr>
+        <a:xfrm>
+          <a:off x="2094463" y="4048052"/>
+          <a:ext cx="2356271" cy="770805"/>
         </a:xfrm>
         <a:prstGeom prst="roundRect">
           <a:avLst/>
@@ -9222,12 +11866,12 @@
         </a:fontRef>
       </dsp:style>
       <dsp:txBody>
-        <a:bodyPr spcFirstLastPara="0" vert="horz" wrap="square" lIns="179070" tIns="89535" rIns="179070" bIns="89535" numCol="1" spcCol="1270" anchor="ctr" anchorCtr="0">
+        <a:bodyPr spcFirstLastPara="0" vert="horz" wrap="square" lIns="144780" tIns="72390" rIns="144780" bIns="72390" numCol="1" spcCol="1270" anchor="ctr" anchorCtr="0">
           <a:noAutofit/>
         </a:bodyPr>
         <a:lstStyle/>
         <a:p>
-          <a:pPr marL="0" lvl="0" indent="0" algn="ctr" defTabSz="2089150">
+          <a:pPr marL="0" lvl="0" indent="0" algn="ctr" defTabSz="1689100">
             <a:lnSpc>
               <a:spcPct val="90000"/>
             </a:lnSpc>
@@ -9240,14 +11884,29 @@
             <a:buNone/>
           </a:pPr>
           <a:r>
-            <a:rPr lang="en-US" sz="4700" kern="1200"/>
+            <a:rPr lang="en-US" sz="3800" kern="1200" dirty="0" err="1"/>
             <a:t>a</a:t>
           </a:r>
+          <a:r>
+            <a:rPr lang="en-US" sz="3800" kern="1200" dirty="0" err="1">
+              <a:solidFill>
+                <a:schemeClr val="tx2">
+                  <a:lumMod val="50000"/>
+                </a:schemeClr>
+              </a:solidFill>
+            </a:rPr>
+            <a:t>bcdcb</a:t>
+          </a:r>
+          <a:r>
+            <a:rPr lang="en-US" sz="3800" kern="1200" dirty="0" err="1"/>
+            <a:t>ef</a:t>
+          </a:r>
+          <a:endParaRPr lang="en-US" sz="3800" kern="1200" dirty="0"/>
         </a:p>
       </dsp:txBody>
       <dsp:txXfrm>
-        <a:off x="2139674" y="3937131"/>
-        <a:ext cx="2265849" cy="835721"/>
+        <a:off x="2132091" y="4085680"/>
+        <a:ext cx="2281015" cy="695549"/>
       </dsp:txXfrm>
     </dsp:sp>
   </dsp:spTree>
@@ -9269,8 +11928,8 @@
       </dsp:nvSpPr>
       <dsp:spPr>
         <a:xfrm>
-          <a:off x="0" y="50925"/>
-          <a:ext cx="5886291" cy="711360"/>
+          <a:off x="0" y="645"/>
+          <a:ext cx="5886291" cy="808034"/>
         </a:xfrm>
         <a:prstGeom prst="roundRect">
           <a:avLst/>
@@ -9349,8 +12008,8 @@
         </a:p>
       </dsp:txBody>
       <dsp:txXfrm>
-        <a:off x="34726" y="85651"/>
-        <a:ext cx="5816839" cy="641908"/>
+        <a:off x="39445" y="40090"/>
+        <a:ext cx="5807401" cy="729144"/>
       </dsp:txXfrm>
     </dsp:sp>
     <dsp:sp modelId="{8146FD83-1663-6A46-91AF-063A5EF92073}">
@@ -9360,8 +12019,8 @@
       </dsp:nvSpPr>
       <dsp:spPr>
         <a:xfrm>
-          <a:off x="0" y="871725"/>
-          <a:ext cx="5886291" cy="711360"/>
+          <a:off x="0" y="822222"/>
+          <a:ext cx="5886291" cy="808034"/>
         </a:xfrm>
         <a:prstGeom prst="roundRect">
           <a:avLst/>
@@ -9433,8 +12092,8 @@
         </a:p>
       </dsp:txBody>
       <dsp:txXfrm>
-        <a:off x="34726" y="906451"/>
-        <a:ext cx="5816839" cy="641908"/>
+        <a:off x="39445" y="861667"/>
+        <a:ext cx="5807401" cy="729144"/>
       </dsp:txXfrm>
     </dsp:sp>
     <dsp:sp modelId="{8B733273-944B-E941-BF15-95F2C76776AA}">
@@ -9444,8 +12103,8 @@
       </dsp:nvSpPr>
       <dsp:spPr>
         <a:xfrm>
-          <a:off x="0" y="1692525"/>
-          <a:ext cx="5886291" cy="711360"/>
+          <a:off x="0" y="1643799"/>
+          <a:ext cx="5886291" cy="808034"/>
         </a:xfrm>
         <a:prstGeom prst="roundRect">
           <a:avLst/>
@@ -9531,8 +12190,8 @@
         </a:p>
       </dsp:txBody>
       <dsp:txXfrm>
-        <a:off x="34726" y="1727251"/>
-        <a:ext cx="5816839" cy="641908"/>
+        <a:off x="39445" y="1683244"/>
+        <a:ext cx="5807401" cy="729144"/>
       </dsp:txXfrm>
     </dsp:sp>
     <dsp:sp modelId="{1206DBF2-22EE-0346-A930-7944A5B0624B}">
@@ -9542,8 +12201,8 @@
       </dsp:nvSpPr>
       <dsp:spPr>
         <a:xfrm>
-          <a:off x="0" y="2513325"/>
-          <a:ext cx="5886291" cy="711360"/>
+          <a:off x="0" y="2465376"/>
+          <a:ext cx="5886291" cy="808034"/>
         </a:xfrm>
         <a:prstGeom prst="roundRect">
           <a:avLst/>
@@ -9622,8 +12281,8 @@
         </a:p>
       </dsp:txBody>
       <dsp:txXfrm>
-        <a:off x="34726" y="2548051"/>
-        <a:ext cx="5816839" cy="641908"/>
+        <a:off x="39445" y="2504821"/>
+        <a:ext cx="5807401" cy="729144"/>
       </dsp:txXfrm>
     </dsp:sp>
     <dsp:sp modelId="{F0D9E6BE-96C7-8A40-90D8-3C1EBA3922E7}">
@@ -9633,8 +12292,8 @@
       </dsp:nvSpPr>
       <dsp:spPr>
         <a:xfrm>
-          <a:off x="0" y="3334125"/>
-          <a:ext cx="5886291" cy="711360"/>
+          <a:off x="0" y="3286953"/>
+          <a:ext cx="5886291" cy="808034"/>
         </a:xfrm>
         <a:prstGeom prst="roundRect">
           <a:avLst/>
@@ -9706,8 +12365,8 @@
         </a:p>
       </dsp:txBody>
       <dsp:txXfrm>
-        <a:off x="34726" y="3368851"/>
-        <a:ext cx="5816839" cy="641908"/>
+        <a:off x="39445" y="3326398"/>
+        <a:ext cx="5807401" cy="729144"/>
       </dsp:txXfrm>
     </dsp:sp>
     <dsp:sp modelId="{CA7D2971-370A-5E42-AF73-2C82F35D298F}">
@@ -9717,8 +12376,8 @@
       </dsp:nvSpPr>
       <dsp:spPr>
         <a:xfrm>
-          <a:off x="0" y="4154925"/>
-          <a:ext cx="5886291" cy="711360"/>
+          <a:off x="0" y="4108530"/>
+          <a:ext cx="5886291" cy="808034"/>
         </a:xfrm>
         <a:prstGeom prst="roundRect">
           <a:avLst/>
@@ -9790,8 +12449,8 @@
         </a:p>
       </dsp:txBody>
       <dsp:txXfrm>
-        <a:off x="34726" y="4189651"/>
-        <a:ext cx="5816839" cy="641908"/>
+        <a:off x="39445" y="4147975"/>
+        <a:ext cx="5807401" cy="729144"/>
       </dsp:txXfrm>
     </dsp:sp>
   </dsp:spTree>
@@ -10508,8 +13167,8 @@
       </dsp:nvSpPr>
       <dsp:spPr>
         <a:xfrm>
-          <a:off x="0" y="50925"/>
-          <a:ext cx="5886291" cy="711360"/>
+          <a:off x="0" y="645"/>
+          <a:ext cx="5886291" cy="808034"/>
         </a:xfrm>
         <a:prstGeom prst="roundRect">
           <a:avLst/>
@@ -10588,8 +13247,8 @@
         </a:p>
       </dsp:txBody>
       <dsp:txXfrm>
-        <a:off x="34726" y="85651"/>
-        <a:ext cx="5816839" cy="641908"/>
+        <a:off x="39445" y="40090"/>
+        <a:ext cx="5807401" cy="729144"/>
       </dsp:txXfrm>
     </dsp:sp>
     <dsp:sp modelId="{8146FD83-1663-6A46-91AF-063A5EF92073}">
@@ -10599,8 +13258,8 @@
       </dsp:nvSpPr>
       <dsp:spPr>
         <a:xfrm>
-          <a:off x="0" y="871725"/>
-          <a:ext cx="5886291" cy="711360"/>
+          <a:off x="0" y="822222"/>
+          <a:ext cx="5886291" cy="808034"/>
         </a:xfrm>
         <a:prstGeom prst="roundRect">
           <a:avLst/>
@@ -10672,8 +13331,8 @@
         </a:p>
       </dsp:txBody>
       <dsp:txXfrm>
-        <a:off x="34726" y="906451"/>
-        <a:ext cx="5816839" cy="641908"/>
+        <a:off x="39445" y="861667"/>
+        <a:ext cx="5807401" cy="729144"/>
       </dsp:txXfrm>
     </dsp:sp>
     <dsp:sp modelId="{8B733273-944B-E941-BF15-95F2C76776AA}">
@@ -10683,8 +13342,8 @@
       </dsp:nvSpPr>
       <dsp:spPr>
         <a:xfrm>
-          <a:off x="0" y="1692525"/>
-          <a:ext cx="5886291" cy="711360"/>
+          <a:off x="0" y="1643799"/>
+          <a:ext cx="5886291" cy="808034"/>
         </a:xfrm>
         <a:prstGeom prst="roundRect">
           <a:avLst/>
@@ -10770,8 +13429,8 @@
         </a:p>
       </dsp:txBody>
       <dsp:txXfrm>
-        <a:off x="34726" y="1727251"/>
-        <a:ext cx="5816839" cy="641908"/>
+        <a:off x="39445" y="1683244"/>
+        <a:ext cx="5807401" cy="729144"/>
       </dsp:txXfrm>
     </dsp:sp>
     <dsp:sp modelId="{1206DBF2-22EE-0346-A930-7944A5B0624B}">
@@ -10781,8 +13440,8 @@
       </dsp:nvSpPr>
       <dsp:spPr>
         <a:xfrm>
-          <a:off x="0" y="2513325"/>
-          <a:ext cx="5886291" cy="711360"/>
+          <a:off x="0" y="2465376"/>
+          <a:ext cx="5886291" cy="808034"/>
         </a:xfrm>
         <a:prstGeom prst="roundRect">
           <a:avLst/>
@@ -10861,8 +13520,8 @@
         </a:p>
       </dsp:txBody>
       <dsp:txXfrm>
-        <a:off x="34726" y="2548051"/>
-        <a:ext cx="5816839" cy="641908"/>
+        <a:off x="39445" y="2504821"/>
+        <a:ext cx="5807401" cy="729144"/>
       </dsp:txXfrm>
     </dsp:sp>
     <dsp:sp modelId="{F0D9E6BE-96C7-8A40-90D8-3C1EBA3922E7}">
@@ -10872,8 +13531,8 @@
       </dsp:nvSpPr>
       <dsp:spPr>
         <a:xfrm>
-          <a:off x="0" y="3334125"/>
-          <a:ext cx="5886291" cy="711360"/>
+          <a:off x="0" y="3286953"/>
+          <a:ext cx="5886291" cy="808034"/>
         </a:xfrm>
         <a:prstGeom prst="roundRect">
           <a:avLst/>
@@ -10945,8 +13604,8 @@
         </a:p>
       </dsp:txBody>
       <dsp:txXfrm>
-        <a:off x="34726" y="3368851"/>
-        <a:ext cx="5816839" cy="641908"/>
+        <a:off x="39445" y="3326398"/>
+        <a:ext cx="5807401" cy="729144"/>
       </dsp:txXfrm>
     </dsp:sp>
     <dsp:sp modelId="{CA7D2971-370A-5E42-AF73-2C82F35D298F}">
@@ -10956,8 +13615,8 @@
       </dsp:nvSpPr>
       <dsp:spPr>
         <a:xfrm>
-          <a:off x="0" y="4154925"/>
-          <a:ext cx="5886291" cy="711360"/>
+          <a:off x="0" y="4108530"/>
+          <a:ext cx="5886291" cy="808034"/>
         </a:xfrm>
         <a:prstGeom prst="roundRect">
           <a:avLst/>
@@ -11029,8 +13688,8 @@
         </a:p>
       </dsp:txBody>
       <dsp:txXfrm>
-        <a:off x="34726" y="4189651"/>
-        <a:ext cx="5816839" cy="641908"/>
+        <a:off x="39445" y="4147975"/>
+        <a:ext cx="5807401" cy="729144"/>
       </dsp:txXfrm>
     </dsp:sp>
   </dsp:spTree>
@@ -11052,8 +13711,8 @@
       </dsp:nvSpPr>
       <dsp:spPr>
         <a:xfrm>
-          <a:off x="0" y="50925"/>
-          <a:ext cx="5886291" cy="711360"/>
+          <a:off x="0" y="1615"/>
+          <a:ext cx="5886291" cy="807934"/>
         </a:xfrm>
         <a:prstGeom prst="roundRect">
           <a:avLst/>
@@ -11132,8 +13791,8 @@
         </a:p>
       </dsp:txBody>
       <dsp:txXfrm>
-        <a:off x="34726" y="85651"/>
-        <a:ext cx="5816839" cy="641908"/>
+        <a:off x="39440" y="41055"/>
+        <a:ext cx="5807411" cy="729054"/>
       </dsp:txXfrm>
     </dsp:sp>
     <dsp:sp modelId="{8146FD83-1663-6A46-91AF-063A5EF92073}">
@@ -11143,8 +13802,8 @@
       </dsp:nvSpPr>
       <dsp:spPr>
         <a:xfrm>
-          <a:off x="0" y="871725"/>
-          <a:ext cx="5886291" cy="711360"/>
+          <a:off x="0" y="822824"/>
+          <a:ext cx="5886291" cy="807934"/>
         </a:xfrm>
         <a:prstGeom prst="roundRect">
           <a:avLst/>
@@ -11216,8 +13875,8 @@
         </a:p>
       </dsp:txBody>
       <dsp:txXfrm>
-        <a:off x="34726" y="906451"/>
-        <a:ext cx="5816839" cy="641908"/>
+        <a:off x="39440" y="862264"/>
+        <a:ext cx="5807411" cy="729054"/>
       </dsp:txXfrm>
     </dsp:sp>
     <dsp:sp modelId="{8B733273-944B-E941-BF15-95F2C76776AA}">
@@ -11227,8 +13886,8 @@
       </dsp:nvSpPr>
       <dsp:spPr>
         <a:xfrm>
-          <a:off x="0" y="1692525"/>
-          <a:ext cx="5886291" cy="711360"/>
+          <a:off x="0" y="1644033"/>
+          <a:ext cx="5886291" cy="807934"/>
         </a:xfrm>
         <a:prstGeom prst="roundRect">
           <a:avLst/>
@@ -11314,8 +13973,8 @@
         </a:p>
       </dsp:txBody>
       <dsp:txXfrm>
-        <a:off x="34726" y="1727251"/>
-        <a:ext cx="5816839" cy="641908"/>
+        <a:off x="39440" y="1683473"/>
+        <a:ext cx="5807411" cy="729054"/>
       </dsp:txXfrm>
     </dsp:sp>
     <dsp:sp modelId="{1206DBF2-22EE-0346-A930-7944A5B0624B}">
@@ -11325,8 +13984,8 @@
       </dsp:nvSpPr>
       <dsp:spPr>
         <a:xfrm>
-          <a:off x="0" y="2513325"/>
-          <a:ext cx="5886291" cy="711360"/>
+          <a:off x="0" y="2465242"/>
+          <a:ext cx="5886291" cy="807934"/>
         </a:xfrm>
         <a:prstGeom prst="roundRect">
           <a:avLst/>
@@ -11405,8 +14064,8 @@
         </a:p>
       </dsp:txBody>
       <dsp:txXfrm>
-        <a:off x="34726" y="2548051"/>
-        <a:ext cx="5816839" cy="641908"/>
+        <a:off x="39440" y="2504682"/>
+        <a:ext cx="5807411" cy="729054"/>
       </dsp:txXfrm>
     </dsp:sp>
     <dsp:sp modelId="{F0D9E6BE-96C7-8A40-90D8-3C1EBA3922E7}">
@@ -11416,8 +14075,8 @@
       </dsp:nvSpPr>
       <dsp:spPr>
         <a:xfrm>
-          <a:off x="0" y="3334125"/>
-          <a:ext cx="5886291" cy="711360"/>
+          <a:off x="0" y="3286452"/>
+          <a:ext cx="5886291" cy="807934"/>
         </a:xfrm>
         <a:prstGeom prst="roundRect">
           <a:avLst/>
@@ -11489,8 +14148,8 @@
         </a:p>
       </dsp:txBody>
       <dsp:txXfrm>
-        <a:off x="34726" y="3368851"/>
-        <a:ext cx="5816839" cy="641908"/>
+        <a:off x="39440" y="3325892"/>
+        <a:ext cx="5807411" cy="729054"/>
       </dsp:txXfrm>
     </dsp:sp>
     <dsp:sp modelId="{CA7D2971-370A-5E42-AF73-2C82F35D298F}">
@@ -11500,8 +14159,8 @@
       </dsp:nvSpPr>
       <dsp:spPr>
         <a:xfrm>
-          <a:off x="0" y="4154925"/>
-          <a:ext cx="5886291" cy="711360"/>
+          <a:off x="0" y="4107661"/>
+          <a:ext cx="5886291" cy="807934"/>
         </a:xfrm>
         <a:prstGeom prst="roundRect">
           <a:avLst/>
@@ -11573,8 +14232,1096 @@
         </a:p>
       </dsp:txBody>
       <dsp:txXfrm>
-        <a:off x="34726" y="4189651"/>
-        <a:ext cx="5816839" cy="641908"/>
+        <a:off x="39440" y="4147101"/>
+        <a:ext cx="5807411" cy="729054"/>
+      </dsp:txXfrm>
+    </dsp:sp>
+  </dsp:spTree>
+</dsp:drawing>
+</file>
+
+<file path=ppt/diagrams/drawing8.xml><?xml version="1.0" encoding="utf-8"?>
+<dsp:drawing xmlns:dgm="http://schemas.openxmlformats.org/drawingml/2006/diagram" xmlns:dsp="http://schemas.microsoft.com/office/drawing/2008/diagram" xmlns:a="http://schemas.openxmlformats.org/drawingml/2006/main">
+  <dsp:spTree>
+    <dsp:nvGrpSpPr>
+      <dsp:cNvPr id="0" name=""/>
+      <dsp:cNvGrpSpPr/>
+    </dsp:nvGrpSpPr>
+    <dsp:grpSpPr/>
+    <dsp:sp modelId="{4C003A2B-7F8B-AB48-ACEE-50AE8C016D94}">
+      <dsp:nvSpPr>
+        <dsp:cNvPr id="0" name=""/>
+        <dsp:cNvSpPr/>
+      </dsp:nvSpPr>
+      <dsp:spPr>
+        <a:xfrm>
+          <a:off x="0" y="1193"/>
+          <a:ext cx="5886291" cy="808192"/>
+        </a:xfrm>
+        <a:prstGeom prst="roundRect">
+          <a:avLst/>
+        </a:prstGeom>
+        <a:solidFill>
+          <a:schemeClr val="accent2">
+            <a:hueOff val="0"/>
+            <a:satOff val="0"/>
+            <a:lumOff val="0"/>
+            <a:alphaOff val="0"/>
+          </a:schemeClr>
+        </a:solidFill>
+        <a:ln w="19050" cap="rnd" cmpd="sng" algn="ctr">
+          <a:solidFill>
+            <a:schemeClr val="lt1">
+              <a:hueOff val="0"/>
+              <a:satOff val="0"/>
+              <a:lumOff val="0"/>
+              <a:alphaOff val="0"/>
+            </a:schemeClr>
+          </a:solidFill>
+          <a:prstDash val="solid"/>
+        </a:ln>
+        <a:effectLst/>
+      </dsp:spPr>
+      <dsp:style>
+        <a:lnRef idx="2">
+          <a:scrgbClr r="0" g="0" b="0"/>
+        </a:lnRef>
+        <a:fillRef idx="1">
+          <a:scrgbClr r="0" g="0" b="0"/>
+        </a:fillRef>
+        <a:effectRef idx="0">
+          <a:scrgbClr r="0" g="0" b="0"/>
+        </a:effectRef>
+        <a:fontRef idx="minor">
+          <a:schemeClr val="lt1"/>
+        </a:fontRef>
+      </dsp:style>
+      <dsp:txBody>
+        <a:bodyPr spcFirstLastPara="0" vert="horz" wrap="square" lIns="68580" tIns="68580" rIns="68580" bIns="68580" numCol="1" spcCol="1270" anchor="ctr" anchorCtr="0">
+          <a:noAutofit/>
+        </a:bodyPr>
+        <a:lstStyle/>
+        <a:p>
+          <a:pPr marL="0" lvl="0" indent="0" algn="l" defTabSz="800100">
+            <a:lnSpc>
+              <a:spcPct val="90000"/>
+            </a:lnSpc>
+            <a:spcBef>
+              <a:spcPct val="0"/>
+            </a:spcBef>
+            <a:spcAft>
+              <a:spcPct val="35000"/>
+            </a:spcAft>
+            <a:buNone/>
+          </a:pPr>
+          <a:r>
+            <a:rPr lang="en-US" sz="1800" b="0" kern="1200" dirty="0" err="1">
+              <a:latin typeface="Heiti TC Medium" pitchFamily="2" charset="-128"/>
+              <a:ea typeface="Heiti TC Medium" pitchFamily="2" charset="-128"/>
+            </a:rPr>
+            <a:t>什么是回文</a:t>
+          </a:r>
+          <a:r>
+            <a:rPr lang="zh-CN" sz="1800" b="0" kern="1200" dirty="0">
+              <a:latin typeface="Heiti TC Medium" pitchFamily="2" charset="-128"/>
+              <a:ea typeface="Heiti TC Medium" pitchFamily="2" charset="-128"/>
+            </a:rPr>
+            <a:t>字符串</a:t>
+          </a:r>
+          <a:endParaRPr lang="en-US" sz="1800" b="0" kern="1200" dirty="0">
+            <a:latin typeface="Heiti TC Medium" pitchFamily="2" charset="-128"/>
+            <a:ea typeface="Heiti TC Medium" pitchFamily="2" charset="-128"/>
+          </a:endParaRPr>
+        </a:p>
+      </dsp:txBody>
+      <dsp:txXfrm>
+        <a:off x="39453" y="40646"/>
+        <a:ext cx="5807385" cy="729286"/>
+      </dsp:txXfrm>
+    </dsp:sp>
+    <dsp:sp modelId="{8146FD83-1663-6A46-91AF-063A5EF92073}">
+      <dsp:nvSpPr>
+        <dsp:cNvPr id="0" name=""/>
+        <dsp:cNvSpPr/>
+      </dsp:nvSpPr>
+      <dsp:spPr>
+        <a:xfrm>
+          <a:off x="0" y="822519"/>
+          <a:ext cx="5886291" cy="808192"/>
+        </a:xfrm>
+        <a:prstGeom prst="roundRect">
+          <a:avLst/>
+        </a:prstGeom>
+        <a:solidFill>
+          <a:schemeClr val="accent2">
+            <a:hueOff val="-622030"/>
+            <a:satOff val="-3291"/>
+            <a:lumOff val="-1255"/>
+            <a:alphaOff val="0"/>
+          </a:schemeClr>
+        </a:solidFill>
+        <a:ln w="19050" cap="rnd" cmpd="sng" algn="ctr">
+          <a:solidFill>
+            <a:schemeClr val="lt1">
+              <a:hueOff val="0"/>
+              <a:satOff val="0"/>
+              <a:lumOff val="0"/>
+              <a:alphaOff val="0"/>
+            </a:schemeClr>
+          </a:solidFill>
+          <a:prstDash val="solid"/>
+        </a:ln>
+        <a:effectLst/>
+      </dsp:spPr>
+      <dsp:style>
+        <a:lnRef idx="2">
+          <a:scrgbClr r="0" g="0" b="0"/>
+        </a:lnRef>
+        <a:fillRef idx="1">
+          <a:scrgbClr r="0" g="0" b="0"/>
+        </a:fillRef>
+        <a:effectRef idx="0">
+          <a:scrgbClr r="0" g="0" b="0"/>
+        </a:effectRef>
+        <a:fontRef idx="minor">
+          <a:schemeClr val="lt1"/>
+        </a:fontRef>
+      </dsp:style>
+      <dsp:txBody>
+        <a:bodyPr spcFirstLastPara="0" vert="horz" wrap="square" lIns="68580" tIns="68580" rIns="68580" bIns="68580" numCol="1" spcCol="1270" anchor="ctr" anchorCtr="0">
+          <a:noAutofit/>
+        </a:bodyPr>
+        <a:lstStyle/>
+        <a:p>
+          <a:pPr marL="0" lvl="0" indent="0" algn="l" defTabSz="800100">
+            <a:lnSpc>
+              <a:spcPct val="90000"/>
+            </a:lnSpc>
+            <a:spcBef>
+              <a:spcPct val="0"/>
+            </a:spcBef>
+            <a:spcAft>
+              <a:spcPct val="35000"/>
+            </a:spcAft>
+            <a:buNone/>
+          </a:pPr>
+          <a:r>
+            <a:rPr lang="en-US" sz="1800" b="0" kern="1200" dirty="0" err="1">
+              <a:latin typeface="Heiti TC Medium" pitchFamily="2" charset="-128"/>
+              <a:ea typeface="Heiti TC Medium" pitchFamily="2" charset="-128"/>
+            </a:rPr>
+            <a:t>判定回文字符串</a:t>
+          </a:r>
+          <a:endParaRPr lang="en-US" sz="1800" b="0" kern="1200" dirty="0">
+            <a:latin typeface="Heiti TC Medium" pitchFamily="2" charset="-128"/>
+            <a:ea typeface="Heiti TC Medium" pitchFamily="2" charset="-128"/>
+          </a:endParaRPr>
+        </a:p>
+      </dsp:txBody>
+      <dsp:txXfrm>
+        <a:off x="39453" y="861972"/>
+        <a:ext cx="5807385" cy="729286"/>
+      </dsp:txXfrm>
+    </dsp:sp>
+    <dsp:sp modelId="{8B733273-944B-E941-BF15-95F2C76776AA}">
+      <dsp:nvSpPr>
+        <dsp:cNvPr id="0" name=""/>
+        <dsp:cNvSpPr/>
+      </dsp:nvSpPr>
+      <dsp:spPr>
+        <a:xfrm>
+          <a:off x="0" y="1643846"/>
+          <a:ext cx="5886291" cy="808192"/>
+        </a:xfrm>
+        <a:prstGeom prst="roundRect">
+          <a:avLst/>
+        </a:prstGeom>
+        <a:solidFill>
+          <a:schemeClr val="accent2">
+            <a:hueOff val="-1244059"/>
+            <a:satOff val="-6581"/>
+            <a:lumOff val="-2510"/>
+            <a:alphaOff val="0"/>
+          </a:schemeClr>
+        </a:solidFill>
+        <a:ln w="19050" cap="rnd" cmpd="sng" algn="ctr">
+          <a:solidFill>
+            <a:schemeClr val="lt1">
+              <a:hueOff val="0"/>
+              <a:satOff val="0"/>
+              <a:lumOff val="0"/>
+              <a:alphaOff val="0"/>
+            </a:schemeClr>
+          </a:solidFill>
+          <a:prstDash val="solid"/>
+        </a:ln>
+        <a:effectLst/>
+      </dsp:spPr>
+      <dsp:style>
+        <a:lnRef idx="2">
+          <a:scrgbClr r="0" g="0" b="0"/>
+        </a:lnRef>
+        <a:fillRef idx="1">
+          <a:scrgbClr r="0" g="0" b="0"/>
+        </a:fillRef>
+        <a:effectRef idx="0">
+          <a:scrgbClr r="0" g="0" b="0"/>
+        </a:effectRef>
+        <a:fontRef idx="minor">
+          <a:schemeClr val="lt1"/>
+        </a:fontRef>
+      </dsp:style>
+      <dsp:txBody>
+        <a:bodyPr spcFirstLastPara="0" vert="horz" wrap="square" lIns="68580" tIns="68580" rIns="68580" bIns="68580" numCol="1" spcCol="1270" anchor="ctr" anchorCtr="0">
+          <a:noAutofit/>
+        </a:bodyPr>
+        <a:lstStyle/>
+        <a:p>
+          <a:pPr marL="0" lvl="0" indent="0" algn="l" defTabSz="800100">
+            <a:lnSpc>
+              <a:spcPct val="90000"/>
+            </a:lnSpc>
+            <a:spcBef>
+              <a:spcPct val="0"/>
+            </a:spcBef>
+            <a:spcAft>
+              <a:spcPct val="35000"/>
+            </a:spcAft>
+            <a:buNone/>
+          </a:pPr>
+          <a:r>
+            <a:rPr lang="zh-CN" sz="1800" b="0" kern="1200" dirty="0">
+              <a:latin typeface="Heiti TC Medium" pitchFamily="2" charset="-128"/>
+              <a:ea typeface="Heiti TC Medium" pitchFamily="2" charset="-128"/>
+            </a:rPr>
+            <a:t>搜索回文</a:t>
+          </a:r>
+          <a:r>
+            <a:rPr lang="zh-CN" altLang="en-US" sz="1800" b="0" kern="1200" dirty="0">
+              <a:latin typeface="Heiti TC Medium" pitchFamily="2" charset="-128"/>
+              <a:ea typeface="Heiti TC Medium" pitchFamily="2" charset="-128"/>
+            </a:rPr>
+            <a:t>子</a:t>
+          </a:r>
+          <a:r>
+            <a:rPr lang="zh-CN" sz="1800" b="0" kern="1200" dirty="0">
+              <a:latin typeface="Heiti TC Medium" pitchFamily="2" charset="-128"/>
+              <a:ea typeface="Heiti TC Medium" pitchFamily="2" charset="-128"/>
+            </a:rPr>
+            <a:t>字符串</a:t>
+          </a:r>
+          <a:endParaRPr lang="en-US" sz="1800" b="0" kern="1200" dirty="0">
+            <a:latin typeface="Heiti TC Medium" pitchFamily="2" charset="-128"/>
+            <a:ea typeface="Heiti TC Medium" pitchFamily="2" charset="-128"/>
+          </a:endParaRPr>
+        </a:p>
+      </dsp:txBody>
+      <dsp:txXfrm>
+        <a:off x="39453" y="1683299"/>
+        <a:ext cx="5807385" cy="729286"/>
+      </dsp:txXfrm>
+    </dsp:sp>
+    <dsp:sp modelId="{1206DBF2-22EE-0346-A930-7944A5B0624B}">
+      <dsp:nvSpPr>
+        <dsp:cNvPr id="0" name=""/>
+        <dsp:cNvSpPr/>
+      </dsp:nvSpPr>
+      <dsp:spPr>
+        <a:xfrm>
+          <a:off x="0" y="2465172"/>
+          <a:ext cx="5886291" cy="808192"/>
+        </a:xfrm>
+        <a:prstGeom prst="roundRect">
+          <a:avLst/>
+        </a:prstGeom>
+        <a:solidFill>
+          <a:schemeClr val="accent2">
+            <a:hueOff val="-1866089"/>
+            <a:satOff val="-9872"/>
+            <a:lumOff val="-3764"/>
+            <a:alphaOff val="0"/>
+          </a:schemeClr>
+        </a:solidFill>
+        <a:ln w="19050" cap="rnd" cmpd="sng" algn="ctr">
+          <a:solidFill>
+            <a:schemeClr val="lt1">
+              <a:hueOff val="0"/>
+              <a:satOff val="0"/>
+              <a:lumOff val="0"/>
+              <a:alphaOff val="0"/>
+            </a:schemeClr>
+          </a:solidFill>
+          <a:prstDash val="solid"/>
+        </a:ln>
+        <a:effectLst/>
+      </dsp:spPr>
+      <dsp:style>
+        <a:lnRef idx="2">
+          <a:scrgbClr r="0" g="0" b="0"/>
+        </a:lnRef>
+        <a:fillRef idx="1">
+          <a:scrgbClr r="0" g="0" b="0"/>
+        </a:fillRef>
+        <a:effectRef idx="0">
+          <a:scrgbClr r="0" g="0" b="0"/>
+        </a:effectRef>
+        <a:fontRef idx="minor">
+          <a:schemeClr val="lt1"/>
+        </a:fontRef>
+      </dsp:style>
+      <dsp:txBody>
+        <a:bodyPr spcFirstLastPara="0" vert="horz" wrap="square" lIns="68580" tIns="68580" rIns="68580" bIns="68580" numCol="1" spcCol="1270" anchor="ctr" anchorCtr="0">
+          <a:noAutofit/>
+        </a:bodyPr>
+        <a:lstStyle/>
+        <a:p>
+          <a:pPr marL="0" lvl="0" indent="0" algn="l" defTabSz="800100">
+            <a:lnSpc>
+              <a:spcPct val="90000"/>
+            </a:lnSpc>
+            <a:spcBef>
+              <a:spcPct val="0"/>
+            </a:spcBef>
+            <a:spcAft>
+              <a:spcPct val="35000"/>
+            </a:spcAft>
+            <a:buNone/>
+          </a:pPr>
+          <a:r>
+            <a:rPr lang="en-US" sz="1800" b="0" kern="1200" dirty="0" err="1">
+              <a:latin typeface="Heiti TC Medium" pitchFamily="2" charset="-128"/>
+              <a:ea typeface="Heiti TC Medium" pitchFamily="2" charset="-128"/>
+            </a:rPr>
+            <a:t>使用Excel</a:t>
+          </a:r>
+          <a:r>
+            <a:rPr lang="zh-CN" sz="1800" b="0" kern="1200" dirty="0">
+              <a:latin typeface="Heiti TC Medium" pitchFamily="2" charset="-128"/>
+              <a:ea typeface="Heiti TC Medium" pitchFamily="2" charset="-128"/>
+            </a:rPr>
+            <a:t>可视化分析动态规划过程</a:t>
+          </a:r>
+          <a:endParaRPr lang="en-US" sz="1800" b="0" kern="1200" dirty="0">
+            <a:latin typeface="Heiti TC Medium" pitchFamily="2" charset="-128"/>
+            <a:ea typeface="Heiti TC Medium" pitchFamily="2" charset="-128"/>
+          </a:endParaRPr>
+        </a:p>
+      </dsp:txBody>
+      <dsp:txXfrm>
+        <a:off x="39453" y="2504625"/>
+        <a:ext cx="5807385" cy="729286"/>
+      </dsp:txXfrm>
+    </dsp:sp>
+    <dsp:sp modelId="{F0D9E6BE-96C7-8A40-90D8-3C1EBA3922E7}">
+      <dsp:nvSpPr>
+        <dsp:cNvPr id="0" name=""/>
+        <dsp:cNvSpPr/>
+      </dsp:nvSpPr>
+      <dsp:spPr>
+        <a:xfrm>
+          <a:off x="0" y="3286499"/>
+          <a:ext cx="5886291" cy="808192"/>
+        </a:xfrm>
+        <a:prstGeom prst="roundRect">
+          <a:avLst/>
+        </a:prstGeom>
+        <a:solidFill>
+          <a:schemeClr val="accent2">
+            <a:hueOff val="-2488118"/>
+            <a:satOff val="-13162"/>
+            <a:lumOff val="-5019"/>
+            <a:alphaOff val="0"/>
+          </a:schemeClr>
+        </a:solidFill>
+        <a:ln w="19050" cap="rnd" cmpd="sng" algn="ctr">
+          <a:solidFill>
+            <a:schemeClr val="lt1">
+              <a:hueOff val="0"/>
+              <a:satOff val="0"/>
+              <a:lumOff val="0"/>
+              <a:alphaOff val="0"/>
+            </a:schemeClr>
+          </a:solidFill>
+          <a:prstDash val="solid"/>
+        </a:ln>
+        <a:effectLst/>
+      </dsp:spPr>
+      <dsp:style>
+        <a:lnRef idx="2">
+          <a:scrgbClr r="0" g="0" b="0"/>
+        </a:lnRef>
+        <a:fillRef idx="1">
+          <a:scrgbClr r="0" g="0" b="0"/>
+        </a:fillRef>
+        <a:effectRef idx="0">
+          <a:scrgbClr r="0" g="0" b="0"/>
+        </a:effectRef>
+        <a:fontRef idx="minor">
+          <a:schemeClr val="lt1"/>
+        </a:fontRef>
+      </dsp:style>
+      <dsp:txBody>
+        <a:bodyPr spcFirstLastPara="0" vert="horz" wrap="square" lIns="106680" tIns="106680" rIns="106680" bIns="106680" numCol="1" spcCol="1270" anchor="ctr" anchorCtr="0">
+          <a:noAutofit/>
+        </a:bodyPr>
+        <a:lstStyle/>
+        <a:p>
+          <a:pPr marL="0" lvl="0" indent="0" algn="l" defTabSz="1244600">
+            <a:lnSpc>
+              <a:spcPct val="90000"/>
+            </a:lnSpc>
+            <a:spcBef>
+              <a:spcPct val="0"/>
+            </a:spcBef>
+            <a:spcAft>
+              <a:spcPct val="35000"/>
+            </a:spcAft>
+            <a:buNone/>
+          </a:pPr>
+          <a:r>
+            <a:rPr lang="zh-CN" sz="2800" b="1" kern="1200">
+              <a:latin typeface="Heiti TC Medium" pitchFamily="2" charset="-128"/>
+              <a:ea typeface="Heiti TC Medium" pitchFamily="2" charset="-128"/>
+            </a:rPr>
+            <a:t>代码讲解</a:t>
+          </a:r>
+          <a:endParaRPr lang="en-US" sz="2800" b="1" kern="1200">
+            <a:latin typeface="Heiti TC Medium" pitchFamily="2" charset="-128"/>
+            <a:ea typeface="Heiti TC Medium" pitchFamily="2" charset="-128"/>
+          </a:endParaRPr>
+        </a:p>
+      </dsp:txBody>
+      <dsp:txXfrm>
+        <a:off x="39453" y="3325952"/>
+        <a:ext cx="5807385" cy="729286"/>
+      </dsp:txXfrm>
+    </dsp:sp>
+    <dsp:sp modelId="{CA7D2971-370A-5E42-AF73-2C82F35D298F}">
+      <dsp:nvSpPr>
+        <dsp:cNvPr id="0" name=""/>
+        <dsp:cNvSpPr/>
+      </dsp:nvSpPr>
+      <dsp:spPr>
+        <a:xfrm>
+          <a:off x="0" y="4107825"/>
+          <a:ext cx="5886291" cy="808192"/>
+        </a:xfrm>
+        <a:prstGeom prst="roundRect">
+          <a:avLst/>
+        </a:prstGeom>
+        <a:solidFill>
+          <a:schemeClr val="accent2">
+            <a:hueOff val="-3110148"/>
+            <a:satOff val="-16453"/>
+            <a:lumOff val="-6274"/>
+            <a:alphaOff val="0"/>
+          </a:schemeClr>
+        </a:solidFill>
+        <a:ln w="19050" cap="rnd" cmpd="sng" algn="ctr">
+          <a:solidFill>
+            <a:schemeClr val="lt1">
+              <a:hueOff val="0"/>
+              <a:satOff val="0"/>
+              <a:lumOff val="0"/>
+              <a:alphaOff val="0"/>
+            </a:schemeClr>
+          </a:solidFill>
+          <a:prstDash val="solid"/>
+        </a:ln>
+        <a:effectLst/>
+      </dsp:spPr>
+      <dsp:style>
+        <a:lnRef idx="2">
+          <a:scrgbClr r="0" g="0" b="0"/>
+        </a:lnRef>
+        <a:fillRef idx="1">
+          <a:scrgbClr r="0" g="0" b="0"/>
+        </a:fillRef>
+        <a:effectRef idx="0">
+          <a:scrgbClr r="0" g="0" b="0"/>
+        </a:effectRef>
+        <a:fontRef idx="minor">
+          <a:schemeClr val="lt1"/>
+        </a:fontRef>
+      </dsp:style>
+      <dsp:txBody>
+        <a:bodyPr spcFirstLastPara="0" vert="horz" wrap="square" lIns="68580" tIns="68580" rIns="68580" bIns="68580" numCol="1" spcCol="1270" anchor="ctr" anchorCtr="0">
+          <a:noAutofit/>
+        </a:bodyPr>
+        <a:lstStyle/>
+        <a:p>
+          <a:pPr marL="0" lvl="0" indent="0" algn="l" defTabSz="800100">
+            <a:lnSpc>
+              <a:spcPct val="90000"/>
+            </a:lnSpc>
+            <a:spcBef>
+              <a:spcPct val="0"/>
+            </a:spcBef>
+            <a:spcAft>
+              <a:spcPct val="35000"/>
+            </a:spcAft>
+            <a:buNone/>
+          </a:pPr>
+          <a:r>
+            <a:rPr lang="zh-CN" sz="1800" b="0" kern="1200">
+              <a:latin typeface="Heiti TC Medium" pitchFamily="2" charset="-128"/>
+              <a:ea typeface="Heiti TC Medium" pitchFamily="2" charset="-128"/>
+            </a:rPr>
+            <a:t>总结</a:t>
+          </a:r>
+          <a:endParaRPr lang="en-US" sz="1800" b="0" kern="1200">
+            <a:latin typeface="Heiti TC Medium" pitchFamily="2" charset="-128"/>
+            <a:ea typeface="Heiti TC Medium" pitchFamily="2" charset="-128"/>
+          </a:endParaRPr>
+        </a:p>
+      </dsp:txBody>
+      <dsp:txXfrm>
+        <a:off x="39453" y="4147278"/>
+        <a:ext cx="5807385" cy="729286"/>
+      </dsp:txXfrm>
+    </dsp:sp>
+  </dsp:spTree>
+</dsp:drawing>
+</file>
+
+<file path=ppt/diagrams/drawing9.xml><?xml version="1.0" encoding="utf-8"?>
+<dsp:drawing xmlns:dgm="http://schemas.openxmlformats.org/drawingml/2006/diagram" xmlns:dsp="http://schemas.microsoft.com/office/drawing/2008/diagram" xmlns:a="http://schemas.openxmlformats.org/drawingml/2006/main">
+  <dsp:spTree>
+    <dsp:nvGrpSpPr>
+      <dsp:cNvPr id="0" name=""/>
+      <dsp:cNvGrpSpPr/>
+    </dsp:nvGrpSpPr>
+    <dsp:grpSpPr/>
+    <dsp:sp modelId="{4C003A2B-7F8B-AB48-ACEE-50AE8C016D94}">
+      <dsp:nvSpPr>
+        <dsp:cNvPr id="0" name=""/>
+        <dsp:cNvSpPr/>
+      </dsp:nvSpPr>
+      <dsp:spPr>
+        <a:xfrm>
+          <a:off x="0" y="1193"/>
+          <a:ext cx="5886291" cy="808192"/>
+        </a:xfrm>
+        <a:prstGeom prst="roundRect">
+          <a:avLst/>
+        </a:prstGeom>
+        <a:solidFill>
+          <a:schemeClr val="accent2">
+            <a:hueOff val="0"/>
+            <a:satOff val="0"/>
+            <a:lumOff val="0"/>
+            <a:alphaOff val="0"/>
+          </a:schemeClr>
+        </a:solidFill>
+        <a:ln w="19050" cap="rnd" cmpd="sng" algn="ctr">
+          <a:solidFill>
+            <a:schemeClr val="lt1">
+              <a:hueOff val="0"/>
+              <a:satOff val="0"/>
+              <a:lumOff val="0"/>
+              <a:alphaOff val="0"/>
+            </a:schemeClr>
+          </a:solidFill>
+          <a:prstDash val="solid"/>
+        </a:ln>
+        <a:effectLst/>
+      </dsp:spPr>
+      <dsp:style>
+        <a:lnRef idx="2">
+          <a:scrgbClr r="0" g="0" b="0"/>
+        </a:lnRef>
+        <a:fillRef idx="1">
+          <a:scrgbClr r="0" g="0" b="0"/>
+        </a:fillRef>
+        <a:effectRef idx="0">
+          <a:scrgbClr r="0" g="0" b="0"/>
+        </a:effectRef>
+        <a:fontRef idx="minor">
+          <a:schemeClr val="lt1"/>
+        </a:fontRef>
+      </dsp:style>
+      <dsp:txBody>
+        <a:bodyPr spcFirstLastPara="0" vert="horz" wrap="square" lIns="68580" tIns="68580" rIns="68580" bIns="68580" numCol="1" spcCol="1270" anchor="ctr" anchorCtr="0">
+          <a:noAutofit/>
+        </a:bodyPr>
+        <a:lstStyle/>
+        <a:p>
+          <a:pPr marL="0" lvl="0" indent="0" algn="l" defTabSz="800100">
+            <a:lnSpc>
+              <a:spcPct val="90000"/>
+            </a:lnSpc>
+            <a:spcBef>
+              <a:spcPct val="0"/>
+            </a:spcBef>
+            <a:spcAft>
+              <a:spcPct val="35000"/>
+            </a:spcAft>
+            <a:buNone/>
+          </a:pPr>
+          <a:r>
+            <a:rPr lang="en-US" sz="1800" b="0" kern="1200" dirty="0" err="1">
+              <a:latin typeface="Heiti TC Medium" pitchFamily="2" charset="-128"/>
+              <a:ea typeface="Heiti TC Medium" pitchFamily="2" charset="-128"/>
+            </a:rPr>
+            <a:t>什么是回文</a:t>
+          </a:r>
+          <a:r>
+            <a:rPr lang="zh-CN" sz="1800" b="0" kern="1200" dirty="0">
+              <a:latin typeface="Heiti TC Medium" pitchFamily="2" charset="-128"/>
+              <a:ea typeface="Heiti TC Medium" pitchFamily="2" charset="-128"/>
+            </a:rPr>
+            <a:t>字符串</a:t>
+          </a:r>
+          <a:endParaRPr lang="en-US" sz="1800" b="0" kern="1200" dirty="0">
+            <a:latin typeface="Heiti TC Medium" pitchFamily="2" charset="-128"/>
+            <a:ea typeface="Heiti TC Medium" pitchFamily="2" charset="-128"/>
+          </a:endParaRPr>
+        </a:p>
+      </dsp:txBody>
+      <dsp:txXfrm>
+        <a:off x="39453" y="40646"/>
+        <a:ext cx="5807385" cy="729286"/>
+      </dsp:txXfrm>
+    </dsp:sp>
+    <dsp:sp modelId="{8146FD83-1663-6A46-91AF-063A5EF92073}">
+      <dsp:nvSpPr>
+        <dsp:cNvPr id="0" name=""/>
+        <dsp:cNvSpPr/>
+      </dsp:nvSpPr>
+      <dsp:spPr>
+        <a:xfrm>
+          <a:off x="0" y="822519"/>
+          <a:ext cx="5886291" cy="808192"/>
+        </a:xfrm>
+        <a:prstGeom prst="roundRect">
+          <a:avLst/>
+        </a:prstGeom>
+        <a:solidFill>
+          <a:schemeClr val="accent2">
+            <a:hueOff val="-622030"/>
+            <a:satOff val="-3291"/>
+            <a:lumOff val="-1255"/>
+            <a:alphaOff val="0"/>
+          </a:schemeClr>
+        </a:solidFill>
+        <a:ln w="19050" cap="rnd" cmpd="sng" algn="ctr">
+          <a:solidFill>
+            <a:schemeClr val="lt1">
+              <a:hueOff val="0"/>
+              <a:satOff val="0"/>
+              <a:lumOff val="0"/>
+              <a:alphaOff val="0"/>
+            </a:schemeClr>
+          </a:solidFill>
+          <a:prstDash val="solid"/>
+        </a:ln>
+        <a:effectLst/>
+      </dsp:spPr>
+      <dsp:style>
+        <a:lnRef idx="2">
+          <a:scrgbClr r="0" g="0" b="0"/>
+        </a:lnRef>
+        <a:fillRef idx="1">
+          <a:scrgbClr r="0" g="0" b="0"/>
+        </a:fillRef>
+        <a:effectRef idx="0">
+          <a:scrgbClr r="0" g="0" b="0"/>
+        </a:effectRef>
+        <a:fontRef idx="minor">
+          <a:schemeClr val="lt1"/>
+        </a:fontRef>
+      </dsp:style>
+      <dsp:txBody>
+        <a:bodyPr spcFirstLastPara="0" vert="horz" wrap="square" lIns="68580" tIns="68580" rIns="68580" bIns="68580" numCol="1" spcCol="1270" anchor="ctr" anchorCtr="0">
+          <a:noAutofit/>
+        </a:bodyPr>
+        <a:lstStyle/>
+        <a:p>
+          <a:pPr marL="0" lvl="0" indent="0" algn="l" defTabSz="800100">
+            <a:lnSpc>
+              <a:spcPct val="90000"/>
+            </a:lnSpc>
+            <a:spcBef>
+              <a:spcPct val="0"/>
+            </a:spcBef>
+            <a:spcAft>
+              <a:spcPct val="35000"/>
+            </a:spcAft>
+            <a:buNone/>
+          </a:pPr>
+          <a:r>
+            <a:rPr lang="en-US" sz="1800" b="0" kern="1200" dirty="0" err="1">
+              <a:latin typeface="Heiti TC Medium" pitchFamily="2" charset="-128"/>
+              <a:ea typeface="Heiti TC Medium" pitchFamily="2" charset="-128"/>
+            </a:rPr>
+            <a:t>判定回文字符串</a:t>
+          </a:r>
+          <a:endParaRPr lang="en-US" sz="1800" b="0" kern="1200" dirty="0">
+            <a:latin typeface="Heiti TC Medium" pitchFamily="2" charset="-128"/>
+            <a:ea typeface="Heiti TC Medium" pitchFamily="2" charset="-128"/>
+          </a:endParaRPr>
+        </a:p>
+      </dsp:txBody>
+      <dsp:txXfrm>
+        <a:off x="39453" y="861972"/>
+        <a:ext cx="5807385" cy="729286"/>
+      </dsp:txXfrm>
+    </dsp:sp>
+    <dsp:sp modelId="{8B733273-944B-E941-BF15-95F2C76776AA}">
+      <dsp:nvSpPr>
+        <dsp:cNvPr id="0" name=""/>
+        <dsp:cNvSpPr/>
+      </dsp:nvSpPr>
+      <dsp:spPr>
+        <a:xfrm>
+          <a:off x="0" y="1643846"/>
+          <a:ext cx="5886291" cy="808192"/>
+        </a:xfrm>
+        <a:prstGeom prst="roundRect">
+          <a:avLst/>
+        </a:prstGeom>
+        <a:solidFill>
+          <a:schemeClr val="accent2">
+            <a:hueOff val="-1244059"/>
+            <a:satOff val="-6581"/>
+            <a:lumOff val="-2510"/>
+            <a:alphaOff val="0"/>
+          </a:schemeClr>
+        </a:solidFill>
+        <a:ln w="19050" cap="rnd" cmpd="sng" algn="ctr">
+          <a:solidFill>
+            <a:schemeClr val="lt1">
+              <a:hueOff val="0"/>
+              <a:satOff val="0"/>
+              <a:lumOff val="0"/>
+              <a:alphaOff val="0"/>
+            </a:schemeClr>
+          </a:solidFill>
+          <a:prstDash val="solid"/>
+        </a:ln>
+        <a:effectLst/>
+      </dsp:spPr>
+      <dsp:style>
+        <a:lnRef idx="2">
+          <a:scrgbClr r="0" g="0" b="0"/>
+        </a:lnRef>
+        <a:fillRef idx="1">
+          <a:scrgbClr r="0" g="0" b="0"/>
+        </a:fillRef>
+        <a:effectRef idx="0">
+          <a:scrgbClr r="0" g="0" b="0"/>
+        </a:effectRef>
+        <a:fontRef idx="minor">
+          <a:schemeClr val="lt1"/>
+        </a:fontRef>
+      </dsp:style>
+      <dsp:txBody>
+        <a:bodyPr spcFirstLastPara="0" vert="horz" wrap="square" lIns="68580" tIns="68580" rIns="68580" bIns="68580" numCol="1" spcCol="1270" anchor="ctr" anchorCtr="0">
+          <a:noAutofit/>
+        </a:bodyPr>
+        <a:lstStyle/>
+        <a:p>
+          <a:pPr marL="0" lvl="0" indent="0" algn="l" defTabSz="800100">
+            <a:lnSpc>
+              <a:spcPct val="90000"/>
+            </a:lnSpc>
+            <a:spcBef>
+              <a:spcPct val="0"/>
+            </a:spcBef>
+            <a:spcAft>
+              <a:spcPct val="35000"/>
+            </a:spcAft>
+            <a:buNone/>
+          </a:pPr>
+          <a:r>
+            <a:rPr lang="zh-CN" sz="1800" b="0" kern="1200" dirty="0">
+              <a:latin typeface="Heiti TC Medium" pitchFamily="2" charset="-128"/>
+              <a:ea typeface="Heiti TC Medium" pitchFamily="2" charset="-128"/>
+            </a:rPr>
+            <a:t>搜索回文</a:t>
+          </a:r>
+          <a:r>
+            <a:rPr lang="zh-CN" altLang="en-US" sz="1800" b="0" kern="1200" dirty="0">
+              <a:latin typeface="Heiti TC Medium" pitchFamily="2" charset="-128"/>
+              <a:ea typeface="Heiti TC Medium" pitchFamily="2" charset="-128"/>
+            </a:rPr>
+            <a:t>子</a:t>
+          </a:r>
+          <a:r>
+            <a:rPr lang="zh-CN" sz="1800" b="0" kern="1200" dirty="0">
+              <a:latin typeface="Heiti TC Medium" pitchFamily="2" charset="-128"/>
+              <a:ea typeface="Heiti TC Medium" pitchFamily="2" charset="-128"/>
+            </a:rPr>
+            <a:t>字符串</a:t>
+          </a:r>
+          <a:endParaRPr lang="en-US" sz="1800" b="0" kern="1200" dirty="0">
+            <a:latin typeface="Heiti TC Medium" pitchFamily="2" charset="-128"/>
+            <a:ea typeface="Heiti TC Medium" pitchFamily="2" charset="-128"/>
+          </a:endParaRPr>
+        </a:p>
+      </dsp:txBody>
+      <dsp:txXfrm>
+        <a:off x="39453" y="1683299"/>
+        <a:ext cx="5807385" cy="729286"/>
+      </dsp:txXfrm>
+    </dsp:sp>
+    <dsp:sp modelId="{1206DBF2-22EE-0346-A930-7944A5B0624B}">
+      <dsp:nvSpPr>
+        <dsp:cNvPr id="0" name=""/>
+        <dsp:cNvSpPr/>
+      </dsp:nvSpPr>
+      <dsp:spPr>
+        <a:xfrm>
+          <a:off x="0" y="2465172"/>
+          <a:ext cx="5886291" cy="808192"/>
+        </a:xfrm>
+        <a:prstGeom prst="roundRect">
+          <a:avLst/>
+        </a:prstGeom>
+        <a:solidFill>
+          <a:schemeClr val="accent2">
+            <a:hueOff val="-1866089"/>
+            <a:satOff val="-9872"/>
+            <a:lumOff val="-3764"/>
+            <a:alphaOff val="0"/>
+          </a:schemeClr>
+        </a:solidFill>
+        <a:ln w="19050" cap="rnd" cmpd="sng" algn="ctr">
+          <a:solidFill>
+            <a:schemeClr val="lt1">
+              <a:hueOff val="0"/>
+              <a:satOff val="0"/>
+              <a:lumOff val="0"/>
+              <a:alphaOff val="0"/>
+            </a:schemeClr>
+          </a:solidFill>
+          <a:prstDash val="solid"/>
+        </a:ln>
+        <a:effectLst/>
+      </dsp:spPr>
+      <dsp:style>
+        <a:lnRef idx="2">
+          <a:scrgbClr r="0" g="0" b="0"/>
+        </a:lnRef>
+        <a:fillRef idx="1">
+          <a:scrgbClr r="0" g="0" b="0"/>
+        </a:fillRef>
+        <a:effectRef idx="0">
+          <a:scrgbClr r="0" g="0" b="0"/>
+        </a:effectRef>
+        <a:fontRef idx="minor">
+          <a:schemeClr val="lt1"/>
+        </a:fontRef>
+      </dsp:style>
+      <dsp:txBody>
+        <a:bodyPr spcFirstLastPara="0" vert="horz" wrap="square" lIns="68580" tIns="68580" rIns="68580" bIns="68580" numCol="1" spcCol="1270" anchor="ctr" anchorCtr="0">
+          <a:noAutofit/>
+        </a:bodyPr>
+        <a:lstStyle/>
+        <a:p>
+          <a:pPr marL="0" lvl="0" indent="0" algn="l" defTabSz="800100">
+            <a:lnSpc>
+              <a:spcPct val="90000"/>
+            </a:lnSpc>
+            <a:spcBef>
+              <a:spcPct val="0"/>
+            </a:spcBef>
+            <a:spcAft>
+              <a:spcPct val="35000"/>
+            </a:spcAft>
+            <a:buNone/>
+          </a:pPr>
+          <a:r>
+            <a:rPr lang="en-US" sz="1800" b="0" kern="1200" dirty="0" err="1">
+              <a:latin typeface="Heiti TC Medium" pitchFamily="2" charset="-128"/>
+              <a:ea typeface="Heiti TC Medium" pitchFamily="2" charset="-128"/>
+            </a:rPr>
+            <a:t>使用Excel</a:t>
+          </a:r>
+          <a:r>
+            <a:rPr lang="zh-CN" sz="1800" b="0" kern="1200" dirty="0">
+              <a:latin typeface="Heiti TC Medium" pitchFamily="2" charset="-128"/>
+              <a:ea typeface="Heiti TC Medium" pitchFamily="2" charset="-128"/>
+            </a:rPr>
+            <a:t>可视化分析动态规划过程</a:t>
+          </a:r>
+          <a:endParaRPr lang="en-US" sz="1800" b="0" kern="1200" dirty="0">
+            <a:latin typeface="Heiti TC Medium" pitchFamily="2" charset="-128"/>
+            <a:ea typeface="Heiti TC Medium" pitchFamily="2" charset="-128"/>
+          </a:endParaRPr>
+        </a:p>
+      </dsp:txBody>
+      <dsp:txXfrm>
+        <a:off x="39453" y="2504625"/>
+        <a:ext cx="5807385" cy="729286"/>
+      </dsp:txXfrm>
+    </dsp:sp>
+    <dsp:sp modelId="{F0D9E6BE-96C7-8A40-90D8-3C1EBA3922E7}">
+      <dsp:nvSpPr>
+        <dsp:cNvPr id="0" name=""/>
+        <dsp:cNvSpPr/>
+      </dsp:nvSpPr>
+      <dsp:spPr>
+        <a:xfrm>
+          <a:off x="0" y="3286499"/>
+          <a:ext cx="5886291" cy="808192"/>
+        </a:xfrm>
+        <a:prstGeom prst="roundRect">
+          <a:avLst/>
+        </a:prstGeom>
+        <a:solidFill>
+          <a:schemeClr val="accent2">
+            <a:hueOff val="-2488118"/>
+            <a:satOff val="-13162"/>
+            <a:lumOff val="-5019"/>
+            <a:alphaOff val="0"/>
+          </a:schemeClr>
+        </a:solidFill>
+        <a:ln w="19050" cap="rnd" cmpd="sng" algn="ctr">
+          <a:solidFill>
+            <a:schemeClr val="lt1">
+              <a:hueOff val="0"/>
+              <a:satOff val="0"/>
+              <a:lumOff val="0"/>
+              <a:alphaOff val="0"/>
+            </a:schemeClr>
+          </a:solidFill>
+          <a:prstDash val="solid"/>
+        </a:ln>
+        <a:effectLst/>
+      </dsp:spPr>
+      <dsp:style>
+        <a:lnRef idx="2">
+          <a:scrgbClr r="0" g="0" b="0"/>
+        </a:lnRef>
+        <a:fillRef idx="1">
+          <a:scrgbClr r="0" g="0" b="0"/>
+        </a:fillRef>
+        <a:effectRef idx="0">
+          <a:scrgbClr r="0" g="0" b="0"/>
+        </a:effectRef>
+        <a:fontRef idx="minor">
+          <a:schemeClr val="lt1"/>
+        </a:fontRef>
+      </dsp:style>
+      <dsp:txBody>
+        <a:bodyPr spcFirstLastPara="0" vert="horz" wrap="square" lIns="68580" tIns="68580" rIns="68580" bIns="68580" numCol="1" spcCol="1270" anchor="ctr" anchorCtr="0">
+          <a:noAutofit/>
+        </a:bodyPr>
+        <a:lstStyle/>
+        <a:p>
+          <a:pPr marL="0" lvl="0" indent="0" algn="l" defTabSz="800100">
+            <a:lnSpc>
+              <a:spcPct val="90000"/>
+            </a:lnSpc>
+            <a:spcBef>
+              <a:spcPct val="0"/>
+            </a:spcBef>
+            <a:spcAft>
+              <a:spcPct val="35000"/>
+            </a:spcAft>
+            <a:buNone/>
+          </a:pPr>
+          <a:r>
+            <a:rPr lang="zh-CN" sz="1800" b="0" kern="1200" dirty="0">
+              <a:latin typeface="Heiti TC Medium" pitchFamily="2" charset="-128"/>
+              <a:ea typeface="Heiti TC Medium" pitchFamily="2" charset="-128"/>
+            </a:rPr>
+            <a:t>代码讲解</a:t>
+          </a:r>
+          <a:endParaRPr lang="en-US" sz="1800" b="0" kern="1200" dirty="0">
+            <a:latin typeface="Heiti TC Medium" pitchFamily="2" charset="-128"/>
+            <a:ea typeface="Heiti TC Medium" pitchFamily="2" charset="-128"/>
+          </a:endParaRPr>
+        </a:p>
+      </dsp:txBody>
+      <dsp:txXfrm>
+        <a:off x="39453" y="3325952"/>
+        <a:ext cx="5807385" cy="729286"/>
+      </dsp:txXfrm>
+    </dsp:sp>
+    <dsp:sp modelId="{CA7D2971-370A-5E42-AF73-2C82F35D298F}">
+      <dsp:nvSpPr>
+        <dsp:cNvPr id="0" name=""/>
+        <dsp:cNvSpPr/>
+      </dsp:nvSpPr>
+      <dsp:spPr>
+        <a:xfrm>
+          <a:off x="0" y="4107825"/>
+          <a:ext cx="5886291" cy="808192"/>
+        </a:xfrm>
+        <a:prstGeom prst="roundRect">
+          <a:avLst/>
+        </a:prstGeom>
+        <a:solidFill>
+          <a:schemeClr val="accent2">
+            <a:hueOff val="-3110148"/>
+            <a:satOff val="-16453"/>
+            <a:lumOff val="-6274"/>
+            <a:alphaOff val="0"/>
+          </a:schemeClr>
+        </a:solidFill>
+        <a:ln w="19050" cap="rnd" cmpd="sng" algn="ctr">
+          <a:solidFill>
+            <a:schemeClr val="lt1">
+              <a:hueOff val="0"/>
+              <a:satOff val="0"/>
+              <a:lumOff val="0"/>
+              <a:alphaOff val="0"/>
+            </a:schemeClr>
+          </a:solidFill>
+          <a:prstDash val="solid"/>
+        </a:ln>
+        <a:effectLst/>
+      </dsp:spPr>
+      <dsp:style>
+        <a:lnRef idx="2">
+          <a:scrgbClr r="0" g="0" b="0"/>
+        </a:lnRef>
+        <a:fillRef idx="1">
+          <a:scrgbClr r="0" g="0" b="0"/>
+        </a:fillRef>
+        <a:effectRef idx="0">
+          <a:scrgbClr r="0" g="0" b="0"/>
+        </a:effectRef>
+        <a:fontRef idx="minor">
+          <a:schemeClr val="lt1"/>
+        </a:fontRef>
+      </dsp:style>
+      <dsp:txBody>
+        <a:bodyPr spcFirstLastPara="0" vert="horz" wrap="square" lIns="106680" tIns="106680" rIns="106680" bIns="106680" numCol="1" spcCol="1270" anchor="ctr" anchorCtr="0">
+          <a:noAutofit/>
+        </a:bodyPr>
+        <a:lstStyle/>
+        <a:p>
+          <a:pPr marL="0" lvl="0" indent="0" algn="l" defTabSz="1244600">
+            <a:lnSpc>
+              <a:spcPct val="90000"/>
+            </a:lnSpc>
+            <a:spcBef>
+              <a:spcPct val="0"/>
+            </a:spcBef>
+            <a:spcAft>
+              <a:spcPct val="35000"/>
+            </a:spcAft>
+            <a:buNone/>
+          </a:pPr>
+          <a:r>
+            <a:rPr lang="zh-CN" sz="2800" b="0" kern="1200">
+              <a:latin typeface="Heiti TC Medium" pitchFamily="2" charset="-128"/>
+              <a:ea typeface="Heiti TC Medium" pitchFamily="2" charset="-128"/>
+            </a:rPr>
+            <a:t>总结</a:t>
+          </a:r>
+          <a:endParaRPr lang="en-US" sz="2800" b="0" kern="1200">
+            <a:latin typeface="Heiti TC Medium" pitchFamily="2" charset="-128"/>
+            <a:ea typeface="Heiti TC Medium" pitchFamily="2" charset="-128"/>
+          </a:endParaRPr>
+        </a:p>
+      </dsp:txBody>
+      <dsp:txXfrm>
+        <a:off x="39453" y="4147278"/>
+        <a:ext cx="5807385" cy="729286"/>
       </dsp:txXfrm>
     </dsp:sp>
   </dsp:spTree>
@@ -12932,6 +16679,340 @@
 </dgm:layoutDef>
 </file>
 
+<file path=ppt/diagrams/layout8.xml><?xml version="1.0" encoding="utf-8"?>
+<dgm:layoutDef xmlns:dgm="http://schemas.openxmlformats.org/drawingml/2006/diagram" xmlns:a="http://schemas.openxmlformats.org/drawingml/2006/main" uniqueId="urn:microsoft.com/office/officeart/2005/8/layout/vList2">
+  <dgm:title val=""/>
+  <dgm:desc val=""/>
+  <dgm:catLst>
+    <dgm:cat type="list" pri="3000"/>
+    <dgm:cat type="convert" pri="1000"/>
+  </dgm:catLst>
+  <dgm:sampData>
+    <dgm:dataModel>
+      <dgm:ptLst>
+        <dgm:pt modelId="0" type="doc"/>
+        <dgm:pt modelId="1">
+          <dgm:prSet phldr="1"/>
+        </dgm:pt>
+        <dgm:pt modelId="11">
+          <dgm:prSet phldr="1"/>
+        </dgm:pt>
+        <dgm:pt modelId="2">
+          <dgm:prSet phldr="1"/>
+        </dgm:pt>
+        <dgm:pt modelId="21">
+          <dgm:prSet phldr="1"/>
+        </dgm:pt>
+      </dgm:ptLst>
+      <dgm:cxnLst>
+        <dgm:cxn modelId="4" srcId="0" destId="1" srcOrd="0" destOrd="0"/>
+        <dgm:cxn modelId="5" srcId="0" destId="2" srcOrd="1" destOrd="0"/>
+        <dgm:cxn modelId="12" srcId="1" destId="11" srcOrd="0" destOrd="0"/>
+        <dgm:cxn modelId="23" srcId="2" destId="21" srcOrd="0" destOrd="0"/>
+      </dgm:cxnLst>
+      <dgm:bg/>
+      <dgm:whole/>
+    </dgm:dataModel>
+  </dgm:sampData>
+  <dgm:styleData>
+    <dgm:dataModel>
+      <dgm:ptLst>
+        <dgm:pt modelId="0" type="doc"/>
+        <dgm:pt modelId="1"/>
+        <dgm:pt modelId="2"/>
+      </dgm:ptLst>
+      <dgm:cxnLst>
+        <dgm:cxn modelId="3" srcId="0" destId="1" srcOrd="0" destOrd="0"/>
+        <dgm:cxn modelId="4" srcId="0" destId="2" srcOrd="1" destOrd="0"/>
+      </dgm:cxnLst>
+      <dgm:bg/>
+      <dgm:whole/>
+    </dgm:dataModel>
+  </dgm:styleData>
+  <dgm:clrData>
+    <dgm:dataModel>
+      <dgm:ptLst>
+        <dgm:pt modelId="0" type="doc"/>
+        <dgm:pt modelId="1"/>
+        <dgm:pt modelId="2"/>
+        <dgm:pt modelId="3"/>
+        <dgm:pt modelId="4"/>
+      </dgm:ptLst>
+      <dgm:cxnLst>
+        <dgm:cxn modelId="5" srcId="0" destId="1" srcOrd="0" destOrd="0"/>
+        <dgm:cxn modelId="6" srcId="0" destId="2" srcOrd="1" destOrd="0"/>
+        <dgm:cxn modelId="7" srcId="0" destId="3" srcOrd="2" destOrd="0"/>
+        <dgm:cxn modelId="8" srcId="0" destId="4" srcOrd="3" destOrd="0"/>
+      </dgm:cxnLst>
+      <dgm:bg/>
+      <dgm:whole/>
+    </dgm:dataModel>
+  </dgm:clrData>
+  <dgm:layoutNode name="linear">
+    <dgm:varLst>
+      <dgm:animLvl val="lvl"/>
+      <dgm:resizeHandles val="exact"/>
+    </dgm:varLst>
+    <dgm:alg type="lin">
+      <dgm:param type="linDir" val="fromT"/>
+      <dgm:param type="vertAlign" val="mid"/>
+    </dgm:alg>
+    <dgm:shape xmlns:r="http://schemas.openxmlformats.org/officeDocument/2006/relationships" r:blip="">
+      <dgm:adjLst/>
+    </dgm:shape>
+    <dgm:presOf/>
+    <dgm:constrLst>
+      <dgm:constr type="w" for="ch" forName="parentText" refType="w"/>
+      <dgm:constr type="h" for="ch" forName="parentText" refType="primFontSz" refFor="ch" refForName="parentText" fact="0.52"/>
+      <dgm:constr type="w" for="ch" forName="childText" refType="w"/>
+      <dgm:constr type="h" for="ch" forName="childText" refType="primFontSz" refFor="ch" refForName="parentText" fact="0.46"/>
+      <dgm:constr type="h" for="ch" forName="parentText" op="equ"/>
+      <dgm:constr type="primFontSz" for="ch" forName="parentText" op="equ" val="65"/>
+      <dgm:constr type="primFontSz" for="ch" forName="childText" refType="primFontSz" refFor="ch" refForName="parentText" op="equ"/>
+      <dgm:constr type="h" for="ch" forName="spacer" refType="primFontSz" refFor="ch" refForName="parentText" fact="0.08"/>
+    </dgm:constrLst>
+    <dgm:ruleLst>
+      <dgm:rule type="primFontSz" for="ch" forName="parentText" val="5" fact="NaN" max="NaN"/>
+    </dgm:ruleLst>
+    <dgm:forEach name="Name0" axis="ch" ptType="node">
+      <dgm:layoutNode name="parentText" styleLbl="node1">
+        <dgm:varLst>
+          <dgm:chMax val="0"/>
+          <dgm:bulletEnabled val="1"/>
+        </dgm:varLst>
+        <dgm:alg type="tx">
+          <dgm:param type="parTxLTRAlign" val="l"/>
+          <dgm:param type="parTxRTLAlign" val="r"/>
+        </dgm:alg>
+        <dgm:shape xmlns:r="http://schemas.openxmlformats.org/officeDocument/2006/relationships" type="roundRect" r:blip="">
+          <dgm:adjLst/>
+        </dgm:shape>
+        <dgm:presOf axis="self"/>
+        <dgm:constrLst>
+          <dgm:constr type="tMarg" refType="primFontSz" fact="0.3"/>
+          <dgm:constr type="bMarg" refType="primFontSz" fact="0.3"/>
+          <dgm:constr type="lMarg" refType="primFontSz" fact="0.3"/>
+          <dgm:constr type="rMarg" refType="primFontSz" fact="0.3"/>
+        </dgm:constrLst>
+        <dgm:ruleLst>
+          <dgm:rule type="h" val="INF" fact="NaN" max="NaN"/>
+        </dgm:ruleLst>
+      </dgm:layoutNode>
+      <dgm:choose name="Name1">
+        <dgm:if name="Name2" axis="ch" ptType="node" func="cnt" op="gte" val="1">
+          <dgm:layoutNode name="childText" styleLbl="revTx">
+            <dgm:varLst>
+              <dgm:bulletEnabled val="1"/>
+            </dgm:varLst>
+            <dgm:alg type="tx">
+              <dgm:param type="stBulletLvl" val="1"/>
+              <dgm:param type="lnSpAfChP" val="20"/>
+            </dgm:alg>
+            <dgm:shape xmlns:r="http://schemas.openxmlformats.org/officeDocument/2006/relationships" type="rect" r:blip="">
+              <dgm:adjLst/>
+            </dgm:shape>
+            <dgm:presOf axis="des" ptType="node"/>
+            <dgm:constrLst>
+              <dgm:constr type="tMarg" refType="primFontSz" fact="0.1"/>
+              <dgm:constr type="bMarg" refType="primFontSz" fact="0.1"/>
+              <dgm:constr type="lMarg" refType="w" fact="0.09"/>
+            </dgm:constrLst>
+            <dgm:ruleLst>
+              <dgm:rule type="h" val="INF" fact="NaN" max="NaN"/>
+            </dgm:ruleLst>
+          </dgm:layoutNode>
+        </dgm:if>
+        <dgm:else name="Name3">
+          <dgm:choose name="Name4">
+            <dgm:if name="Name5" axis="par ch" ptType="doc node" func="cnt" op="gte" val="2">
+              <dgm:forEach name="Name6" axis="followSib" ptType="sibTrans" cnt="1">
+                <dgm:layoutNode name="spacer">
+                  <dgm:alg type="sp"/>
+                  <dgm:shape xmlns:r="http://schemas.openxmlformats.org/officeDocument/2006/relationships" r:blip="">
+                    <dgm:adjLst/>
+                  </dgm:shape>
+                  <dgm:presOf/>
+                  <dgm:constrLst/>
+                  <dgm:ruleLst/>
+                </dgm:layoutNode>
+              </dgm:forEach>
+            </dgm:if>
+            <dgm:else name="Name7"/>
+          </dgm:choose>
+        </dgm:else>
+      </dgm:choose>
+    </dgm:forEach>
+  </dgm:layoutNode>
+</dgm:layoutDef>
+</file>
+
+<file path=ppt/diagrams/layout9.xml><?xml version="1.0" encoding="utf-8"?>
+<dgm:layoutDef xmlns:dgm="http://schemas.openxmlformats.org/drawingml/2006/diagram" xmlns:a="http://schemas.openxmlformats.org/drawingml/2006/main" uniqueId="urn:microsoft.com/office/officeart/2005/8/layout/vList2">
+  <dgm:title val=""/>
+  <dgm:desc val=""/>
+  <dgm:catLst>
+    <dgm:cat type="list" pri="3000"/>
+    <dgm:cat type="convert" pri="1000"/>
+  </dgm:catLst>
+  <dgm:sampData>
+    <dgm:dataModel>
+      <dgm:ptLst>
+        <dgm:pt modelId="0" type="doc"/>
+        <dgm:pt modelId="1">
+          <dgm:prSet phldr="1"/>
+        </dgm:pt>
+        <dgm:pt modelId="11">
+          <dgm:prSet phldr="1"/>
+        </dgm:pt>
+        <dgm:pt modelId="2">
+          <dgm:prSet phldr="1"/>
+        </dgm:pt>
+        <dgm:pt modelId="21">
+          <dgm:prSet phldr="1"/>
+        </dgm:pt>
+      </dgm:ptLst>
+      <dgm:cxnLst>
+        <dgm:cxn modelId="4" srcId="0" destId="1" srcOrd="0" destOrd="0"/>
+        <dgm:cxn modelId="5" srcId="0" destId="2" srcOrd="1" destOrd="0"/>
+        <dgm:cxn modelId="12" srcId="1" destId="11" srcOrd="0" destOrd="0"/>
+        <dgm:cxn modelId="23" srcId="2" destId="21" srcOrd="0" destOrd="0"/>
+      </dgm:cxnLst>
+      <dgm:bg/>
+      <dgm:whole/>
+    </dgm:dataModel>
+  </dgm:sampData>
+  <dgm:styleData>
+    <dgm:dataModel>
+      <dgm:ptLst>
+        <dgm:pt modelId="0" type="doc"/>
+        <dgm:pt modelId="1"/>
+        <dgm:pt modelId="2"/>
+      </dgm:ptLst>
+      <dgm:cxnLst>
+        <dgm:cxn modelId="3" srcId="0" destId="1" srcOrd="0" destOrd="0"/>
+        <dgm:cxn modelId="4" srcId="0" destId="2" srcOrd="1" destOrd="0"/>
+      </dgm:cxnLst>
+      <dgm:bg/>
+      <dgm:whole/>
+    </dgm:dataModel>
+  </dgm:styleData>
+  <dgm:clrData>
+    <dgm:dataModel>
+      <dgm:ptLst>
+        <dgm:pt modelId="0" type="doc"/>
+        <dgm:pt modelId="1"/>
+        <dgm:pt modelId="2"/>
+        <dgm:pt modelId="3"/>
+        <dgm:pt modelId="4"/>
+      </dgm:ptLst>
+      <dgm:cxnLst>
+        <dgm:cxn modelId="5" srcId="0" destId="1" srcOrd="0" destOrd="0"/>
+        <dgm:cxn modelId="6" srcId="0" destId="2" srcOrd="1" destOrd="0"/>
+        <dgm:cxn modelId="7" srcId="0" destId="3" srcOrd="2" destOrd="0"/>
+        <dgm:cxn modelId="8" srcId="0" destId="4" srcOrd="3" destOrd="0"/>
+      </dgm:cxnLst>
+      <dgm:bg/>
+      <dgm:whole/>
+    </dgm:dataModel>
+  </dgm:clrData>
+  <dgm:layoutNode name="linear">
+    <dgm:varLst>
+      <dgm:animLvl val="lvl"/>
+      <dgm:resizeHandles val="exact"/>
+    </dgm:varLst>
+    <dgm:alg type="lin">
+      <dgm:param type="linDir" val="fromT"/>
+      <dgm:param type="vertAlign" val="mid"/>
+    </dgm:alg>
+    <dgm:shape xmlns:r="http://schemas.openxmlformats.org/officeDocument/2006/relationships" r:blip="">
+      <dgm:adjLst/>
+    </dgm:shape>
+    <dgm:presOf/>
+    <dgm:constrLst>
+      <dgm:constr type="w" for="ch" forName="parentText" refType="w"/>
+      <dgm:constr type="h" for="ch" forName="parentText" refType="primFontSz" refFor="ch" refForName="parentText" fact="0.52"/>
+      <dgm:constr type="w" for="ch" forName="childText" refType="w"/>
+      <dgm:constr type="h" for="ch" forName="childText" refType="primFontSz" refFor="ch" refForName="parentText" fact="0.46"/>
+      <dgm:constr type="h" for="ch" forName="parentText" op="equ"/>
+      <dgm:constr type="primFontSz" for="ch" forName="parentText" op="equ" val="65"/>
+      <dgm:constr type="primFontSz" for="ch" forName="childText" refType="primFontSz" refFor="ch" refForName="parentText" op="equ"/>
+      <dgm:constr type="h" for="ch" forName="spacer" refType="primFontSz" refFor="ch" refForName="parentText" fact="0.08"/>
+    </dgm:constrLst>
+    <dgm:ruleLst>
+      <dgm:rule type="primFontSz" for="ch" forName="parentText" val="5" fact="NaN" max="NaN"/>
+    </dgm:ruleLst>
+    <dgm:forEach name="Name0" axis="ch" ptType="node">
+      <dgm:layoutNode name="parentText" styleLbl="node1">
+        <dgm:varLst>
+          <dgm:chMax val="0"/>
+          <dgm:bulletEnabled val="1"/>
+        </dgm:varLst>
+        <dgm:alg type="tx">
+          <dgm:param type="parTxLTRAlign" val="l"/>
+          <dgm:param type="parTxRTLAlign" val="r"/>
+        </dgm:alg>
+        <dgm:shape xmlns:r="http://schemas.openxmlformats.org/officeDocument/2006/relationships" type="roundRect" r:blip="">
+          <dgm:adjLst/>
+        </dgm:shape>
+        <dgm:presOf axis="self"/>
+        <dgm:constrLst>
+          <dgm:constr type="tMarg" refType="primFontSz" fact="0.3"/>
+          <dgm:constr type="bMarg" refType="primFontSz" fact="0.3"/>
+          <dgm:constr type="lMarg" refType="primFontSz" fact="0.3"/>
+          <dgm:constr type="rMarg" refType="primFontSz" fact="0.3"/>
+        </dgm:constrLst>
+        <dgm:ruleLst>
+          <dgm:rule type="h" val="INF" fact="NaN" max="NaN"/>
+        </dgm:ruleLst>
+      </dgm:layoutNode>
+      <dgm:choose name="Name1">
+        <dgm:if name="Name2" axis="ch" ptType="node" func="cnt" op="gte" val="1">
+          <dgm:layoutNode name="childText" styleLbl="revTx">
+            <dgm:varLst>
+              <dgm:bulletEnabled val="1"/>
+            </dgm:varLst>
+            <dgm:alg type="tx">
+              <dgm:param type="stBulletLvl" val="1"/>
+              <dgm:param type="lnSpAfChP" val="20"/>
+            </dgm:alg>
+            <dgm:shape xmlns:r="http://schemas.openxmlformats.org/officeDocument/2006/relationships" type="rect" r:blip="">
+              <dgm:adjLst/>
+            </dgm:shape>
+            <dgm:presOf axis="des" ptType="node"/>
+            <dgm:constrLst>
+              <dgm:constr type="tMarg" refType="primFontSz" fact="0.1"/>
+              <dgm:constr type="bMarg" refType="primFontSz" fact="0.1"/>
+              <dgm:constr type="lMarg" refType="w" fact="0.09"/>
+            </dgm:constrLst>
+            <dgm:ruleLst>
+              <dgm:rule type="h" val="INF" fact="NaN" max="NaN"/>
+            </dgm:ruleLst>
+          </dgm:layoutNode>
+        </dgm:if>
+        <dgm:else name="Name3">
+          <dgm:choose name="Name4">
+            <dgm:if name="Name5" axis="par ch" ptType="doc node" func="cnt" op="gte" val="2">
+              <dgm:forEach name="Name6" axis="followSib" ptType="sibTrans" cnt="1">
+                <dgm:layoutNode name="spacer">
+                  <dgm:alg type="sp"/>
+                  <dgm:shape xmlns:r="http://schemas.openxmlformats.org/officeDocument/2006/relationships" r:blip="">
+                    <dgm:adjLst/>
+                  </dgm:shape>
+                  <dgm:presOf/>
+                  <dgm:constrLst/>
+                  <dgm:ruleLst/>
+                </dgm:layoutNode>
+              </dgm:forEach>
+            </dgm:if>
+            <dgm:else name="Name7"/>
+          </dgm:choose>
+        </dgm:else>
+      </dgm:choose>
+    </dgm:forEach>
+  </dgm:layoutNode>
+</dgm:layoutDef>
+</file>
+
 <file path=ppt/diagrams/quickStyle1.xml><?xml version="1.0" encoding="utf-8"?>
 <dgm:styleDef xmlns:dgm="http://schemas.openxmlformats.org/drawingml/2006/diagram" xmlns:a="http://schemas.openxmlformats.org/drawingml/2006/main" uniqueId="urn:microsoft.com/office/officeart/2005/8/quickstyle/simple1">
   <dgm:title val=""/>
@@ -19137,6 +23218,2074 @@
 </file>
 
 <file path=ppt/diagrams/quickStyle7.xml><?xml version="1.0" encoding="utf-8"?>
+<dgm:styleDef xmlns:dgm="http://schemas.openxmlformats.org/drawingml/2006/diagram" xmlns:a="http://schemas.openxmlformats.org/drawingml/2006/main" uniqueId="urn:microsoft.com/office/officeart/2005/8/quickstyle/simple1">
+  <dgm:title val=""/>
+  <dgm:desc val=""/>
+  <dgm:catLst>
+    <dgm:cat type="simple" pri="10100"/>
+  </dgm:catLst>
+  <dgm:scene3d>
+    <a:camera prst="orthographicFront"/>
+    <a:lightRig rig="threePt" dir="t"/>
+  </dgm:scene3d>
+  <dgm:styleLbl name="node0">
+    <dgm:scene3d>
+      <a:camera prst="orthographicFront"/>
+      <a:lightRig rig="threePt" dir="t"/>
+    </dgm:scene3d>
+    <dgm:sp3d/>
+    <dgm:txPr/>
+    <dgm:style>
+      <a:lnRef idx="2">
+        <a:scrgbClr r="0" g="0" b="0"/>
+      </a:lnRef>
+      <a:fillRef idx="1">
+        <a:scrgbClr r="0" g="0" b="0"/>
+      </a:fillRef>
+      <a:effectRef idx="0">
+        <a:scrgbClr r="0" g="0" b="0"/>
+      </a:effectRef>
+      <a:fontRef idx="minor">
+        <a:schemeClr val="lt1"/>
+      </a:fontRef>
+    </dgm:style>
+  </dgm:styleLbl>
+  <dgm:styleLbl name="lnNode1">
+    <dgm:scene3d>
+      <a:camera prst="orthographicFront"/>
+      <a:lightRig rig="threePt" dir="t"/>
+    </dgm:scene3d>
+    <dgm:sp3d/>
+    <dgm:txPr/>
+    <dgm:style>
+      <a:lnRef idx="2">
+        <a:scrgbClr r="0" g="0" b="0"/>
+      </a:lnRef>
+      <a:fillRef idx="1">
+        <a:scrgbClr r="0" g="0" b="0"/>
+      </a:fillRef>
+      <a:effectRef idx="0">
+        <a:scrgbClr r="0" g="0" b="0"/>
+      </a:effectRef>
+      <a:fontRef idx="minor">
+        <a:schemeClr val="lt1"/>
+      </a:fontRef>
+    </dgm:style>
+  </dgm:styleLbl>
+  <dgm:styleLbl name="vennNode1">
+    <dgm:scene3d>
+      <a:camera prst="orthographicFront"/>
+      <a:lightRig rig="threePt" dir="t"/>
+    </dgm:scene3d>
+    <dgm:sp3d/>
+    <dgm:txPr/>
+    <dgm:style>
+      <a:lnRef idx="2">
+        <a:scrgbClr r="0" g="0" b="0"/>
+      </a:lnRef>
+      <a:fillRef idx="1">
+        <a:scrgbClr r="0" g="0" b="0"/>
+      </a:fillRef>
+      <a:effectRef idx="0">
+        <a:scrgbClr r="0" g="0" b="0"/>
+      </a:effectRef>
+      <a:fontRef idx="minor">
+        <a:schemeClr val="tx1"/>
+      </a:fontRef>
+    </dgm:style>
+  </dgm:styleLbl>
+  <dgm:styleLbl name="alignNode1">
+    <dgm:scene3d>
+      <a:camera prst="orthographicFront"/>
+      <a:lightRig rig="threePt" dir="t"/>
+    </dgm:scene3d>
+    <dgm:sp3d/>
+    <dgm:txPr/>
+    <dgm:style>
+      <a:lnRef idx="2">
+        <a:scrgbClr r="0" g="0" b="0"/>
+      </a:lnRef>
+      <a:fillRef idx="1">
+        <a:scrgbClr r="0" g="0" b="0"/>
+      </a:fillRef>
+      <a:effectRef idx="0">
+        <a:scrgbClr r="0" g="0" b="0"/>
+      </a:effectRef>
+      <a:fontRef idx="minor">
+        <a:schemeClr val="lt1"/>
+      </a:fontRef>
+    </dgm:style>
+  </dgm:styleLbl>
+  <dgm:styleLbl name="node1">
+    <dgm:scene3d>
+      <a:camera prst="orthographicFront"/>
+      <a:lightRig rig="threePt" dir="t"/>
+    </dgm:scene3d>
+    <dgm:sp3d/>
+    <dgm:txPr/>
+    <dgm:style>
+      <a:lnRef idx="2">
+        <a:scrgbClr r="0" g="0" b="0"/>
+      </a:lnRef>
+      <a:fillRef idx="1">
+        <a:scrgbClr r="0" g="0" b="0"/>
+      </a:fillRef>
+      <a:effectRef idx="0">
+        <a:scrgbClr r="0" g="0" b="0"/>
+      </a:effectRef>
+      <a:fontRef idx="minor">
+        <a:schemeClr val="lt1"/>
+      </a:fontRef>
+    </dgm:style>
+  </dgm:styleLbl>
+  <dgm:styleLbl name="node2">
+    <dgm:scene3d>
+      <a:camera prst="orthographicFront"/>
+      <a:lightRig rig="threePt" dir="t"/>
+    </dgm:scene3d>
+    <dgm:sp3d/>
+    <dgm:txPr/>
+    <dgm:style>
+      <a:lnRef idx="2">
+        <a:scrgbClr r="0" g="0" b="0"/>
+      </a:lnRef>
+      <a:fillRef idx="1">
+        <a:scrgbClr r="0" g="0" b="0"/>
+      </a:fillRef>
+      <a:effectRef idx="0">
+        <a:scrgbClr r="0" g="0" b="0"/>
+      </a:effectRef>
+      <a:fontRef idx="minor">
+        <a:schemeClr val="lt1"/>
+      </a:fontRef>
+    </dgm:style>
+  </dgm:styleLbl>
+  <dgm:styleLbl name="node3">
+    <dgm:scene3d>
+      <a:camera prst="orthographicFront"/>
+      <a:lightRig rig="threePt" dir="t"/>
+    </dgm:scene3d>
+    <dgm:sp3d/>
+    <dgm:txPr/>
+    <dgm:style>
+      <a:lnRef idx="2">
+        <a:scrgbClr r="0" g="0" b="0"/>
+      </a:lnRef>
+      <a:fillRef idx="1">
+        <a:scrgbClr r="0" g="0" b="0"/>
+      </a:fillRef>
+      <a:effectRef idx="0">
+        <a:scrgbClr r="0" g="0" b="0"/>
+      </a:effectRef>
+      <a:fontRef idx="minor">
+        <a:schemeClr val="lt1"/>
+      </a:fontRef>
+    </dgm:style>
+  </dgm:styleLbl>
+  <dgm:styleLbl name="node4">
+    <dgm:scene3d>
+      <a:camera prst="orthographicFront"/>
+      <a:lightRig rig="threePt" dir="t"/>
+    </dgm:scene3d>
+    <dgm:sp3d/>
+    <dgm:txPr/>
+    <dgm:style>
+      <a:lnRef idx="2">
+        <a:scrgbClr r="0" g="0" b="0"/>
+      </a:lnRef>
+      <a:fillRef idx="1">
+        <a:scrgbClr r="0" g="0" b="0"/>
+      </a:fillRef>
+      <a:effectRef idx="0">
+        <a:scrgbClr r="0" g="0" b="0"/>
+      </a:effectRef>
+      <a:fontRef idx="minor">
+        <a:schemeClr val="lt1"/>
+      </a:fontRef>
+    </dgm:style>
+  </dgm:styleLbl>
+  <dgm:styleLbl name="fgImgPlace1">
+    <dgm:scene3d>
+      <a:camera prst="orthographicFront"/>
+      <a:lightRig rig="threePt" dir="t"/>
+    </dgm:scene3d>
+    <dgm:sp3d/>
+    <dgm:txPr/>
+    <dgm:style>
+      <a:lnRef idx="2">
+        <a:scrgbClr r="0" g="0" b="0"/>
+      </a:lnRef>
+      <a:fillRef idx="1">
+        <a:scrgbClr r="0" g="0" b="0"/>
+      </a:fillRef>
+      <a:effectRef idx="0">
+        <a:scrgbClr r="0" g="0" b="0"/>
+      </a:effectRef>
+      <a:fontRef idx="minor"/>
+    </dgm:style>
+  </dgm:styleLbl>
+  <dgm:styleLbl name="alignImgPlace1">
+    <dgm:scene3d>
+      <a:camera prst="orthographicFront"/>
+      <a:lightRig rig="threePt" dir="t"/>
+    </dgm:scene3d>
+    <dgm:sp3d/>
+    <dgm:txPr/>
+    <dgm:style>
+      <a:lnRef idx="2">
+        <a:scrgbClr r="0" g="0" b="0"/>
+      </a:lnRef>
+      <a:fillRef idx="1">
+        <a:scrgbClr r="0" g="0" b="0"/>
+      </a:fillRef>
+      <a:effectRef idx="0">
+        <a:scrgbClr r="0" g="0" b="0"/>
+      </a:effectRef>
+      <a:fontRef idx="minor"/>
+    </dgm:style>
+  </dgm:styleLbl>
+  <dgm:styleLbl name="bgImgPlace1">
+    <dgm:scene3d>
+      <a:camera prst="orthographicFront"/>
+      <a:lightRig rig="threePt" dir="t"/>
+    </dgm:scene3d>
+    <dgm:sp3d/>
+    <dgm:txPr/>
+    <dgm:style>
+      <a:lnRef idx="2">
+        <a:scrgbClr r="0" g="0" b="0"/>
+      </a:lnRef>
+      <a:fillRef idx="1">
+        <a:scrgbClr r="0" g="0" b="0"/>
+      </a:fillRef>
+      <a:effectRef idx="0">
+        <a:scrgbClr r="0" g="0" b="0"/>
+      </a:effectRef>
+      <a:fontRef idx="minor"/>
+    </dgm:style>
+  </dgm:styleLbl>
+  <dgm:styleLbl name="sibTrans2D1">
+    <dgm:scene3d>
+      <a:camera prst="orthographicFront"/>
+      <a:lightRig rig="threePt" dir="t"/>
+    </dgm:scene3d>
+    <dgm:sp3d/>
+    <dgm:txPr/>
+    <dgm:style>
+      <a:lnRef idx="0">
+        <a:scrgbClr r="0" g="0" b="0"/>
+      </a:lnRef>
+      <a:fillRef idx="1">
+        <a:scrgbClr r="0" g="0" b="0"/>
+      </a:fillRef>
+      <a:effectRef idx="0">
+        <a:scrgbClr r="0" g="0" b="0"/>
+      </a:effectRef>
+      <a:fontRef idx="minor">
+        <a:schemeClr val="lt1"/>
+      </a:fontRef>
+    </dgm:style>
+  </dgm:styleLbl>
+  <dgm:styleLbl name="fgSibTrans2D1">
+    <dgm:scene3d>
+      <a:camera prst="orthographicFront"/>
+      <a:lightRig rig="threePt" dir="t"/>
+    </dgm:scene3d>
+    <dgm:sp3d/>
+    <dgm:txPr/>
+    <dgm:style>
+      <a:lnRef idx="0">
+        <a:scrgbClr r="0" g="0" b="0"/>
+      </a:lnRef>
+      <a:fillRef idx="1">
+        <a:scrgbClr r="0" g="0" b="0"/>
+      </a:fillRef>
+      <a:effectRef idx="0">
+        <a:scrgbClr r="0" g="0" b="0"/>
+      </a:effectRef>
+      <a:fontRef idx="minor">
+        <a:schemeClr val="lt1"/>
+      </a:fontRef>
+    </dgm:style>
+  </dgm:styleLbl>
+  <dgm:styleLbl name="bgSibTrans2D1">
+    <dgm:scene3d>
+      <a:camera prst="orthographicFront"/>
+      <a:lightRig rig="threePt" dir="t"/>
+    </dgm:scene3d>
+    <dgm:sp3d/>
+    <dgm:txPr/>
+    <dgm:style>
+      <a:lnRef idx="0">
+        <a:scrgbClr r="0" g="0" b="0"/>
+      </a:lnRef>
+      <a:fillRef idx="1">
+        <a:scrgbClr r="0" g="0" b="0"/>
+      </a:fillRef>
+      <a:effectRef idx="0">
+        <a:scrgbClr r="0" g="0" b="0"/>
+      </a:effectRef>
+      <a:fontRef idx="minor">
+        <a:schemeClr val="lt1"/>
+      </a:fontRef>
+    </dgm:style>
+  </dgm:styleLbl>
+  <dgm:styleLbl name="sibTrans1D1">
+    <dgm:scene3d>
+      <a:camera prst="orthographicFront"/>
+      <a:lightRig rig="threePt" dir="t"/>
+    </dgm:scene3d>
+    <dgm:sp3d/>
+    <dgm:txPr/>
+    <dgm:style>
+      <a:lnRef idx="1">
+        <a:scrgbClr r="0" g="0" b="0"/>
+      </a:lnRef>
+      <a:fillRef idx="0">
+        <a:scrgbClr r="0" g="0" b="0"/>
+      </a:fillRef>
+      <a:effectRef idx="0">
+        <a:scrgbClr r="0" g="0" b="0"/>
+      </a:effectRef>
+      <a:fontRef idx="minor"/>
+    </dgm:style>
+  </dgm:styleLbl>
+  <dgm:styleLbl name="callout">
+    <dgm:scene3d>
+      <a:camera prst="orthographicFront"/>
+      <a:lightRig rig="threePt" dir="t"/>
+    </dgm:scene3d>
+    <dgm:sp3d/>
+    <dgm:txPr/>
+    <dgm:style>
+      <a:lnRef idx="2">
+        <a:scrgbClr r="0" g="0" b="0"/>
+      </a:lnRef>
+      <a:fillRef idx="1">
+        <a:scrgbClr r="0" g="0" b="0"/>
+      </a:fillRef>
+      <a:effectRef idx="0">
+        <a:scrgbClr r="0" g="0" b="0"/>
+      </a:effectRef>
+      <a:fontRef idx="minor"/>
+    </dgm:style>
+  </dgm:styleLbl>
+  <dgm:styleLbl name="asst0">
+    <dgm:scene3d>
+      <a:camera prst="orthographicFront"/>
+      <a:lightRig rig="threePt" dir="t"/>
+    </dgm:scene3d>
+    <dgm:sp3d/>
+    <dgm:txPr/>
+    <dgm:style>
+      <a:lnRef idx="2">
+        <a:scrgbClr r="0" g="0" b="0"/>
+      </a:lnRef>
+      <a:fillRef idx="1">
+        <a:scrgbClr r="0" g="0" b="0"/>
+      </a:fillRef>
+      <a:effectRef idx="0">
+        <a:scrgbClr r="0" g="0" b="0"/>
+      </a:effectRef>
+      <a:fontRef idx="minor">
+        <a:schemeClr val="lt1"/>
+      </a:fontRef>
+    </dgm:style>
+  </dgm:styleLbl>
+  <dgm:styleLbl name="asst1">
+    <dgm:scene3d>
+      <a:camera prst="orthographicFront"/>
+      <a:lightRig rig="threePt" dir="t"/>
+    </dgm:scene3d>
+    <dgm:sp3d/>
+    <dgm:txPr/>
+    <dgm:style>
+      <a:lnRef idx="2">
+        <a:scrgbClr r="0" g="0" b="0"/>
+      </a:lnRef>
+      <a:fillRef idx="1">
+        <a:scrgbClr r="0" g="0" b="0"/>
+      </a:fillRef>
+      <a:effectRef idx="0">
+        <a:scrgbClr r="0" g="0" b="0"/>
+      </a:effectRef>
+      <a:fontRef idx="minor">
+        <a:schemeClr val="lt1"/>
+      </a:fontRef>
+    </dgm:style>
+  </dgm:styleLbl>
+  <dgm:styleLbl name="asst2">
+    <dgm:scene3d>
+      <a:camera prst="orthographicFront"/>
+      <a:lightRig rig="threePt" dir="t"/>
+    </dgm:scene3d>
+    <dgm:sp3d/>
+    <dgm:txPr/>
+    <dgm:style>
+      <a:lnRef idx="2">
+        <a:scrgbClr r="0" g="0" b="0"/>
+      </a:lnRef>
+      <a:fillRef idx="1">
+        <a:scrgbClr r="0" g="0" b="0"/>
+      </a:fillRef>
+      <a:effectRef idx="0">
+        <a:scrgbClr r="0" g="0" b="0"/>
+      </a:effectRef>
+      <a:fontRef idx="minor">
+        <a:schemeClr val="lt1"/>
+      </a:fontRef>
+    </dgm:style>
+  </dgm:styleLbl>
+  <dgm:styleLbl name="asst3">
+    <dgm:scene3d>
+      <a:camera prst="orthographicFront"/>
+      <a:lightRig rig="threePt" dir="t"/>
+    </dgm:scene3d>
+    <dgm:sp3d/>
+    <dgm:txPr/>
+    <dgm:style>
+      <a:lnRef idx="2">
+        <a:scrgbClr r="0" g="0" b="0"/>
+      </a:lnRef>
+      <a:fillRef idx="1">
+        <a:scrgbClr r="0" g="0" b="0"/>
+      </a:fillRef>
+      <a:effectRef idx="0">
+        <a:scrgbClr r="0" g="0" b="0"/>
+      </a:effectRef>
+      <a:fontRef idx="minor">
+        <a:schemeClr val="lt1"/>
+      </a:fontRef>
+    </dgm:style>
+  </dgm:styleLbl>
+  <dgm:styleLbl name="asst4">
+    <dgm:scene3d>
+      <a:camera prst="orthographicFront"/>
+      <a:lightRig rig="threePt" dir="t"/>
+    </dgm:scene3d>
+    <dgm:sp3d/>
+    <dgm:txPr/>
+    <dgm:style>
+      <a:lnRef idx="2">
+        <a:scrgbClr r="0" g="0" b="0"/>
+      </a:lnRef>
+      <a:fillRef idx="1">
+        <a:scrgbClr r="0" g="0" b="0"/>
+      </a:fillRef>
+      <a:effectRef idx="0">
+        <a:scrgbClr r="0" g="0" b="0"/>
+      </a:effectRef>
+      <a:fontRef idx="minor">
+        <a:schemeClr val="lt1"/>
+      </a:fontRef>
+    </dgm:style>
+  </dgm:styleLbl>
+  <dgm:styleLbl name="parChTrans2D1">
+    <dgm:scene3d>
+      <a:camera prst="orthographicFront"/>
+      <a:lightRig rig="threePt" dir="t"/>
+    </dgm:scene3d>
+    <dgm:sp3d/>
+    <dgm:txPr/>
+    <dgm:style>
+      <a:lnRef idx="2">
+        <a:scrgbClr r="0" g="0" b="0"/>
+      </a:lnRef>
+      <a:fillRef idx="1">
+        <a:scrgbClr r="0" g="0" b="0"/>
+      </a:fillRef>
+      <a:effectRef idx="0">
+        <a:scrgbClr r="0" g="0" b="0"/>
+      </a:effectRef>
+      <a:fontRef idx="minor">
+        <a:schemeClr val="lt1"/>
+      </a:fontRef>
+    </dgm:style>
+  </dgm:styleLbl>
+  <dgm:styleLbl name="parChTrans2D2">
+    <dgm:scene3d>
+      <a:camera prst="orthographicFront"/>
+      <a:lightRig rig="threePt" dir="t"/>
+    </dgm:scene3d>
+    <dgm:sp3d/>
+    <dgm:txPr/>
+    <dgm:style>
+      <a:lnRef idx="2">
+        <a:scrgbClr r="0" g="0" b="0"/>
+      </a:lnRef>
+      <a:fillRef idx="1">
+        <a:scrgbClr r="0" g="0" b="0"/>
+      </a:fillRef>
+      <a:effectRef idx="0">
+        <a:scrgbClr r="0" g="0" b="0"/>
+      </a:effectRef>
+      <a:fontRef idx="minor">
+        <a:schemeClr val="lt1"/>
+      </a:fontRef>
+    </dgm:style>
+  </dgm:styleLbl>
+  <dgm:styleLbl name="parChTrans2D3">
+    <dgm:scene3d>
+      <a:camera prst="orthographicFront"/>
+      <a:lightRig rig="threePt" dir="t"/>
+    </dgm:scene3d>
+    <dgm:sp3d/>
+    <dgm:txPr/>
+    <dgm:style>
+      <a:lnRef idx="2">
+        <a:scrgbClr r="0" g="0" b="0"/>
+      </a:lnRef>
+      <a:fillRef idx="1">
+        <a:scrgbClr r="0" g="0" b="0"/>
+      </a:fillRef>
+      <a:effectRef idx="0">
+        <a:scrgbClr r="0" g="0" b="0"/>
+      </a:effectRef>
+      <a:fontRef idx="minor">
+        <a:schemeClr val="lt1"/>
+      </a:fontRef>
+    </dgm:style>
+  </dgm:styleLbl>
+  <dgm:styleLbl name="parChTrans2D4">
+    <dgm:scene3d>
+      <a:camera prst="orthographicFront"/>
+      <a:lightRig rig="threePt" dir="t"/>
+    </dgm:scene3d>
+    <dgm:sp3d/>
+    <dgm:txPr/>
+    <dgm:style>
+      <a:lnRef idx="2">
+        <a:scrgbClr r="0" g="0" b="0"/>
+      </a:lnRef>
+      <a:fillRef idx="1">
+        <a:scrgbClr r="0" g="0" b="0"/>
+      </a:fillRef>
+      <a:effectRef idx="0">
+        <a:scrgbClr r="0" g="0" b="0"/>
+      </a:effectRef>
+      <a:fontRef idx="minor">
+        <a:schemeClr val="lt1"/>
+      </a:fontRef>
+    </dgm:style>
+  </dgm:styleLbl>
+  <dgm:styleLbl name="parChTrans1D1">
+    <dgm:scene3d>
+      <a:camera prst="orthographicFront"/>
+      <a:lightRig rig="threePt" dir="t"/>
+    </dgm:scene3d>
+    <dgm:sp3d/>
+    <dgm:txPr/>
+    <dgm:style>
+      <a:lnRef idx="2">
+        <a:scrgbClr r="0" g="0" b="0"/>
+      </a:lnRef>
+      <a:fillRef idx="0">
+        <a:scrgbClr r="0" g="0" b="0"/>
+      </a:fillRef>
+      <a:effectRef idx="0">
+        <a:scrgbClr r="0" g="0" b="0"/>
+      </a:effectRef>
+      <a:fontRef idx="minor"/>
+    </dgm:style>
+  </dgm:styleLbl>
+  <dgm:styleLbl name="parChTrans1D2">
+    <dgm:scene3d>
+      <a:camera prst="orthographicFront"/>
+      <a:lightRig rig="threePt" dir="t"/>
+    </dgm:scene3d>
+    <dgm:sp3d/>
+    <dgm:txPr/>
+    <dgm:style>
+      <a:lnRef idx="2">
+        <a:scrgbClr r="0" g="0" b="0"/>
+      </a:lnRef>
+      <a:fillRef idx="0">
+        <a:scrgbClr r="0" g="0" b="0"/>
+      </a:fillRef>
+      <a:effectRef idx="0">
+        <a:scrgbClr r="0" g="0" b="0"/>
+      </a:effectRef>
+      <a:fontRef idx="minor"/>
+    </dgm:style>
+  </dgm:styleLbl>
+  <dgm:styleLbl name="parChTrans1D3">
+    <dgm:scene3d>
+      <a:camera prst="orthographicFront"/>
+      <a:lightRig rig="threePt" dir="t"/>
+    </dgm:scene3d>
+    <dgm:sp3d/>
+    <dgm:txPr/>
+    <dgm:style>
+      <a:lnRef idx="2">
+        <a:scrgbClr r="0" g="0" b="0"/>
+      </a:lnRef>
+      <a:fillRef idx="0">
+        <a:scrgbClr r="0" g="0" b="0"/>
+      </a:fillRef>
+      <a:effectRef idx="0">
+        <a:scrgbClr r="0" g="0" b="0"/>
+      </a:effectRef>
+      <a:fontRef idx="minor"/>
+    </dgm:style>
+  </dgm:styleLbl>
+  <dgm:styleLbl name="parChTrans1D4">
+    <dgm:scene3d>
+      <a:camera prst="orthographicFront"/>
+      <a:lightRig rig="threePt" dir="t"/>
+    </dgm:scene3d>
+    <dgm:sp3d/>
+    <dgm:txPr/>
+    <dgm:style>
+      <a:lnRef idx="2">
+        <a:scrgbClr r="0" g="0" b="0"/>
+      </a:lnRef>
+      <a:fillRef idx="0">
+        <a:scrgbClr r="0" g="0" b="0"/>
+      </a:fillRef>
+      <a:effectRef idx="0">
+        <a:scrgbClr r="0" g="0" b="0"/>
+      </a:effectRef>
+      <a:fontRef idx="minor"/>
+    </dgm:style>
+  </dgm:styleLbl>
+  <dgm:styleLbl name="fgAcc1">
+    <dgm:scene3d>
+      <a:camera prst="orthographicFront"/>
+      <a:lightRig rig="threePt" dir="t"/>
+    </dgm:scene3d>
+    <dgm:sp3d/>
+    <dgm:txPr/>
+    <dgm:style>
+      <a:lnRef idx="2">
+        <a:scrgbClr r="0" g="0" b="0"/>
+      </a:lnRef>
+      <a:fillRef idx="1">
+        <a:scrgbClr r="0" g="0" b="0"/>
+      </a:fillRef>
+      <a:effectRef idx="0">
+        <a:scrgbClr r="0" g="0" b="0"/>
+      </a:effectRef>
+      <a:fontRef idx="minor"/>
+    </dgm:style>
+  </dgm:styleLbl>
+  <dgm:styleLbl name="conFgAcc1">
+    <dgm:scene3d>
+      <a:camera prst="orthographicFront"/>
+      <a:lightRig rig="threePt" dir="t"/>
+    </dgm:scene3d>
+    <dgm:sp3d/>
+    <dgm:txPr/>
+    <dgm:style>
+      <a:lnRef idx="2">
+        <a:scrgbClr r="0" g="0" b="0"/>
+      </a:lnRef>
+      <a:fillRef idx="1">
+        <a:scrgbClr r="0" g="0" b="0"/>
+      </a:fillRef>
+      <a:effectRef idx="0">
+        <a:scrgbClr r="0" g="0" b="0"/>
+      </a:effectRef>
+      <a:fontRef idx="minor"/>
+    </dgm:style>
+  </dgm:styleLbl>
+  <dgm:styleLbl name="alignAcc1">
+    <dgm:scene3d>
+      <a:camera prst="orthographicFront"/>
+      <a:lightRig rig="threePt" dir="t"/>
+    </dgm:scene3d>
+    <dgm:sp3d/>
+    <dgm:txPr/>
+    <dgm:style>
+      <a:lnRef idx="2">
+        <a:scrgbClr r="0" g="0" b="0"/>
+      </a:lnRef>
+      <a:fillRef idx="1">
+        <a:scrgbClr r="0" g="0" b="0"/>
+      </a:fillRef>
+      <a:effectRef idx="0">
+        <a:scrgbClr r="0" g="0" b="0"/>
+      </a:effectRef>
+      <a:fontRef idx="minor"/>
+    </dgm:style>
+  </dgm:styleLbl>
+  <dgm:styleLbl name="trAlignAcc1">
+    <dgm:scene3d>
+      <a:camera prst="orthographicFront"/>
+      <a:lightRig rig="threePt" dir="t"/>
+    </dgm:scene3d>
+    <dgm:sp3d/>
+    <dgm:txPr/>
+    <dgm:style>
+      <a:lnRef idx="1">
+        <a:scrgbClr r="0" g="0" b="0"/>
+      </a:lnRef>
+      <a:fillRef idx="1">
+        <a:scrgbClr r="0" g="0" b="0"/>
+      </a:fillRef>
+      <a:effectRef idx="0">
+        <a:scrgbClr r="0" g="0" b="0"/>
+      </a:effectRef>
+      <a:fontRef idx="minor"/>
+    </dgm:style>
+  </dgm:styleLbl>
+  <dgm:styleLbl name="bgAcc1">
+    <dgm:scene3d>
+      <a:camera prst="orthographicFront"/>
+      <a:lightRig rig="threePt" dir="t"/>
+    </dgm:scene3d>
+    <dgm:sp3d/>
+    <dgm:txPr/>
+    <dgm:style>
+      <a:lnRef idx="2">
+        <a:scrgbClr r="0" g="0" b="0"/>
+      </a:lnRef>
+      <a:fillRef idx="1">
+        <a:scrgbClr r="0" g="0" b="0"/>
+      </a:fillRef>
+      <a:effectRef idx="0">
+        <a:scrgbClr r="0" g="0" b="0"/>
+      </a:effectRef>
+      <a:fontRef idx="minor"/>
+    </dgm:style>
+  </dgm:styleLbl>
+  <dgm:styleLbl name="solidFgAcc1">
+    <dgm:scene3d>
+      <a:camera prst="orthographicFront"/>
+      <a:lightRig rig="threePt" dir="t"/>
+    </dgm:scene3d>
+    <dgm:sp3d/>
+    <dgm:txPr/>
+    <dgm:style>
+      <a:lnRef idx="2">
+        <a:scrgbClr r="0" g="0" b="0"/>
+      </a:lnRef>
+      <a:fillRef idx="1">
+        <a:scrgbClr r="0" g="0" b="0"/>
+      </a:fillRef>
+      <a:effectRef idx="0">
+        <a:scrgbClr r="0" g="0" b="0"/>
+      </a:effectRef>
+      <a:fontRef idx="minor"/>
+    </dgm:style>
+  </dgm:styleLbl>
+  <dgm:styleLbl name="solidAlignAcc1">
+    <dgm:scene3d>
+      <a:camera prst="orthographicFront"/>
+      <a:lightRig rig="threePt" dir="t"/>
+    </dgm:scene3d>
+    <dgm:sp3d/>
+    <dgm:txPr/>
+    <dgm:style>
+      <a:lnRef idx="2">
+        <a:scrgbClr r="0" g="0" b="0"/>
+      </a:lnRef>
+      <a:fillRef idx="1">
+        <a:scrgbClr r="0" g="0" b="0"/>
+      </a:fillRef>
+      <a:effectRef idx="0">
+        <a:scrgbClr r="0" g="0" b="0"/>
+      </a:effectRef>
+      <a:fontRef idx="minor"/>
+    </dgm:style>
+  </dgm:styleLbl>
+  <dgm:styleLbl name="solidBgAcc1">
+    <dgm:scene3d>
+      <a:camera prst="orthographicFront"/>
+      <a:lightRig rig="threePt" dir="t"/>
+    </dgm:scene3d>
+    <dgm:sp3d/>
+    <dgm:txPr/>
+    <dgm:style>
+      <a:lnRef idx="2">
+        <a:scrgbClr r="0" g="0" b="0"/>
+      </a:lnRef>
+      <a:fillRef idx="1">
+        <a:scrgbClr r="0" g="0" b="0"/>
+      </a:fillRef>
+      <a:effectRef idx="0">
+        <a:scrgbClr r="0" g="0" b="0"/>
+      </a:effectRef>
+      <a:fontRef idx="minor"/>
+    </dgm:style>
+  </dgm:styleLbl>
+  <dgm:styleLbl name="fgAccFollowNode1">
+    <dgm:scene3d>
+      <a:camera prst="orthographicFront"/>
+      <a:lightRig rig="threePt" dir="t"/>
+    </dgm:scene3d>
+    <dgm:sp3d/>
+    <dgm:txPr/>
+    <dgm:style>
+      <a:lnRef idx="2">
+        <a:scrgbClr r="0" g="0" b="0"/>
+      </a:lnRef>
+      <a:fillRef idx="1">
+        <a:scrgbClr r="0" g="0" b="0"/>
+      </a:fillRef>
+      <a:effectRef idx="0">
+        <a:scrgbClr r="0" g="0" b="0"/>
+      </a:effectRef>
+      <a:fontRef idx="minor"/>
+    </dgm:style>
+  </dgm:styleLbl>
+  <dgm:styleLbl name="alignAccFollowNode1">
+    <dgm:scene3d>
+      <a:camera prst="orthographicFront"/>
+      <a:lightRig rig="threePt" dir="t"/>
+    </dgm:scene3d>
+    <dgm:sp3d/>
+    <dgm:txPr/>
+    <dgm:style>
+      <a:lnRef idx="2">
+        <a:scrgbClr r="0" g="0" b="0"/>
+      </a:lnRef>
+      <a:fillRef idx="1">
+        <a:scrgbClr r="0" g="0" b="0"/>
+      </a:fillRef>
+      <a:effectRef idx="0">
+        <a:scrgbClr r="0" g="0" b="0"/>
+      </a:effectRef>
+      <a:fontRef idx="minor"/>
+    </dgm:style>
+  </dgm:styleLbl>
+  <dgm:styleLbl name="bgAccFollowNode1">
+    <dgm:scene3d>
+      <a:camera prst="orthographicFront"/>
+      <a:lightRig rig="threePt" dir="t"/>
+    </dgm:scene3d>
+    <dgm:sp3d/>
+    <dgm:txPr/>
+    <dgm:style>
+      <a:lnRef idx="2">
+        <a:scrgbClr r="0" g="0" b="0"/>
+      </a:lnRef>
+      <a:fillRef idx="1">
+        <a:scrgbClr r="0" g="0" b="0"/>
+      </a:fillRef>
+      <a:effectRef idx="0">
+        <a:scrgbClr r="0" g="0" b="0"/>
+      </a:effectRef>
+      <a:fontRef idx="minor"/>
+    </dgm:style>
+  </dgm:styleLbl>
+  <dgm:styleLbl name="fgAcc0">
+    <dgm:scene3d>
+      <a:camera prst="orthographicFront"/>
+      <a:lightRig rig="threePt" dir="t"/>
+    </dgm:scene3d>
+    <dgm:sp3d/>
+    <dgm:txPr/>
+    <dgm:style>
+      <a:lnRef idx="2">
+        <a:scrgbClr r="0" g="0" b="0"/>
+      </a:lnRef>
+      <a:fillRef idx="1">
+        <a:scrgbClr r="0" g="0" b="0"/>
+      </a:fillRef>
+      <a:effectRef idx="0">
+        <a:scrgbClr r="0" g="0" b="0"/>
+      </a:effectRef>
+      <a:fontRef idx="minor"/>
+    </dgm:style>
+  </dgm:styleLbl>
+  <dgm:styleLbl name="fgAcc2">
+    <dgm:scene3d>
+      <a:camera prst="orthographicFront"/>
+      <a:lightRig rig="threePt" dir="t"/>
+    </dgm:scene3d>
+    <dgm:sp3d/>
+    <dgm:txPr/>
+    <dgm:style>
+      <a:lnRef idx="2">
+        <a:scrgbClr r="0" g="0" b="0"/>
+      </a:lnRef>
+      <a:fillRef idx="1">
+        <a:scrgbClr r="0" g="0" b="0"/>
+      </a:fillRef>
+      <a:effectRef idx="0">
+        <a:scrgbClr r="0" g="0" b="0"/>
+      </a:effectRef>
+      <a:fontRef idx="minor"/>
+    </dgm:style>
+  </dgm:styleLbl>
+  <dgm:styleLbl name="fgAcc3">
+    <dgm:scene3d>
+      <a:camera prst="orthographicFront"/>
+      <a:lightRig rig="threePt" dir="t"/>
+    </dgm:scene3d>
+    <dgm:sp3d/>
+    <dgm:txPr/>
+    <dgm:style>
+      <a:lnRef idx="2">
+        <a:scrgbClr r="0" g="0" b="0"/>
+      </a:lnRef>
+      <a:fillRef idx="1">
+        <a:scrgbClr r="0" g="0" b="0"/>
+      </a:fillRef>
+      <a:effectRef idx="0">
+        <a:scrgbClr r="0" g="0" b="0"/>
+      </a:effectRef>
+      <a:fontRef idx="minor"/>
+    </dgm:style>
+  </dgm:styleLbl>
+  <dgm:styleLbl name="fgAcc4">
+    <dgm:scene3d>
+      <a:camera prst="orthographicFront"/>
+      <a:lightRig rig="threePt" dir="t"/>
+    </dgm:scene3d>
+    <dgm:sp3d/>
+    <dgm:txPr/>
+    <dgm:style>
+      <a:lnRef idx="2">
+        <a:scrgbClr r="0" g="0" b="0"/>
+      </a:lnRef>
+      <a:fillRef idx="1">
+        <a:scrgbClr r="0" g="0" b="0"/>
+      </a:fillRef>
+      <a:effectRef idx="0">
+        <a:scrgbClr r="0" g="0" b="0"/>
+      </a:effectRef>
+      <a:fontRef idx="minor"/>
+    </dgm:style>
+  </dgm:styleLbl>
+  <dgm:styleLbl name="bgShp">
+    <dgm:scene3d>
+      <a:camera prst="orthographicFront"/>
+      <a:lightRig rig="threePt" dir="t"/>
+    </dgm:scene3d>
+    <dgm:sp3d/>
+    <dgm:txPr/>
+    <dgm:style>
+      <a:lnRef idx="0">
+        <a:scrgbClr r="0" g="0" b="0"/>
+      </a:lnRef>
+      <a:fillRef idx="1">
+        <a:scrgbClr r="0" g="0" b="0"/>
+      </a:fillRef>
+      <a:effectRef idx="0">
+        <a:scrgbClr r="0" g="0" b="0"/>
+      </a:effectRef>
+      <a:fontRef idx="minor"/>
+    </dgm:style>
+  </dgm:styleLbl>
+  <dgm:styleLbl name="dkBgShp">
+    <dgm:scene3d>
+      <a:camera prst="orthographicFront"/>
+      <a:lightRig rig="threePt" dir="t"/>
+    </dgm:scene3d>
+    <dgm:sp3d/>
+    <dgm:txPr/>
+    <dgm:style>
+      <a:lnRef idx="0">
+        <a:scrgbClr r="0" g="0" b="0"/>
+      </a:lnRef>
+      <a:fillRef idx="1">
+        <a:scrgbClr r="0" g="0" b="0"/>
+      </a:fillRef>
+      <a:effectRef idx="0">
+        <a:scrgbClr r="0" g="0" b="0"/>
+      </a:effectRef>
+      <a:fontRef idx="minor"/>
+    </dgm:style>
+  </dgm:styleLbl>
+  <dgm:styleLbl name="trBgShp">
+    <dgm:scene3d>
+      <a:camera prst="orthographicFront"/>
+      <a:lightRig rig="threePt" dir="t"/>
+    </dgm:scene3d>
+    <dgm:sp3d/>
+    <dgm:txPr/>
+    <dgm:style>
+      <a:lnRef idx="0">
+        <a:scrgbClr r="0" g="0" b="0"/>
+      </a:lnRef>
+      <a:fillRef idx="1">
+        <a:scrgbClr r="0" g="0" b="0"/>
+      </a:fillRef>
+      <a:effectRef idx="0">
+        <a:scrgbClr r="0" g="0" b="0"/>
+      </a:effectRef>
+      <a:fontRef idx="minor"/>
+    </dgm:style>
+  </dgm:styleLbl>
+  <dgm:styleLbl name="fgShp">
+    <dgm:scene3d>
+      <a:camera prst="orthographicFront"/>
+      <a:lightRig rig="threePt" dir="t"/>
+    </dgm:scene3d>
+    <dgm:sp3d/>
+    <dgm:txPr/>
+    <dgm:style>
+      <a:lnRef idx="2">
+        <a:scrgbClr r="0" g="0" b="0"/>
+      </a:lnRef>
+      <a:fillRef idx="1">
+        <a:scrgbClr r="0" g="0" b="0"/>
+      </a:fillRef>
+      <a:effectRef idx="0">
+        <a:scrgbClr r="0" g="0" b="0"/>
+      </a:effectRef>
+      <a:fontRef idx="minor"/>
+    </dgm:style>
+  </dgm:styleLbl>
+  <dgm:styleLbl name="revTx">
+    <dgm:scene3d>
+      <a:camera prst="orthographicFront"/>
+      <a:lightRig rig="threePt" dir="t"/>
+    </dgm:scene3d>
+    <dgm:sp3d/>
+    <dgm:txPr/>
+    <dgm:style>
+      <a:lnRef idx="0">
+        <a:scrgbClr r="0" g="0" b="0"/>
+      </a:lnRef>
+      <a:fillRef idx="0">
+        <a:scrgbClr r="0" g="0" b="0"/>
+      </a:fillRef>
+      <a:effectRef idx="0">
+        <a:scrgbClr r="0" g="0" b="0"/>
+      </a:effectRef>
+      <a:fontRef idx="minor"/>
+    </dgm:style>
+  </dgm:styleLbl>
+</dgm:styleDef>
+</file>
+
+<file path=ppt/diagrams/quickStyle8.xml><?xml version="1.0" encoding="utf-8"?>
+<dgm:styleDef xmlns:dgm="http://schemas.openxmlformats.org/drawingml/2006/diagram" xmlns:a="http://schemas.openxmlformats.org/drawingml/2006/main" uniqueId="urn:microsoft.com/office/officeart/2005/8/quickstyle/simple1">
+  <dgm:title val=""/>
+  <dgm:desc val=""/>
+  <dgm:catLst>
+    <dgm:cat type="simple" pri="10100"/>
+  </dgm:catLst>
+  <dgm:scene3d>
+    <a:camera prst="orthographicFront"/>
+    <a:lightRig rig="threePt" dir="t"/>
+  </dgm:scene3d>
+  <dgm:styleLbl name="node0">
+    <dgm:scene3d>
+      <a:camera prst="orthographicFront"/>
+      <a:lightRig rig="threePt" dir="t"/>
+    </dgm:scene3d>
+    <dgm:sp3d/>
+    <dgm:txPr/>
+    <dgm:style>
+      <a:lnRef idx="2">
+        <a:scrgbClr r="0" g="0" b="0"/>
+      </a:lnRef>
+      <a:fillRef idx="1">
+        <a:scrgbClr r="0" g="0" b="0"/>
+      </a:fillRef>
+      <a:effectRef idx="0">
+        <a:scrgbClr r="0" g="0" b="0"/>
+      </a:effectRef>
+      <a:fontRef idx="minor">
+        <a:schemeClr val="lt1"/>
+      </a:fontRef>
+    </dgm:style>
+  </dgm:styleLbl>
+  <dgm:styleLbl name="lnNode1">
+    <dgm:scene3d>
+      <a:camera prst="orthographicFront"/>
+      <a:lightRig rig="threePt" dir="t"/>
+    </dgm:scene3d>
+    <dgm:sp3d/>
+    <dgm:txPr/>
+    <dgm:style>
+      <a:lnRef idx="2">
+        <a:scrgbClr r="0" g="0" b="0"/>
+      </a:lnRef>
+      <a:fillRef idx="1">
+        <a:scrgbClr r="0" g="0" b="0"/>
+      </a:fillRef>
+      <a:effectRef idx="0">
+        <a:scrgbClr r="0" g="0" b="0"/>
+      </a:effectRef>
+      <a:fontRef idx="minor">
+        <a:schemeClr val="lt1"/>
+      </a:fontRef>
+    </dgm:style>
+  </dgm:styleLbl>
+  <dgm:styleLbl name="vennNode1">
+    <dgm:scene3d>
+      <a:camera prst="orthographicFront"/>
+      <a:lightRig rig="threePt" dir="t"/>
+    </dgm:scene3d>
+    <dgm:sp3d/>
+    <dgm:txPr/>
+    <dgm:style>
+      <a:lnRef idx="2">
+        <a:scrgbClr r="0" g="0" b="0"/>
+      </a:lnRef>
+      <a:fillRef idx="1">
+        <a:scrgbClr r="0" g="0" b="0"/>
+      </a:fillRef>
+      <a:effectRef idx="0">
+        <a:scrgbClr r="0" g="0" b="0"/>
+      </a:effectRef>
+      <a:fontRef idx="minor">
+        <a:schemeClr val="tx1"/>
+      </a:fontRef>
+    </dgm:style>
+  </dgm:styleLbl>
+  <dgm:styleLbl name="alignNode1">
+    <dgm:scene3d>
+      <a:camera prst="orthographicFront"/>
+      <a:lightRig rig="threePt" dir="t"/>
+    </dgm:scene3d>
+    <dgm:sp3d/>
+    <dgm:txPr/>
+    <dgm:style>
+      <a:lnRef idx="2">
+        <a:scrgbClr r="0" g="0" b="0"/>
+      </a:lnRef>
+      <a:fillRef idx="1">
+        <a:scrgbClr r="0" g="0" b="0"/>
+      </a:fillRef>
+      <a:effectRef idx="0">
+        <a:scrgbClr r="0" g="0" b="0"/>
+      </a:effectRef>
+      <a:fontRef idx="minor">
+        <a:schemeClr val="lt1"/>
+      </a:fontRef>
+    </dgm:style>
+  </dgm:styleLbl>
+  <dgm:styleLbl name="node1">
+    <dgm:scene3d>
+      <a:camera prst="orthographicFront"/>
+      <a:lightRig rig="threePt" dir="t"/>
+    </dgm:scene3d>
+    <dgm:sp3d/>
+    <dgm:txPr/>
+    <dgm:style>
+      <a:lnRef idx="2">
+        <a:scrgbClr r="0" g="0" b="0"/>
+      </a:lnRef>
+      <a:fillRef idx="1">
+        <a:scrgbClr r="0" g="0" b="0"/>
+      </a:fillRef>
+      <a:effectRef idx="0">
+        <a:scrgbClr r="0" g="0" b="0"/>
+      </a:effectRef>
+      <a:fontRef idx="minor">
+        <a:schemeClr val="lt1"/>
+      </a:fontRef>
+    </dgm:style>
+  </dgm:styleLbl>
+  <dgm:styleLbl name="node2">
+    <dgm:scene3d>
+      <a:camera prst="orthographicFront"/>
+      <a:lightRig rig="threePt" dir="t"/>
+    </dgm:scene3d>
+    <dgm:sp3d/>
+    <dgm:txPr/>
+    <dgm:style>
+      <a:lnRef idx="2">
+        <a:scrgbClr r="0" g="0" b="0"/>
+      </a:lnRef>
+      <a:fillRef idx="1">
+        <a:scrgbClr r="0" g="0" b="0"/>
+      </a:fillRef>
+      <a:effectRef idx="0">
+        <a:scrgbClr r="0" g="0" b="0"/>
+      </a:effectRef>
+      <a:fontRef idx="minor">
+        <a:schemeClr val="lt1"/>
+      </a:fontRef>
+    </dgm:style>
+  </dgm:styleLbl>
+  <dgm:styleLbl name="node3">
+    <dgm:scene3d>
+      <a:camera prst="orthographicFront"/>
+      <a:lightRig rig="threePt" dir="t"/>
+    </dgm:scene3d>
+    <dgm:sp3d/>
+    <dgm:txPr/>
+    <dgm:style>
+      <a:lnRef idx="2">
+        <a:scrgbClr r="0" g="0" b="0"/>
+      </a:lnRef>
+      <a:fillRef idx="1">
+        <a:scrgbClr r="0" g="0" b="0"/>
+      </a:fillRef>
+      <a:effectRef idx="0">
+        <a:scrgbClr r="0" g="0" b="0"/>
+      </a:effectRef>
+      <a:fontRef idx="minor">
+        <a:schemeClr val="lt1"/>
+      </a:fontRef>
+    </dgm:style>
+  </dgm:styleLbl>
+  <dgm:styleLbl name="node4">
+    <dgm:scene3d>
+      <a:camera prst="orthographicFront"/>
+      <a:lightRig rig="threePt" dir="t"/>
+    </dgm:scene3d>
+    <dgm:sp3d/>
+    <dgm:txPr/>
+    <dgm:style>
+      <a:lnRef idx="2">
+        <a:scrgbClr r="0" g="0" b="0"/>
+      </a:lnRef>
+      <a:fillRef idx="1">
+        <a:scrgbClr r="0" g="0" b="0"/>
+      </a:fillRef>
+      <a:effectRef idx="0">
+        <a:scrgbClr r="0" g="0" b="0"/>
+      </a:effectRef>
+      <a:fontRef idx="minor">
+        <a:schemeClr val="lt1"/>
+      </a:fontRef>
+    </dgm:style>
+  </dgm:styleLbl>
+  <dgm:styleLbl name="fgImgPlace1">
+    <dgm:scene3d>
+      <a:camera prst="orthographicFront"/>
+      <a:lightRig rig="threePt" dir="t"/>
+    </dgm:scene3d>
+    <dgm:sp3d/>
+    <dgm:txPr/>
+    <dgm:style>
+      <a:lnRef idx="2">
+        <a:scrgbClr r="0" g="0" b="0"/>
+      </a:lnRef>
+      <a:fillRef idx="1">
+        <a:scrgbClr r="0" g="0" b="0"/>
+      </a:fillRef>
+      <a:effectRef idx="0">
+        <a:scrgbClr r="0" g="0" b="0"/>
+      </a:effectRef>
+      <a:fontRef idx="minor"/>
+    </dgm:style>
+  </dgm:styleLbl>
+  <dgm:styleLbl name="alignImgPlace1">
+    <dgm:scene3d>
+      <a:camera prst="orthographicFront"/>
+      <a:lightRig rig="threePt" dir="t"/>
+    </dgm:scene3d>
+    <dgm:sp3d/>
+    <dgm:txPr/>
+    <dgm:style>
+      <a:lnRef idx="2">
+        <a:scrgbClr r="0" g="0" b="0"/>
+      </a:lnRef>
+      <a:fillRef idx="1">
+        <a:scrgbClr r="0" g="0" b="0"/>
+      </a:fillRef>
+      <a:effectRef idx="0">
+        <a:scrgbClr r="0" g="0" b="0"/>
+      </a:effectRef>
+      <a:fontRef idx="minor"/>
+    </dgm:style>
+  </dgm:styleLbl>
+  <dgm:styleLbl name="bgImgPlace1">
+    <dgm:scene3d>
+      <a:camera prst="orthographicFront"/>
+      <a:lightRig rig="threePt" dir="t"/>
+    </dgm:scene3d>
+    <dgm:sp3d/>
+    <dgm:txPr/>
+    <dgm:style>
+      <a:lnRef idx="2">
+        <a:scrgbClr r="0" g="0" b="0"/>
+      </a:lnRef>
+      <a:fillRef idx="1">
+        <a:scrgbClr r="0" g="0" b="0"/>
+      </a:fillRef>
+      <a:effectRef idx="0">
+        <a:scrgbClr r="0" g="0" b="0"/>
+      </a:effectRef>
+      <a:fontRef idx="minor"/>
+    </dgm:style>
+  </dgm:styleLbl>
+  <dgm:styleLbl name="sibTrans2D1">
+    <dgm:scene3d>
+      <a:camera prst="orthographicFront"/>
+      <a:lightRig rig="threePt" dir="t"/>
+    </dgm:scene3d>
+    <dgm:sp3d/>
+    <dgm:txPr/>
+    <dgm:style>
+      <a:lnRef idx="0">
+        <a:scrgbClr r="0" g="0" b="0"/>
+      </a:lnRef>
+      <a:fillRef idx="1">
+        <a:scrgbClr r="0" g="0" b="0"/>
+      </a:fillRef>
+      <a:effectRef idx="0">
+        <a:scrgbClr r="0" g="0" b="0"/>
+      </a:effectRef>
+      <a:fontRef idx="minor">
+        <a:schemeClr val="lt1"/>
+      </a:fontRef>
+    </dgm:style>
+  </dgm:styleLbl>
+  <dgm:styleLbl name="fgSibTrans2D1">
+    <dgm:scene3d>
+      <a:camera prst="orthographicFront"/>
+      <a:lightRig rig="threePt" dir="t"/>
+    </dgm:scene3d>
+    <dgm:sp3d/>
+    <dgm:txPr/>
+    <dgm:style>
+      <a:lnRef idx="0">
+        <a:scrgbClr r="0" g="0" b="0"/>
+      </a:lnRef>
+      <a:fillRef idx="1">
+        <a:scrgbClr r="0" g="0" b="0"/>
+      </a:fillRef>
+      <a:effectRef idx="0">
+        <a:scrgbClr r="0" g="0" b="0"/>
+      </a:effectRef>
+      <a:fontRef idx="minor">
+        <a:schemeClr val="lt1"/>
+      </a:fontRef>
+    </dgm:style>
+  </dgm:styleLbl>
+  <dgm:styleLbl name="bgSibTrans2D1">
+    <dgm:scene3d>
+      <a:camera prst="orthographicFront"/>
+      <a:lightRig rig="threePt" dir="t"/>
+    </dgm:scene3d>
+    <dgm:sp3d/>
+    <dgm:txPr/>
+    <dgm:style>
+      <a:lnRef idx="0">
+        <a:scrgbClr r="0" g="0" b="0"/>
+      </a:lnRef>
+      <a:fillRef idx="1">
+        <a:scrgbClr r="0" g="0" b="0"/>
+      </a:fillRef>
+      <a:effectRef idx="0">
+        <a:scrgbClr r="0" g="0" b="0"/>
+      </a:effectRef>
+      <a:fontRef idx="minor">
+        <a:schemeClr val="lt1"/>
+      </a:fontRef>
+    </dgm:style>
+  </dgm:styleLbl>
+  <dgm:styleLbl name="sibTrans1D1">
+    <dgm:scene3d>
+      <a:camera prst="orthographicFront"/>
+      <a:lightRig rig="threePt" dir="t"/>
+    </dgm:scene3d>
+    <dgm:sp3d/>
+    <dgm:txPr/>
+    <dgm:style>
+      <a:lnRef idx="1">
+        <a:scrgbClr r="0" g="0" b="0"/>
+      </a:lnRef>
+      <a:fillRef idx="0">
+        <a:scrgbClr r="0" g="0" b="0"/>
+      </a:fillRef>
+      <a:effectRef idx="0">
+        <a:scrgbClr r="0" g="0" b="0"/>
+      </a:effectRef>
+      <a:fontRef idx="minor"/>
+    </dgm:style>
+  </dgm:styleLbl>
+  <dgm:styleLbl name="callout">
+    <dgm:scene3d>
+      <a:camera prst="orthographicFront"/>
+      <a:lightRig rig="threePt" dir="t"/>
+    </dgm:scene3d>
+    <dgm:sp3d/>
+    <dgm:txPr/>
+    <dgm:style>
+      <a:lnRef idx="2">
+        <a:scrgbClr r="0" g="0" b="0"/>
+      </a:lnRef>
+      <a:fillRef idx="1">
+        <a:scrgbClr r="0" g="0" b="0"/>
+      </a:fillRef>
+      <a:effectRef idx="0">
+        <a:scrgbClr r="0" g="0" b="0"/>
+      </a:effectRef>
+      <a:fontRef idx="minor"/>
+    </dgm:style>
+  </dgm:styleLbl>
+  <dgm:styleLbl name="asst0">
+    <dgm:scene3d>
+      <a:camera prst="orthographicFront"/>
+      <a:lightRig rig="threePt" dir="t"/>
+    </dgm:scene3d>
+    <dgm:sp3d/>
+    <dgm:txPr/>
+    <dgm:style>
+      <a:lnRef idx="2">
+        <a:scrgbClr r="0" g="0" b="0"/>
+      </a:lnRef>
+      <a:fillRef idx="1">
+        <a:scrgbClr r="0" g="0" b="0"/>
+      </a:fillRef>
+      <a:effectRef idx="0">
+        <a:scrgbClr r="0" g="0" b="0"/>
+      </a:effectRef>
+      <a:fontRef idx="minor">
+        <a:schemeClr val="lt1"/>
+      </a:fontRef>
+    </dgm:style>
+  </dgm:styleLbl>
+  <dgm:styleLbl name="asst1">
+    <dgm:scene3d>
+      <a:camera prst="orthographicFront"/>
+      <a:lightRig rig="threePt" dir="t"/>
+    </dgm:scene3d>
+    <dgm:sp3d/>
+    <dgm:txPr/>
+    <dgm:style>
+      <a:lnRef idx="2">
+        <a:scrgbClr r="0" g="0" b="0"/>
+      </a:lnRef>
+      <a:fillRef idx="1">
+        <a:scrgbClr r="0" g="0" b="0"/>
+      </a:fillRef>
+      <a:effectRef idx="0">
+        <a:scrgbClr r="0" g="0" b="0"/>
+      </a:effectRef>
+      <a:fontRef idx="minor">
+        <a:schemeClr val="lt1"/>
+      </a:fontRef>
+    </dgm:style>
+  </dgm:styleLbl>
+  <dgm:styleLbl name="asst2">
+    <dgm:scene3d>
+      <a:camera prst="orthographicFront"/>
+      <a:lightRig rig="threePt" dir="t"/>
+    </dgm:scene3d>
+    <dgm:sp3d/>
+    <dgm:txPr/>
+    <dgm:style>
+      <a:lnRef idx="2">
+        <a:scrgbClr r="0" g="0" b="0"/>
+      </a:lnRef>
+      <a:fillRef idx="1">
+        <a:scrgbClr r="0" g="0" b="0"/>
+      </a:fillRef>
+      <a:effectRef idx="0">
+        <a:scrgbClr r="0" g="0" b="0"/>
+      </a:effectRef>
+      <a:fontRef idx="minor">
+        <a:schemeClr val="lt1"/>
+      </a:fontRef>
+    </dgm:style>
+  </dgm:styleLbl>
+  <dgm:styleLbl name="asst3">
+    <dgm:scene3d>
+      <a:camera prst="orthographicFront"/>
+      <a:lightRig rig="threePt" dir="t"/>
+    </dgm:scene3d>
+    <dgm:sp3d/>
+    <dgm:txPr/>
+    <dgm:style>
+      <a:lnRef idx="2">
+        <a:scrgbClr r="0" g="0" b="0"/>
+      </a:lnRef>
+      <a:fillRef idx="1">
+        <a:scrgbClr r="0" g="0" b="0"/>
+      </a:fillRef>
+      <a:effectRef idx="0">
+        <a:scrgbClr r="0" g="0" b="0"/>
+      </a:effectRef>
+      <a:fontRef idx="minor">
+        <a:schemeClr val="lt1"/>
+      </a:fontRef>
+    </dgm:style>
+  </dgm:styleLbl>
+  <dgm:styleLbl name="asst4">
+    <dgm:scene3d>
+      <a:camera prst="orthographicFront"/>
+      <a:lightRig rig="threePt" dir="t"/>
+    </dgm:scene3d>
+    <dgm:sp3d/>
+    <dgm:txPr/>
+    <dgm:style>
+      <a:lnRef idx="2">
+        <a:scrgbClr r="0" g="0" b="0"/>
+      </a:lnRef>
+      <a:fillRef idx="1">
+        <a:scrgbClr r="0" g="0" b="0"/>
+      </a:fillRef>
+      <a:effectRef idx="0">
+        <a:scrgbClr r="0" g="0" b="0"/>
+      </a:effectRef>
+      <a:fontRef idx="minor">
+        <a:schemeClr val="lt1"/>
+      </a:fontRef>
+    </dgm:style>
+  </dgm:styleLbl>
+  <dgm:styleLbl name="parChTrans2D1">
+    <dgm:scene3d>
+      <a:camera prst="orthographicFront"/>
+      <a:lightRig rig="threePt" dir="t"/>
+    </dgm:scene3d>
+    <dgm:sp3d/>
+    <dgm:txPr/>
+    <dgm:style>
+      <a:lnRef idx="2">
+        <a:scrgbClr r="0" g="0" b="0"/>
+      </a:lnRef>
+      <a:fillRef idx="1">
+        <a:scrgbClr r="0" g="0" b="0"/>
+      </a:fillRef>
+      <a:effectRef idx="0">
+        <a:scrgbClr r="0" g="0" b="0"/>
+      </a:effectRef>
+      <a:fontRef idx="minor">
+        <a:schemeClr val="lt1"/>
+      </a:fontRef>
+    </dgm:style>
+  </dgm:styleLbl>
+  <dgm:styleLbl name="parChTrans2D2">
+    <dgm:scene3d>
+      <a:camera prst="orthographicFront"/>
+      <a:lightRig rig="threePt" dir="t"/>
+    </dgm:scene3d>
+    <dgm:sp3d/>
+    <dgm:txPr/>
+    <dgm:style>
+      <a:lnRef idx="2">
+        <a:scrgbClr r="0" g="0" b="0"/>
+      </a:lnRef>
+      <a:fillRef idx="1">
+        <a:scrgbClr r="0" g="0" b="0"/>
+      </a:fillRef>
+      <a:effectRef idx="0">
+        <a:scrgbClr r="0" g="0" b="0"/>
+      </a:effectRef>
+      <a:fontRef idx="minor">
+        <a:schemeClr val="lt1"/>
+      </a:fontRef>
+    </dgm:style>
+  </dgm:styleLbl>
+  <dgm:styleLbl name="parChTrans2D3">
+    <dgm:scene3d>
+      <a:camera prst="orthographicFront"/>
+      <a:lightRig rig="threePt" dir="t"/>
+    </dgm:scene3d>
+    <dgm:sp3d/>
+    <dgm:txPr/>
+    <dgm:style>
+      <a:lnRef idx="2">
+        <a:scrgbClr r="0" g="0" b="0"/>
+      </a:lnRef>
+      <a:fillRef idx="1">
+        <a:scrgbClr r="0" g="0" b="0"/>
+      </a:fillRef>
+      <a:effectRef idx="0">
+        <a:scrgbClr r="0" g="0" b="0"/>
+      </a:effectRef>
+      <a:fontRef idx="minor">
+        <a:schemeClr val="lt1"/>
+      </a:fontRef>
+    </dgm:style>
+  </dgm:styleLbl>
+  <dgm:styleLbl name="parChTrans2D4">
+    <dgm:scene3d>
+      <a:camera prst="orthographicFront"/>
+      <a:lightRig rig="threePt" dir="t"/>
+    </dgm:scene3d>
+    <dgm:sp3d/>
+    <dgm:txPr/>
+    <dgm:style>
+      <a:lnRef idx="2">
+        <a:scrgbClr r="0" g="0" b="0"/>
+      </a:lnRef>
+      <a:fillRef idx="1">
+        <a:scrgbClr r="0" g="0" b="0"/>
+      </a:fillRef>
+      <a:effectRef idx="0">
+        <a:scrgbClr r="0" g="0" b="0"/>
+      </a:effectRef>
+      <a:fontRef idx="minor">
+        <a:schemeClr val="lt1"/>
+      </a:fontRef>
+    </dgm:style>
+  </dgm:styleLbl>
+  <dgm:styleLbl name="parChTrans1D1">
+    <dgm:scene3d>
+      <a:camera prst="orthographicFront"/>
+      <a:lightRig rig="threePt" dir="t"/>
+    </dgm:scene3d>
+    <dgm:sp3d/>
+    <dgm:txPr/>
+    <dgm:style>
+      <a:lnRef idx="2">
+        <a:scrgbClr r="0" g="0" b="0"/>
+      </a:lnRef>
+      <a:fillRef idx="0">
+        <a:scrgbClr r="0" g="0" b="0"/>
+      </a:fillRef>
+      <a:effectRef idx="0">
+        <a:scrgbClr r="0" g="0" b="0"/>
+      </a:effectRef>
+      <a:fontRef idx="minor"/>
+    </dgm:style>
+  </dgm:styleLbl>
+  <dgm:styleLbl name="parChTrans1D2">
+    <dgm:scene3d>
+      <a:camera prst="orthographicFront"/>
+      <a:lightRig rig="threePt" dir="t"/>
+    </dgm:scene3d>
+    <dgm:sp3d/>
+    <dgm:txPr/>
+    <dgm:style>
+      <a:lnRef idx="2">
+        <a:scrgbClr r="0" g="0" b="0"/>
+      </a:lnRef>
+      <a:fillRef idx="0">
+        <a:scrgbClr r="0" g="0" b="0"/>
+      </a:fillRef>
+      <a:effectRef idx="0">
+        <a:scrgbClr r="0" g="0" b="0"/>
+      </a:effectRef>
+      <a:fontRef idx="minor"/>
+    </dgm:style>
+  </dgm:styleLbl>
+  <dgm:styleLbl name="parChTrans1D3">
+    <dgm:scene3d>
+      <a:camera prst="orthographicFront"/>
+      <a:lightRig rig="threePt" dir="t"/>
+    </dgm:scene3d>
+    <dgm:sp3d/>
+    <dgm:txPr/>
+    <dgm:style>
+      <a:lnRef idx="2">
+        <a:scrgbClr r="0" g="0" b="0"/>
+      </a:lnRef>
+      <a:fillRef idx="0">
+        <a:scrgbClr r="0" g="0" b="0"/>
+      </a:fillRef>
+      <a:effectRef idx="0">
+        <a:scrgbClr r="0" g="0" b="0"/>
+      </a:effectRef>
+      <a:fontRef idx="minor"/>
+    </dgm:style>
+  </dgm:styleLbl>
+  <dgm:styleLbl name="parChTrans1D4">
+    <dgm:scene3d>
+      <a:camera prst="orthographicFront"/>
+      <a:lightRig rig="threePt" dir="t"/>
+    </dgm:scene3d>
+    <dgm:sp3d/>
+    <dgm:txPr/>
+    <dgm:style>
+      <a:lnRef idx="2">
+        <a:scrgbClr r="0" g="0" b="0"/>
+      </a:lnRef>
+      <a:fillRef idx="0">
+        <a:scrgbClr r="0" g="0" b="0"/>
+      </a:fillRef>
+      <a:effectRef idx="0">
+        <a:scrgbClr r="0" g="0" b="0"/>
+      </a:effectRef>
+      <a:fontRef idx="minor"/>
+    </dgm:style>
+  </dgm:styleLbl>
+  <dgm:styleLbl name="fgAcc1">
+    <dgm:scene3d>
+      <a:camera prst="orthographicFront"/>
+      <a:lightRig rig="threePt" dir="t"/>
+    </dgm:scene3d>
+    <dgm:sp3d/>
+    <dgm:txPr/>
+    <dgm:style>
+      <a:lnRef idx="2">
+        <a:scrgbClr r="0" g="0" b="0"/>
+      </a:lnRef>
+      <a:fillRef idx="1">
+        <a:scrgbClr r="0" g="0" b="0"/>
+      </a:fillRef>
+      <a:effectRef idx="0">
+        <a:scrgbClr r="0" g="0" b="0"/>
+      </a:effectRef>
+      <a:fontRef idx="minor"/>
+    </dgm:style>
+  </dgm:styleLbl>
+  <dgm:styleLbl name="conFgAcc1">
+    <dgm:scene3d>
+      <a:camera prst="orthographicFront"/>
+      <a:lightRig rig="threePt" dir="t"/>
+    </dgm:scene3d>
+    <dgm:sp3d/>
+    <dgm:txPr/>
+    <dgm:style>
+      <a:lnRef idx="2">
+        <a:scrgbClr r="0" g="0" b="0"/>
+      </a:lnRef>
+      <a:fillRef idx="1">
+        <a:scrgbClr r="0" g="0" b="0"/>
+      </a:fillRef>
+      <a:effectRef idx="0">
+        <a:scrgbClr r="0" g="0" b="0"/>
+      </a:effectRef>
+      <a:fontRef idx="minor"/>
+    </dgm:style>
+  </dgm:styleLbl>
+  <dgm:styleLbl name="alignAcc1">
+    <dgm:scene3d>
+      <a:camera prst="orthographicFront"/>
+      <a:lightRig rig="threePt" dir="t"/>
+    </dgm:scene3d>
+    <dgm:sp3d/>
+    <dgm:txPr/>
+    <dgm:style>
+      <a:lnRef idx="2">
+        <a:scrgbClr r="0" g="0" b="0"/>
+      </a:lnRef>
+      <a:fillRef idx="1">
+        <a:scrgbClr r="0" g="0" b="0"/>
+      </a:fillRef>
+      <a:effectRef idx="0">
+        <a:scrgbClr r="0" g="0" b="0"/>
+      </a:effectRef>
+      <a:fontRef idx="minor"/>
+    </dgm:style>
+  </dgm:styleLbl>
+  <dgm:styleLbl name="trAlignAcc1">
+    <dgm:scene3d>
+      <a:camera prst="orthographicFront"/>
+      <a:lightRig rig="threePt" dir="t"/>
+    </dgm:scene3d>
+    <dgm:sp3d/>
+    <dgm:txPr/>
+    <dgm:style>
+      <a:lnRef idx="1">
+        <a:scrgbClr r="0" g="0" b="0"/>
+      </a:lnRef>
+      <a:fillRef idx="1">
+        <a:scrgbClr r="0" g="0" b="0"/>
+      </a:fillRef>
+      <a:effectRef idx="0">
+        <a:scrgbClr r="0" g="0" b="0"/>
+      </a:effectRef>
+      <a:fontRef idx="minor"/>
+    </dgm:style>
+  </dgm:styleLbl>
+  <dgm:styleLbl name="bgAcc1">
+    <dgm:scene3d>
+      <a:camera prst="orthographicFront"/>
+      <a:lightRig rig="threePt" dir="t"/>
+    </dgm:scene3d>
+    <dgm:sp3d/>
+    <dgm:txPr/>
+    <dgm:style>
+      <a:lnRef idx="2">
+        <a:scrgbClr r="0" g="0" b="0"/>
+      </a:lnRef>
+      <a:fillRef idx="1">
+        <a:scrgbClr r="0" g="0" b="0"/>
+      </a:fillRef>
+      <a:effectRef idx="0">
+        <a:scrgbClr r="0" g="0" b="0"/>
+      </a:effectRef>
+      <a:fontRef idx="minor"/>
+    </dgm:style>
+  </dgm:styleLbl>
+  <dgm:styleLbl name="solidFgAcc1">
+    <dgm:scene3d>
+      <a:camera prst="orthographicFront"/>
+      <a:lightRig rig="threePt" dir="t"/>
+    </dgm:scene3d>
+    <dgm:sp3d/>
+    <dgm:txPr/>
+    <dgm:style>
+      <a:lnRef idx="2">
+        <a:scrgbClr r="0" g="0" b="0"/>
+      </a:lnRef>
+      <a:fillRef idx="1">
+        <a:scrgbClr r="0" g="0" b="0"/>
+      </a:fillRef>
+      <a:effectRef idx="0">
+        <a:scrgbClr r="0" g="0" b="0"/>
+      </a:effectRef>
+      <a:fontRef idx="minor"/>
+    </dgm:style>
+  </dgm:styleLbl>
+  <dgm:styleLbl name="solidAlignAcc1">
+    <dgm:scene3d>
+      <a:camera prst="orthographicFront"/>
+      <a:lightRig rig="threePt" dir="t"/>
+    </dgm:scene3d>
+    <dgm:sp3d/>
+    <dgm:txPr/>
+    <dgm:style>
+      <a:lnRef idx="2">
+        <a:scrgbClr r="0" g="0" b="0"/>
+      </a:lnRef>
+      <a:fillRef idx="1">
+        <a:scrgbClr r="0" g="0" b="0"/>
+      </a:fillRef>
+      <a:effectRef idx="0">
+        <a:scrgbClr r="0" g="0" b="0"/>
+      </a:effectRef>
+      <a:fontRef idx="minor"/>
+    </dgm:style>
+  </dgm:styleLbl>
+  <dgm:styleLbl name="solidBgAcc1">
+    <dgm:scene3d>
+      <a:camera prst="orthographicFront"/>
+      <a:lightRig rig="threePt" dir="t"/>
+    </dgm:scene3d>
+    <dgm:sp3d/>
+    <dgm:txPr/>
+    <dgm:style>
+      <a:lnRef idx="2">
+        <a:scrgbClr r="0" g="0" b="0"/>
+      </a:lnRef>
+      <a:fillRef idx="1">
+        <a:scrgbClr r="0" g="0" b="0"/>
+      </a:fillRef>
+      <a:effectRef idx="0">
+        <a:scrgbClr r="0" g="0" b="0"/>
+      </a:effectRef>
+      <a:fontRef idx="minor"/>
+    </dgm:style>
+  </dgm:styleLbl>
+  <dgm:styleLbl name="fgAccFollowNode1">
+    <dgm:scene3d>
+      <a:camera prst="orthographicFront"/>
+      <a:lightRig rig="threePt" dir="t"/>
+    </dgm:scene3d>
+    <dgm:sp3d/>
+    <dgm:txPr/>
+    <dgm:style>
+      <a:lnRef idx="2">
+        <a:scrgbClr r="0" g="0" b="0"/>
+      </a:lnRef>
+      <a:fillRef idx="1">
+        <a:scrgbClr r="0" g="0" b="0"/>
+      </a:fillRef>
+      <a:effectRef idx="0">
+        <a:scrgbClr r="0" g="0" b="0"/>
+      </a:effectRef>
+      <a:fontRef idx="minor"/>
+    </dgm:style>
+  </dgm:styleLbl>
+  <dgm:styleLbl name="alignAccFollowNode1">
+    <dgm:scene3d>
+      <a:camera prst="orthographicFront"/>
+      <a:lightRig rig="threePt" dir="t"/>
+    </dgm:scene3d>
+    <dgm:sp3d/>
+    <dgm:txPr/>
+    <dgm:style>
+      <a:lnRef idx="2">
+        <a:scrgbClr r="0" g="0" b="0"/>
+      </a:lnRef>
+      <a:fillRef idx="1">
+        <a:scrgbClr r="0" g="0" b="0"/>
+      </a:fillRef>
+      <a:effectRef idx="0">
+        <a:scrgbClr r="0" g="0" b="0"/>
+      </a:effectRef>
+      <a:fontRef idx="minor"/>
+    </dgm:style>
+  </dgm:styleLbl>
+  <dgm:styleLbl name="bgAccFollowNode1">
+    <dgm:scene3d>
+      <a:camera prst="orthographicFront"/>
+      <a:lightRig rig="threePt" dir="t"/>
+    </dgm:scene3d>
+    <dgm:sp3d/>
+    <dgm:txPr/>
+    <dgm:style>
+      <a:lnRef idx="2">
+        <a:scrgbClr r="0" g="0" b="0"/>
+      </a:lnRef>
+      <a:fillRef idx="1">
+        <a:scrgbClr r="0" g="0" b="0"/>
+      </a:fillRef>
+      <a:effectRef idx="0">
+        <a:scrgbClr r="0" g="0" b="0"/>
+      </a:effectRef>
+      <a:fontRef idx="minor"/>
+    </dgm:style>
+  </dgm:styleLbl>
+  <dgm:styleLbl name="fgAcc0">
+    <dgm:scene3d>
+      <a:camera prst="orthographicFront"/>
+      <a:lightRig rig="threePt" dir="t"/>
+    </dgm:scene3d>
+    <dgm:sp3d/>
+    <dgm:txPr/>
+    <dgm:style>
+      <a:lnRef idx="2">
+        <a:scrgbClr r="0" g="0" b="0"/>
+      </a:lnRef>
+      <a:fillRef idx="1">
+        <a:scrgbClr r="0" g="0" b="0"/>
+      </a:fillRef>
+      <a:effectRef idx="0">
+        <a:scrgbClr r="0" g="0" b="0"/>
+      </a:effectRef>
+      <a:fontRef idx="minor"/>
+    </dgm:style>
+  </dgm:styleLbl>
+  <dgm:styleLbl name="fgAcc2">
+    <dgm:scene3d>
+      <a:camera prst="orthographicFront"/>
+      <a:lightRig rig="threePt" dir="t"/>
+    </dgm:scene3d>
+    <dgm:sp3d/>
+    <dgm:txPr/>
+    <dgm:style>
+      <a:lnRef idx="2">
+        <a:scrgbClr r="0" g="0" b="0"/>
+      </a:lnRef>
+      <a:fillRef idx="1">
+        <a:scrgbClr r="0" g="0" b="0"/>
+      </a:fillRef>
+      <a:effectRef idx="0">
+        <a:scrgbClr r="0" g="0" b="0"/>
+      </a:effectRef>
+      <a:fontRef idx="minor"/>
+    </dgm:style>
+  </dgm:styleLbl>
+  <dgm:styleLbl name="fgAcc3">
+    <dgm:scene3d>
+      <a:camera prst="orthographicFront"/>
+      <a:lightRig rig="threePt" dir="t"/>
+    </dgm:scene3d>
+    <dgm:sp3d/>
+    <dgm:txPr/>
+    <dgm:style>
+      <a:lnRef idx="2">
+        <a:scrgbClr r="0" g="0" b="0"/>
+      </a:lnRef>
+      <a:fillRef idx="1">
+        <a:scrgbClr r="0" g="0" b="0"/>
+      </a:fillRef>
+      <a:effectRef idx="0">
+        <a:scrgbClr r="0" g="0" b="0"/>
+      </a:effectRef>
+      <a:fontRef idx="minor"/>
+    </dgm:style>
+  </dgm:styleLbl>
+  <dgm:styleLbl name="fgAcc4">
+    <dgm:scene3d>
+      <a:camera prst="orthographicFront"/>
+      <a:lightRig rig="threePt" dir="t"/>
+    </dgm:scene3d>
+    <dgm:sp3d/>
+    <dgm:txPr/>
+    <dgm:style>
+      <a:lnRef idx="2">
+        <a:scrgbClr r="0" g="0" b="0"/>
+      </a:lnRef>
+      <a:fillRef idx="1">
+        <a:scrgbClr r="0" g="0" b="0"/>
+      </a:fillRef>
+      <a:effectRef idx="0">
+        <a:scrgbClr r="0" g="0" b="0"/>
+      </a:effectRef>
+      <a:fontRef idx="minor"/>
+    </dgm:style>
+  </dgm:styleLbl>
+  <dgm:styleLbl name="bgShp">
+    <dgm:scene3d>
+      <a:camera prst="orthographicFront"/>
+      <a:lightRig rig="threePt" dir="t"/>
+    </dgm:scene3d>
+    <dgm:sp3d/>
+    <dgm:txPr/>
+    <dgm:style>
+      <a:lnRef idx="0">
+        <a:scrgbClr r="0" g="0" b="0"/>
+      </a:lnRef>
+      <a:fillRef idx="1">
+        <a:scrgbClr r="0" g="0" b="0"/>
+      </a:fillRef>
+      <a:effectRef idx="0">
+        <a:scrgbClr r="0" g="0" b="0"/>
+      </a:effectRef>
+      <a:fontRef idx="minor"/>
+    </dgm:style>
+  </dgm:styleLbl>
+  <dgm:styleLbl name="dkBgShp">
+    <dgm:scene3d>
+      <a:camera prst="orthographicFront"/>
+      <a:lightRig rig="threePt" dir="t"/>
+    </dgm:scene3d>
+    <dgm:sp3d/>
+    <dgm:txPr/>
+    <dgm:style>
+      <a:lnRef idx="0">
+        <a:scrgbClr r="0" g="0" b="0"/>
+      </a:lnRef>
+      <a:fillRef idx="1">
+        <a:scrgbClr r="0" g="0" b="0"/>
+      </a:fillRef>
+      <a:effectRef idx="0">
+        <a:scrgbClr r="0" g="0" b="0"/>
+      </a:effectRef>
+      <a:fontRef idx="minor"/>
+    </dgm:style>
+  </dgm:styleLbl>
+  <dgm:styleLbl name="trBgShp">
+    <dgm:scene3d>
+      <a:camera prst="orthographicFront"/>
+      <a:lightRig rig="threePt" dir="t"/>
+    </dgm:scene3d>
+    <dgm:sp3d/>
+    <dgm:txPr/>
+    <dgm:style>
+      <a:lnRef idx="0">
+        <a:scrgbClr r="0" g="0" b="0"/>
+      </a:lnRef>
+      <a:fillRef idx="1">
+        <a:scrgbClr r="0" g="0" b="0"/>
+      </a:fillRef>
+      <a:effectRef idx="0">
+        <a:scrgbClr r="0" g="0" b="0"/>
+      </a:effectRef>
+      <a:fontRef idx="minor"/>
+    </dgm:style>
+  </dgm:styleLbl>
+  <dgm:styleLbl name="fgShp">
+    <dgm:scene3d>
+      <a:camera prst="orthographicFront"/>
+      <a:lightRig rig="threePt" dir="t"/>
+    </dgm:scene3d>
+    <dgm:sp3d/>
+    <dgm:txPr/>
+    <dgm:style>
+      <a:lnRef idx="2">
+        <a:scrgbClr r="0" g="0" b="0"/>
+      </a:lnRef>
+      <a:fillRef idx="1">
+        <a:scrgbClr r="0" g="0" b="0"/>
+      </a:fillRef>
+      <a:effectRef idx="0">
+        <a:scrgbClr r="0" g="0" b="0"/>
+      </a:effectRef>
+      <a:fontRef idx="minor"/>
+    </dgm:style>
+  </dgm:styleLbl>
+  <dgm:styleLbl name="revTx">
+    <dgm:scene3d>
+      <a:camera prst="orthographicFront"/>
+      <a:lightRig rig="threePt" dir="t"/>
+    </dgm:scene3d>
+    <dgm:sp3d/>
+    <dgm:txPr/>
+    <dgm:style>
+      <a:lnRef idx="0">
+        <a:scrgbClr r="0" g="0" b="0"/>
+      </a:lnRef>
+      <a:fillRef idx="0">
+        <a:scrgbClr r="0" g="0" b="0"/>
+      </a:fillRef>
+      <a:effectRef idx="0">
+        <a:scrgbClr r="0" g="0" b="0"/>
+      </a:effectRef>
+      <a:fontRef idx="minor"/>
+    </dgm:style>
+  </dgm:styleLbl>
+</dgm:styleDef>
+</file>
+
+<file path=ppt/diagrams/quickStyle9.xml><?xml version="1.0" encoding="utf-8"?>
 <dgm:styleDef xmlns:dgm="http://schemas.openxmlformats.org/drawingml/2006/diagram" xmlns:a="http://schemas.openxmlformats.org/drawingml/2006/main" uniqueId="urn:microsoft.com/office/officeart/2005/8/quickstyle/simple1">
   <dgm:title val=""/>
   <dgm:desc val=""/>
@@ -20400,7 +26549,7 @@
             <a:fld id="{B61BEF0D-F0BB-DE4B-95CE-6DB70DBA9567}" type="datetimeFigureOut">
               <a:rPr lang="en-US" dirty="0"/>
               <a:pPr/>
-              <a:t>2/4/22</a:t>
+              <a:t>2/7/2022</a:t>
             </a:fld>
             <a:endParaRPr lang="en-US" dirty="0"/>
           </a:p>
@@ -20731,7 +26880,7 @@
             <a:fld id="{B61BEF0D-F0BB-DE4B-95CE-6DB70DBA9567}" type="datetimeFigureOut">
               <a:rPr lang="en-US" dirty="0"/>
               <a:pPr/>
-              <a:t>2/4/22</a:t>
+              <a:t>2/7/2022</a:t>
             </a:fld>
             <a:endParaRPr lang="en-US" dirty="0"/>
           </a:p>
@@ -21006,7 +27155,7 @@
             <a:fld id="{B61BEF0D-F0BB-DE4B-95CE-6DB70DBA9567}" type="datetimeFigureOut">
               <a:rPr lang="en-US" dirty="0"/>
               <a:pPr/>
-              <a:t>2/4/22</a:t>
+              <a:t>2/7/2022</a:t>
             </a:fld>
             <a:endParaRPr lang="en-US" dirty="0"/>
           </a:p>
@@ -21571,7 +27720,7 @@
             <a:fld id="{B61BEF0D-F0BB-DE4B-95CE-6DB70DBA9567}" type="datetimeFigureOut">
               <a:rPr lang="en-US" dirty="0"/>
               <a:pPr/>
-              <a:t>2/4/22</a:t>
+              <a:t>2/7/2022</a:t>
             </a:fld>
             <a:endParaRPr lang="en-US" dirty="0"/>
           </a:p>
@@ -21846,7 +27995,7 @@
             <a:fld id="{B61BEF0D-F0BB-DE4B-95CE-6DB70DBA9567}" type="datetimeFigureOut">
               <a:rPr lang="en-US" dirty="0"/>
               <a:pPr/>
-              <a:t>2/4/22</a:t>
+              <a:t>2/7/2022</a:t>
             </a:fld>
             <a:endParaRPr lang="en-US" dirty="0"/>
           </a:p>
@@ -22405,7 +28554,7 @@
             <a:fld id="{B61BEF0D-F0BB-DE4B-95CE-6DB70DBA9567}" type="datetimeFigureOut">
               <a:rPr lang="en-US" dirty="0"/>
               <a:pPr/>
-              <a:t>2/4/22</a:t>
+              <a:t>2/7/2022</a:t>
             </a:fld>
             <a:endParaRPr lang="en-US" dirty="0"/>
           </a:p>
@@ -22729,7 +28878,7 @@
             <a:fld id="{B61BEF0D-F0BB-DE4B-95CE-6DB70DBA9567}" type="datetimeFigureOut">
               <a:rPr lang="en-US" dirty="0"/>
               <a:pPr/>
-              <a:t>2/4/22</a:t>
+              <a:t>2/7/2022</a:t>
             </a:fld>
             <a:endParaRPr lang="en-US" dirty="0"/>
           </a:p>
@@ -22903,7 +29052,7 @@
             <a:fld id="{B61BEF0D-F0BB-DE4B-95CE-6DB70DBA9567}" type="datetimeFigureOut">
               <a:rPr lang="en-US" dirty="0"/>
               <a:pPr/>
-              <a:t>2/4/22</a:t>
+              <a:t>2/7/2022</a:t>
             </a:fld>
             <a:endParaRPr lang="en-US" dirty="0"/>
           </a:p>
@@ -23138,7 +29287,7 @@
             <a:fld id="{B61BEF0D-F0BB-DE4B-95CE-6DB70DBA9567}" type="datetimeFigureOut">
               <a:rPr lang="en-US" dirty="0"/>
               <a:pPr/>
-              <a:t>2/4/22</a:t>
+              <a:t>2/7/2022</a:t>
             </a:fld>
             <a:endParaRPr lang="en-US" dirty="0"/>
           </a:p>
@@ -23335,7 +29484,7 @@
             <a:fld id="{B61BEF0D-F0BB-DE4B-95CE-6DB70DBA9567}" type="datetimeFigureOut">
               <a:rPr lang="en-US" dirty="0"/>
               <a:pPr/>
-              <a:t>2/4/22</a:t>
+              <a:t>2/7/2022</a:t>
             </a:fld>
             <a:endParaRPr lang="en-US" dirty="0"/>
           </a:p>
@@ -23608,7 +29757,7 @@
             <a:fld id="{B61BEF0D-F0BB-DE4B-95CE-6DB70DBA9567}" type="datetimeFigureOut">
               <a:rPr lang="en-US" dirty="0"/>
               <a:pPr/>
-              <a:t>2/4/22</a:t>
+              <a:t>2/7/2022</a:t>
             </a:fld>
             <a:endParaRPr lang="en-US" dirty="0"/>
           </a:p>
@@ -23871,7 +30020,7 @@
             <a:fld id="{B61BEF0D-F0BB-DE4B-95CE-6DB70DBA9567}" type="datetimeFigureOut">
               <a:rPr lang="en-US" dirty="0"/>
               <a:pPr/>
-              <a:t>2/4/22</a:t>
+              <a:t>2/7/2022</a:t>
             </a:fld>
             <a:endParaRPr lang="en-US" dirty="0"/>
           </a:p>
@@ -24242,7 +30391,7 @@
             <a:fld id="{B61BEF0D-F0BB-DE4B-95CE-6DB70DBA9567}" type="datetimeFigureOut">
               <a:rPr lang="en-US" dirty="0"/>
               <a:pPr/>
-              <a:t>2/4/22</a:t>
+              <a:t>2/7/2022</a:t>
             </a:fld>
             <a:endParaRPr lang="en-US" dirty="0"/>
           </a:p>
@@ -24387,7 +30536,7 @@
             <a:fld id="{B61BEF0D-F0BB-DE4B-95CE-6DB70DBA9567}" type="datetimeFigureOut">
               <a:rPr lang="en-US" dirty="0"/>
               <a:pPr/>
-              <a:t>2/4/22</a:t>
+              <a:t>2/7/2022</a:t>
             </a:fld>
             <a:endParaRPr lang="en-US" dirty="0"/>
           </a:p>
@@ -24509,7 +30658,7 @@
             <a:fld id="{B61BEF0D-F0BB-DE4B-95CE-6DB70DBA9567}" type="datetimeFigureOut">
               <a:rPr lang="en-US" dirty="0"/>
               <a:pPr/>
-              <a:t>2/4/22</a:t>
+              <a:t>2/7/2022</a:t>
             </a:fld>
             <a:endParaRPr lang="en-US" dirty="0"/>
           </a:p>
@@ -24791,7 +30940,7 @@
             <a:fld id="{B61BEF0D-F0BB-DE4B-95CE-6DB70DBA9567}" type="datetimeFigureOut">
               <a:rPr lang="en-US" dirty="0"/>
               <a:pPr/>
-              <a:t>2/4/22</a:t>
+              <a:t>2/7/2022</a:t>
             </a:fld>
             <a:endParaRPr lang="en-US" dirty="0"/>
           </a:p>
@@ -25112,7 +31261,7 @@
             <a:fld id="{B61BEF0D-F0BB-DE4B-95CE-6DB70DBA9567}" type="datetimeFigureOut">
               <a:rPr lang="en-US" dirty="0"/>
               <a:pPr/>
-              <a:t>2/4/22</a:t>
+              <a:t>2/7/2022</a:t>
             </a:fld>
             <a:endParaRPr lang="en-US" dirty="0"/>
           </a:p>
@@ -25323,7 +31472,7 @@
             <a:fld id="{B61BEF0D-F0BB-DE4B-95CE-6DB70DBA9567}" type="datetimeFigureOut">
               <a:rPr lang="en-US" dirty="0"/>
               <a:pPr/>
-              <a:t>2/4/22</a:t>
+              <a:t>2/7/2022</a:t>
             </a:fld>
             <a:endParaRPr lang="en-US" dirty="0"/>
           </a:p>
@@ -25959,6 +32108,783 @@
     <p:extLst>
       <p:ext uri="{BB962C8B-B14F-4D97-AF65-F5344CB8AC3E}">
         <p14:creationId xmlns:p14="http://schemas.microsoft.com/office/powerpoint/2010/main" val="2132242324"/>
+      </p:ext>
+    </p:extLst>
+  </p:cSld>
+  <p:clrMapOvr>
+    <a:masterClrMapping/>
+  </p:clrMapOvr>
+</p:sld>
+</file>
+
+<file path=ppt/slides/slide10.xml><?xml version="1.0" encoding="utf-8"?>
+<p:sld xmlns:a="http://schemas.openxmlformats.org/drawingml/2006/main" xmlns:r="http://schemas.openxmlformats.org/officeDocument/2006/relationships" xmlns:p="http://schemas.openxmlformats.org/presentationml/2006/main">
+  <p:cSld>
+    <p:bg>
+      <p:bgPr>
+        <a:solidFill>
+          <a:schemeClr val="bg1"/>
+        </a:solidFill>
+        <a:effectLst/>
+      </p:bgPr>
+    </p:bg>
+    <p:spTree>
+      <p:nvGrpSpPr>
+        <p:cNvPr id="1" name=""/>
+        <p:cNvGrpSpPr/>
+        <p:nvPr/>
+      </p:nvGrpSpPr>
+      <p:grpSpPr>
+        <a:xfrm>
+          <a:off x="0" y="0"/>
+          <a:ext cx="0" cy="0"/>
+          <a:chOff x="0" y="0"/>
+          <a:chExt cx="0" cy="0"/>
+        </a:xfrm>
+      </p:grpSpPr>
+      <p:sp>
+        <p:nvSpPr>
+          <p:cNvPr id="9" name="Rectangle 8">
+            <a:extLst>
+              <a:ext uri="{FF2B5EF4-FFF2-40B4-BE49-F238E27FC236}">
+                <a16:creationId xmlns:a16="http://schemas.microsoft.com/office/drawing/2014/main" id="{6A166780-9337-4437-95D3-5EA9D55AAAC5}"/>
+              </a:ext>
+              <a:ext uri="{C183D7F6-B498-43B3-948B-1728B52AA6E4}">
+                <adec:decorative xmlns:adec="http://schemas.microsoft.com/office/drawing/2017/decorative" val="1"/>
+              </a:ext>
+            </a:extLst>
+          </p:cNvPr>
+          <p:cNvSpPr>
+            <a:spLocks noGrp="1" noRot="1" noChangeAspect="1" noMove="1" noResize="1" noEditPoints="1" noAdjustHandles="1" noChangeArrowheads="1" noChangeShapeType="1" noTextEdit="1"/>
+          </p:cNvSpPr>
+          <p:nvPr>
+            <p:extLst>
+              <p:ext uri="{386F3935-93C4-4BCD-93E2-E3B085C9AB24}">
+                <p16:designElem xmlns:p16="http://schemas.microsoft.com/office/powerpoint/2015/main" val="1"/>
+              </p:ext>
+            </p:extLst>
+          </p:nvPr>
+        </p:nvSpPr>
+        <p:spPr>
+          <a:xfrm>
+            <a:off x="0" y="0"/>
+            <a:ext cx="12192000" cy="6858000"/>
+          </a:xfrm>
+          <a:prstGeom prst="rect">
+            <a:avLst/>
+          </a:prstGeom>
+          <a:ln>
+            <a:noFill/>
+          </a:ln>
+        </p:spPr>
+        <p:style>
+          <a:lnRef idx="2">
+            <a:schemeClr val="accent1">
+              <a:shade val="50000"/>
+            </a:schemeClr>
+          </a:lnRef>
+          <a:fillRef idx="1003">
+            <a:schemeClr val="dk2"/>
+          </a:fillRef>
+          <a:effectRef idx="0">
+            <a:schemeClr val="accent1"/>
+          </a:effectRef>
+          <a:fontRef idx="minor">
+            <a:schemeClr val="lt1"/>
+          </a:fontRef>
+        </p:style>
+        <p:txBody>
+          <a:bodyPr rtlCol="0" anchor="ctr"/>
+          <a:lstStyle/>
+          <a:p>
+            <a:pPr algn="ctr"/>
+            <a:endParaRPr lang="en-US"/>
+          </a:p>
+        </p:txBody>
+      </p:sp>
+      <p:sp>
+        <p:nvSpPr>
+          <p:cNvPr id="11" name="Rectangle 10">
+            <a:extLst>
+              <a:ext uri="{FF2B5EF4-FFF2-40B4-BE49-F238E27FC236}">
+                <a16:creationId xmlns:a16="http://schemas.microsoft.com/office/drawing/2014/main" id="{EB3D0F40-BF1F-4120-945D-90C5AAD6E35A}"/>
+              </a:ext>
+              <a:ext uri="{C183D7F6-B498-43B3-948B-1728B52AA6E4}">
+                <adec:decorative xmlns:adec="http://schemas.microsoft.com/office/drawing/2017/decorative" val="1"/>
+              </a:ext>
+            </a:extLst>
+          </p:cNvPr>
+          <p:cNvSpPr>
+            <a:spLocks noGrp="1" noRot="1" noChangeAspect="1" noMove="1" noResize="1" noEditPoints="1" noAdjustHandles="1" noChangeArrowheads="1" noChangeShapeType="1" noTextEdit="1"/>
+          </p:cNvSpPr>
+          <p:nvPr>
+            <p:extLst>
+              <p:ext uri="{386F3935-93C4-4BCD-93E2-E3B085C9AB24}">
+                <p16:designElem xmlns:p16="http://schemas.microsoft.com/office/powerpoint/2015/main" val="1"/>
+              </p:ext>
+            </p:extLst>
+          </p:nvPr>
+        </p:nvSpPr>
+        <p:spPr>
+          <a:xfrm>
+            <a:off x="-3175" y="0"/>
+            <a:ext cx="4654296" cy="6856214"/>
+          </a:xfrm>
+          <a:prstGeom prst="rect">
+            <a:avLst/>
+          </a:prstGeom>
+          <a:blipFill dpi="0" rotWithShape="1">
+            <a:blip r:embed="rId2"/>
+            <a:srcRect/>
+            <a:tile tx="0" ty="0" sx="100000" sy="100000" flip="none" algn="tl"/>
+          </a:blipFill>
+          <a:ln>
+            <a:noFill/>
+          </a:ln>
+        </p:spPr>
+        <p:style>
+          <a:lnRef idx="2">
+            <a:schemeClr val="accent1">
+              <a:shade val="50000"/>
+            </a:schemeClr>
+          </a:lnRef>
+          <a:fillRef idx="1003">
+            <a:schemeClr val="lt2"/>
+          </a:fillRef>
+          <a:effectRef idx="0">
+            <a:schemeClr val="accent1"/>
+          </a:effectRef>
+          <a:fontRef idx="minor">
+            <a:schemeClr val="lt1"/>
+          </a:fontRef>
+        </p:style>
+        <p:txBody>
+          <a:bodyPr rtlCol="0" anchor="ctr"/>
+          <a:lstStyle/>
+          <a:p>
+            <a:pPr algn="ctr"/>
+            <a:endParaRPr lang="en-US"/>
+          </a:p>
+        </p:txBody>
+      </p:sp>
+      <p:pic>
+        <p:nvPicPr>
+          <p:cNvPr id="13" name="Picture 12">
+            <a:extLst>
+              <a:ext uri="{FF2B5EF4-FFF2-40B4-BE49-F238E27FC236}">
+                <a16:creationId xmlns:a16="http://schemas.microsoft.com/office/drawing/2014/main" id="{15640A69-3748-450C-8DDB-B2051AC04BC7}"/>
+              </a:ext>
+              <a:ext uri="{C183D7F6-B498-43B3-948B-1728B52AA6E4}">
+                <adec:decorative xmlns:adec="http://schemas.microsoft.com/office/drawing/2017/decorative" val="1"/>
+              </a:ext>
+            </a:extLst>
+          </p:cNvPr>
+          <p:cNvPicPr>
+            <a:picLocks noGrp="1" noRot="1" noChangeAspect="1" noMove="1" noResize="1" noEditPoints="1" noAdjustHandles="1" noChangeArrowheads="1" noChangeShapeType="1" noCrop="1"/>
+          </p:cNvPicPr>
+          <p:nvPr>
+            <p:extLst>
+              <p:ext uri="{386F3935-93C4-4BCD-93E2-E3B085C9AB24}">
+                <p16:designElem xmlns:p16="http://schemas.microsoft.com/office/powerpoint/2015/main" val="1"/>
+              </p:ext>
+            </p:extLst>
+          </p:nvPr>
+        </p:nvPicPr>
+        <p:blipFill rotWithShape="1">
+          <a:blip r:embed="rId3">
+            <a:extLst>
+              <a:ext uri="{28A0092B-C50C-407E-A947-70E740481C1C}">
+                <a14:useLocalDpi xmlns:a14="http://schemas.microsoft.com/office/drawing/2010/main" val="0"/>
+              </a:ext>
+            </a:extLst>
+          </a:blip>
+          <a:srcRect r="61893"/>
+          <a:stretch/>
+        </p:blipFill>
+        <p:spPr>
+          <a:xfrm>
+            <a:off x="0" y="0"/>
+            <a:ext cx="4644770" cy="6856214"/>
+          </a:xfrm>
+          <a:prstGeom prst="rect">
+            <a:avLst/>
+          </a:prstGeom>
+        </p:spPr>
+      </p:pic>
+      <p:sp>
+        <p:nvSpPr>
+          <p:cNvPr id="2" name="Title 1">
+            <a:extLst>
+              <a:ext uri="{FF2B5EF4-FFF2-40B4-BE49-F238E27FC236}">
+                <a16:creationId xmlns:a16="http://schemas.microsoft.com/office/drawing/2014/main" id="{75855983-63D5-6A4C-8E74-45F02E771D9B}"/>
+              </a:ext>
+            </a:extLst>
+          </p:cNvPr>
+          <p:cNvSpPr>
+            <a:spLocks noGrp="1"/>
+          </p:cNvSpPr>
+          <p:nvPr>
+            <p:ph type="title"/>
+          </p:nvPr>
+        </p:nvSpPr>
+        <p:spPr>
+          <a:xfrm>
+            <a:off x="685801" y="643466"/>
+            <a:ext cx="3351530" cy="4995333"/>
+          </a:xfrm>
+        </p:spPr>
+        <p:txBody>
+          <a:bodyPr>
+            <a:normAutofit/>
+          </a:bodyPr>
+          <a:lstStyle/>
+          <a:p>
+            <a:r>
+              <a:rPr lang="en-CN">
+                <a:solidFill>
+                  <a:srgbClr val="FFFFFF"/>
+                </a:solidFill>
+              </a:rPr>
+              <a:t>目录</a:t>
+            </a:r>
+          </a:p>
+        </p:txBody>
+      </p:sp>
+      <p:sp useBgFill="1">
+        <p:nvSpPr>
+          <p:cNvPr id="15" name="Rectangle 14">
+            <a:extLst>
+              <a:ext uri="{FF2B5EF4-FFF2-40B4-BE49-F238E27FC236}">
+                <a16:creationId xmlns:a16="http://schemas.microsoft.com/office/drawing/2014/main" id="{66F4F323-644B-4A47-97E9-BFB73840F402}"/>
+              </a:ext>
+              <a:ext uri="{C183D7F6-B498-43B3-948B-1728B52AA6E4}">
+                <adec:decorative xmlns:adec="http://schemas.microsoft.com/office/drawing/2017/decorative" val="1"/>
+              </a:ext>
+            </a:extLst>
+          </p:cNvPr>
+          <p:cNvSpPr>
+            <a:spLocks noGrp="1" noRot="1" noChangeAspect="1" noMove="1" noResize="1" noEditPoints="1" noAdjustHandles="1" noChangeArrowheads="1" noChangeShapeType="1" noTextEdit="1"/>
+          </p:cNvSpPr>
+          <p:nvPr>
+            <p:extLst>
+              <p:ext uri="{386F3935-93C4-4BCD-93E2-E3B085C9AB24}">
+                <p16:designElem xmlns:p16="http://schemas.microsoft.com/office/powerpoint/2015/main" val="1"/>
+              </p:ext>
+            </p:extLst>
+          </p:nvPr>
+        </p:nvSpPr>
+        <p:spPr>
+          <a:xfrm>
+            <a:off x="4651120" y="-2"/>
+            <a:ext cx="7537705" cy="6856216"/>
+          </a:xfrm>
+          <a:prstGeom prst="rect">
+            <a:avLst/>
+          </a:prstGeom>
+          <a:ln>
+            <a:noFill/>
+          </a:ln>
+        </p:spPr>
+        <p:style>
+          <a:lnRef idx="2">
+            <a:schemeClr val="accent1">
+              <a:shade val="50000"/>
+            </a:schemeClr>
+          </a:lnRef>
+          <a:fillRef idx="1">
+            <a:schemeClr val="accent1"/>
+          </a:fillRef>
+          <a:effectRef idx="0">
+            <a:schemeClr val="accent1"/>
+          </a:effectRef>
+          <a:fontRef idx="minor">
+            <a:schemeClr val="lt1"/>
+          </a:fontRef>
+        </p:style>
+        <p:txBody>
+          <a:bodyPr rtlCol="0" anchor="ctr"/>
+          <a:lstStyle/>
+          <a:p>
+            <a:pPr algn="ctr"/>
+            <a:endParaRPr lang="en-US"/>
+          </a:p>
+        </p:txBody>
+      </p:sp>
+      <p:graphicFrame>
+        <p:nvGraphicFramePr>
+          <p:cNvPr id="5" name="Content Placeholder 2">
+            <a:extLst>
+              <a:ext uri="{FF2B5EF4-FFF2-40B4-BE49-F238E27FC236}">
+                <a16:creationId xmlns:a16="http://schemas.microsoft.com/office/drawing/2014/main" id="{F7A55610-8FD8-4673-A2B2-7950B8D34206}"/>
+              </a:ext>
+            </a:extLst>
+          </p:cNvPr>
+          <p:cNvGraphicFramePr>
+            <a:graphicFrameLocks noGrp="1"/>
+          </p:cNvGraphicFramePr>
+          <p:nvPr>
+            <p:ph idx="1"/>
+            <p:extLst>
+              <p:ext uri="{D42A27DB-BD31-4B8C-83A1-F6EECF244321}">
+                <p14:modId xmlns:p14="http://schemas.microsoft.com/office/powerpoint/2010/main" val="1980419868"/>
+              </p:ext>
+            </p:extLst>
+          </p:nvPr>
+        </p:nvGraphicFramePr>
+        <p:xfrm>
+          <a:off x="5467509" y="804671"/>
+          <a:ext cx="5886291" cy="4917211"/>
+        </p:xfrm>
+        <a:graphic>
+          <a:graphicData uri="http://schemas.openxmlformats.org/drawingml/2006/diagram">
+            <dgm:relIds xmlns:dgm="http://schemas.openxmlformats.org/drawingml/2006/diagram" xmlns:r="http://schemas.openxmlformats.org/officeDocument/2006/relationships" r:dm="rId4" r:lo="rId5" r:qs="rId6" r:cs="rId7"/>
+          </a:graphicData>
+        </a:graphic>
+      </p:graphicFrame>
+    </p:spTree>
+    <p:extLst>
+      <p:ext uri="{BB962C8B-B14F-4D97-AF65-F5344CB8AC3E}">
+        <p14:creationId xmlns:p14="http://schemas.microsoft.com/office/powerpoint/2010/main" val="1539029941"/>
+      </p:ext>
+    </p:extLst>
+  </p:cSld>
+  <p:clrMapOvr>
+    <a:overrideClrMapping bg1="lt1" tx1="dk1" bg2="lt2" tx2="dk2" accent1="accent1" accent2="accent2" accent3="accent3" accent4="accent4" accent5="accent5" accent6="accent6" hlink="hlink" folHlink="folHlink"/>
+  </p:clrMapOvr>
+</p:sld>
+</file>
+
+<file path=ppt/slides/slide11.xml><?xml version="1.0" encoding="utf-8"?>
+<p:sld xmlns:a="http://schemas.openxmlformats.org/drawingml/2006/main" xmlns:r="http://schemas.openxmlformats.org/officeDocument/2006/relationships" xmlns:p="http://schemas.openxmlformats.org/presentationml/2006/main">
+  <p:cSld>
+    <p:bg>
+      <p:bgPr>
+        <a:solidFill>
+          <a:schemeClr val="bg1"/>
+        </a:solidFill>
+        <a:effectLst/>
+      </p:bgPr>
+    </p:bg>
+    <p:spTree>
+      <p:nvGrpSpPr>
+        <p:cNvPr id="1" name=""/>
+        <p:cNvGrpSpPr/>
+        <p:nvPr/>
+      </p:nvGrpSpPr>
+      <p:grpSpPr>
+        <a:xfrm>
+          <a:off x="0" y="0"/>
+          <a:ext cx="0" cy="0"/>
+          <a:chOff x="0" y="0"/>
+          <a:chExt cx="0" cy="0"/>
+        </a:xfrm>
+      </p:grpSpPr>
+      <p:sp>
+        <p:nvSpPr>
+          <p:cNvPr id="9" name="Rectangle 8">
+            <a:extLst>
+              <a:ext uri="{FF2B5EF4-FFF2-40B4-BE49-F238E27FC236}">
+                <a16:creationId xmlns:a16="http://schemas.microsoft.com/office/drawing/2014/main" id="{6A166780-9337-4437-95D3-5EA9D55AAAC5}"/>
+              </a:ext>
+              <a:ext uri="{C183D7F6-B498-43B3-948B-1728B52AA6E4}">
+                <adec:decorative xmlns:adec="http://schemas.microsoft.com/office/drawing/2017/decorative" val="1"/>
+              </a:ext>
+            </a:extLst>
+          </p:cNvPr>
+          <p:cNvSpPr>
+            <a:spLocks noGrp="1" noRot="1" noChangeAspect="1" noMove="1" noResize="1" noEditPoints="1" noAdjustHandles="1" noChangeArrowheads="1" noChangeShapeType="1" noTextEdit="1"/>
+          </p:cNvSpPr>
+          <p:nvPr>
+            <p:extLst>
+              <p:ext uri="{386F3935-93C4-4BCD-93E2-E3B085C9AB24}">
+                <p16:designElem xmlns:p16="http://schemas.microsoft.com/office/powerpoint/2015/main" val="1"/>
+              </p:ext>
+            </p:extLst>
+          </p:nvPr>
+        </p:nvSpPr>
+        <p:spPr>
+          <a:xfrm>
+            <a:off x="0" y="0"/>
+            <a:ext cx="12192000" cy="6858000"/>
+          </a:xfrm>
+          <a:prstGeom prst="rect">
+            <a:avLst/>
+          </a:prstGeom>
+          <a:ln>
+            <a:noFill/>
+          </a:ln>
+        </p:spPr>
+        <p:style>
+          <a:lnRef idx="2">
+            <a:schemeClr val="accent1">
+              <a:shade val="50000"/>
+            </a:schemeClr>
+          </a:lnRef>
+          <a:fillRef idx="1003">
+            <a:schemeClr val="dk2"/>
+          </a:fillRef>
+          <a:effectRef idx="0">
+            <a:schemeClr val="accent1"/>
+          </a:effectRef>
+          <a:fontRef idx="minor">
+            <a:schemeClr val="lt1"/>
+          </a:fontRef>
+        </p:style>
+        <p:txBody>
+          <a:bodyPr rtlCol="0" anchor="ctr"/>
+          <a:lstStyle/>
+          <a:p>
+            <a:pPr algn="ctr"/>
+            <a:endParaRPr lang="en-US"/>
+          </a:p>
+        </p:txBody>
+      </p:sp>
+      <p:sp>
+        <p:nvSpPr>
+          <p:cNvPr id="11" name="Rectangle 10">
+            <a:extLst>
+              <a:ext uri="{FF2B5EF4-FFF2-40B4-BE49-F238E27FC236}">
+                <a16:creationId xmlns:a16="http://schemas.microsoft.com/office/drawing/2014/main" id="{EB3D0F40-BF1F-4120-945D-90C5AAD6E35A}"/>
+              </a:ext>
+              <a:ext uri="{C183D7F6-B498-43B3-948B-1728B52AA6E4}">
+                <adec:decorative xmlns:adec="http://schemas.microsoft.com/office/drawing/2017/decorative" val="1"/>
+              </a:ext>
+            </a:extLst>
+          </p:cNvPr>
+          <p:cNvSpPr>
+            <a:spLocks noGrp="1" noRot="1" noChangeAspect="1" noMove="1" noResize="1" noEditPoints="1" noAdjustHandles="1" noChangeArrowheads="1" noChangeShapeType="1" noTextEdit="1"/>
+          </p:cNvSpPr>
+          <p:nvPr>
+            <p:extLst>
+              <p:ext uri="{386F3935-93C4-4BCD-93E2-E3B085C9AB24}">
+                <p16:designElem xmlns:p16="http://schemas.microsoft.com/office/powerpoint/2015/main" val="1"/>
+              </p:ext>
+            </p:extLst>
+          </p:nvPr>
+        </p:nvSpPr>
+        <p:spPr>
+          <a:xfrm>
+            <a:off x="-3175" y="0"/>
+            <a:ext cx="4654296" cy="6856214"/>
+          </a:xfrm>
+          <a:prstGeom prst="rect">
+            <a:avLst/>
+          </a:prstGeom>
+          <a:blipFill dpi="0" rotWithShape="1">
+            <a:blip r:embed="rId2"/>
+            <a:srcRect/>
+            <a:tile tx="0" ty="0" sx="100000" sy="100000" flip="none" algn="tl"/>
+          </a:blipFill>
+          <a:ln>
+            <a:noFill/>
+          </a:ln>
+        </p:spPr>
+        <p:style>
+          <a:lnRef idx="2">
+            <a:schemeClr val="accent1">
+              <a:shade val="50000"/>
+            </a:schemeClr>
+          </a:lnRef>
+          <a:fillRef idx="1003">
+            <a:schemeClr val="lt2"/>
+          </a:fillRef>
+          <a:effectRef idx="0">
+            <a:schemeClr val="accent1"/>
+          </a:effectRef>
+          <a:fontRef idx="minor">
+            <a:schemeClr val="lt1"/>
+          </a:fontRef>
+        </p:style>
+        <p:txBody>
+          <a:bodyPr rtlCol="0" anchor="ctr"/>
+          <a:lstStyle/>
+          <a:p>
+            <a:pPr algn="ctr"/>
+            <a:endParaRPr lang="en-US"/>
+          </a:p>
+        </p:txBody>
+      </p:sp>
+      <p:pic>
+        <p:nvPicPr>
+          <p:cNvPr id="13" name="Picture 12">
+            <a:extLst>
+              <a:ext uri="{FF2B5EF4-FFF2-40B4-BE49-F238E27FC236}">
+                <a16:creationId xmlns:a16="http://schemas.microsoft.com/office/drawing/2014/main" id="{15640A69-3748-450C-8DDB-B2051AC04BC7}"/>
+              </a:ext>
+              <a:ext uri="{C183D7F6-B498-43B3-948B-1728B52AA6E4}">
+                <adec:decorative xmlns:adec="http://schemas.microsoft.com/office/drawing/2017/decorative" val="1"/>
+              </a:ext>
+            </a:extLst>
+          </p:cNvPr>
+          <p:cNvPicPr>
+            <a:picLocks noGrp="1" noRot="1" noChangeAspect="1" noMove="1" noResize="1" noEditPoints="1" noAdjustHandles="1" noChangeArrowheads="1" noChangeShapeType="1" noCrop="1"/>
+          </p:cNvPicPr>
+          <p:nvPr>
+            <p:extLst>
+              <p:ext uri="{386F3935-93C4-4BCD-93E2-E3B085C9AB24}">
+                <p16:designElem xmlns:p16="http://schemas.microsoft.com/office/powerpoint/2015/main" val="1"/>
+              </p:ext>
+            </p:extLst>
+          </p:nvPr>
+        </p:nvPicPr>
+        <p:blipFill rotWithShape="1">
+          <a:blip r:embed="rId3">
+            <a:extLst>
+              <a:ext uri="{28A0092B-C50C-407E-A947-70E740481C1C}">
+                <a14:useLocalDpi xmlns:a14="http://schemas.microsoft.com/office/drawing/2010/main" val="0"/>
+              </a:ext>
+            </a:extLst>
+          </a:blip>
+          <a:srcRect r="61893"/>
+          <a:stretch/>
+        </p:blipFill>
+        <p:spPr>
+          <a:xfrm>
+            <a:off x="0" y="0"/>
+            <a:ext cx="4644770" cy="6856214"/>
+          </a:xfrm>
+          <a:prstGeom prst="rect">
+            <a:avLst/>
+          </a:prstGeom>
+        </p:spPr>
+      </p:pic>
+      <p:sp>
+        <p:nvSpPr>
+          <p:cNvPr id="2" name="Title 1">
+            <a:extLst>
+              <a:ext uri="{FF2B5EF4-FFF2-40B4-BE49-F238E27FC236}">
+                <a16:creationId xmlns:a16="http://schemas.microsoft.com/office/drawing/2014/main" id="{75855983-63D5-6A4C-8E74-45F02E771D9B}"/>
+              </a:ext>
+            </a:extLst>
+          </p:cNvPr>
+          <p:cNvSpPr>
+            <a:spLocks noGrp="1"/>
+          </p:cNvSpPr>
+          <p:nvPr>
+            <p:ph type="title"/>
+          </p:nvPr>
+        </p:nvSpPr>
+        <p:spPr>
+          <a:xfrm>
+            <a:off x="685801" y="643466"/>
+            <a:ext cx="3351530" cy="4995333"/>
+          </a:xfrm>
+        </p:spPr>
+        <p:txBody>
+          <a:bodyPr>
+            <a:normAutofit/>
+          </a:bodyPr>
+          <a:lstStyle/>
+          <a:p>
+            <a:r>
+              <a:rPr lang="en-CN">
+                <a:solidFill>
+                  <a:srgbClr val="FFFFFF"/>
+                </a:solidFill>
+              </a:rPr>
+              <a:t>目录</a:t>
+            </a:r>
+          </a:p>
+        </p:txBody>
+      </p:sp>
+      <p:sp useBgFill="1">
+        <p:nvSpPr>
+          <p:cNvPr id="15" name="Rectangle 14">
+            <a:extLst>
+              <a:ext uri="{FF2B5EF4-FFF2-40B4-BE49-F238E27FC236}">
+                <a16:creationId xmlns:a16="http://schemas.microsoft.com/office/drawing/2014/main" id="{66F4F323-644B-4A47-97E9-BFB73840F402}"/>
+              </a:ext>
+              <a:ext uri="{C183D7F6-B498-43B3-948B-1728B52AA6E4}">
+                <adec:decorative xmlns:adec="http://schemas.microsoft.com/office/drawing/2017/decorative" val="1"/>
+              </a:ext>
+            </a:extLst>
+          </p:cNvPr>
+          <p:cNvSpPr>
+            <a:spLocks noGrp="1" noRot="1" noChangeAspect="1" noMove="1" noResize="1" noEditPoints="1" noAdjustHandles="1" noChangeArrowheads="1" noChangeShapeType="1" noTextEdit="1"/>
+          </p:cNvSpPr>
+          <p:nvPr>
+            <p:extLst>
+              <p:ext uri="{386F3935-93C4-4BCD-93E2-E3B085C9AB24}">
+                <p16:designElem xmlns:p16="http://schemas.microsoft.com/office/powerpoint/2015/main" val="1"/>
+              </p:ext>
+            </p:extLst>
+          </p:nvPr>
+        </p:nvSpPr>
+        <p:spPr>
+          <a:xfrm>
+            <a:off x="4651120" y="-2"/>
+            <a:ext cx="7537705" cy="6856216"/>
+          </a:xfrm>
+          <a:prstGeom prst="rect">
+            <a:avLst/>
+          </a:prstGeom>
+          <a:ln>
+            <a:noFill/>
+          </a:ln>
+        </p:spPr>
+        <p:style>
+          <a:lnRef idx="2">
+            <a:schemeClr val="accent1">
+              <a:shade val="50000"/>
+            </a:schemeClr>
+          </a:lnRef>
+          <a:fillRef idx="1">
+            <a:schemeClr val="accent1"/>
+          </a:fillRef>
+          <a:effectRef idx="0">
+            <a:schemeClr val="accent1"/>
+          </a:effectRef>
+          <a:fontRef idx="minor">
+            <a:schemeClr val="lt1"/>
+          </a:fontRef>
+        </p:style>
+        <p:txBody>
+          <a:bodyPr rtlCol="0" anchor="ctr"/>
+          <a:lstStyle/>
+          <a:p>
+            <a:pPr algn="ctr"/>
+            <a:endParaRPr lang="en-US"/>
+          </a:p>
+        </p:txBody>
+      </p:sp>
+      <p:graphicFrame>
+        <p:nvGraphicFramePr>
+          <p:cNvPr id="5" name="Content Placeholder 2">
+            <a:extLst>
+              <a:ext uri="{FF2B5EF4-FFF2-40B4-BE49-F238E27FC236}">
+                <a16:creationId xmlns:a16="http://schemas.microsoft.com/office/drawing/2014/main" id="{F7A55610-8FD8-4673-A2B2-7950B8D34206}"/>
+              </a:ext>
+            </a:extLst>
+          </p:cNvPr>
+          <p:cNvGraphicFramePr>
+            <a:graphicFrameLocks noGrp="1"/>
+          </p:cNvGraphicFramePr>
+          <p:nvPr>
+            <p:ph idx="1"/>
+            <p:extLst>
+              <p:ext uri="{D42A27DB-BD31-4B8C-83A1-F6EECF244321}">
+                <p14:modId xmlns:p14="http://schemas.microsoft.com/office/powerpoint/2010/main" val="1245723828"/>
+              </p:ext>
+            </p:extLst>
+          </p:nvPr>
+        </p:nvGraphicFramePr>
+        <p:xfrm>
+          <a:off x="5467509" y="804671"/>
+          <a:ext cx="5886291" cy="4917211"/>
+        </p:xfrm>
+        <a:graphic>
+          <a:graphicData uri="http://schemas.openxmlformats.org/drawingml/2006/diagram">
+            <dgm:relIds xmlns:dgm="http://schemas.openxmlformats.org/drawingml/2006/diagram" xmlns:r="http://schemas.openxmlformats.org/officeDocument/2006/relationships" r:dm="rId4" r:lo="rId5" r:qs="rId6" r:cs="rId7"/>
+          </a:graphicData>
+        </a:graphic>
+      </p:graphicFrame>
+    </p:spTree>
+    <p:extLst>
+      <p:ext uri="{BB962C8B-B14F-4D97-AF65-F5344CB8AC3E}">
+        <p14:creationId xmlns:p14="http://schemas.microsoft.com/office/powerpoint/2010/main" val="706402488"/>
+      </p:ext>
+    </p:extLst>
+  </p:cSld>
+  <p:clrMapOvr>
+    <a:overrideClrMapping bg1="lt1" tx1="dk1" bg2="lt2" tx2="dk2" accent1="accent1" accent2="accent2" accent3="accent3" accent4="accent4" accent5="accent5" accent6="accent6" hlink="hlink" folHlink="folHlink"/>
+  </p:clrMapOvr>
+</p:sld>
+</file>
+
+<file path=ppt/slides/slide12.xml><?xml version="1.0" encoding="utf-8"?>
+<p:sld xmlns:a="http://schemas.openxmlformats.org/drawingml/2006/main" xmlns:r="http://schemas.openxmlformats.org/officeDocument/2006/relationships" xmlns:p="http://schemas.openxmlformats.org/presentationml/2006/main">
+  <p:cSld>
+    <p:spTree>
+      <p:nvGrpSpPr>
+        <p:cNvPr id="1" name=""/>
+        <p:cNvGrpSpPr/>
+        <p:nvPr/>
+      </p:nvGrpSpPr>
+      <p:grpSpPr>
+        <a:xfrm>
+          <a:off x="0" y="0"/>
+          <a:ext cx="0" cy="0"/>
+          <a:chOff x="0" y="0"/>
+          <a:chExt cx="0" cy="0"/>
+        </a:xfrm>
+      </p:grpSpPr>
+      <p:sp>
+        <p:nvSpPr>
+          <p:cNvPr id="2" name="Title 1">
+            <a:extLst>
+              <a:ext uri="{FF2B5EF4-FFF2-40B4-BE49-F238E27FC236}">
+                <a16:creationId xmlns:a16="http://schemas.microsoft.com/office/drawing/2014/main" id="{EBC936FE-CC6A-42A9-A0A5-1AC716B85080}"/>
+              </a:ext>
+            </a:extLst>
+          </p:cNvPr>
+          <p:cNvSpPr>
+            <a:spLocks noGrp="1"/>
+          </p:cNvSpPr>
+          <p:nvPr>
+            <p:ph type="title"/>
+          </p:nvPr>
+        </p:nvSpPr>
+        <p:spPr/>
+        <p:txBody>
+          <a:bodyPr/>
+          <a:lstStyle/>
+          <a:p>
+            <a:r>
+              <a:rPr lang="zh-CN" altLang="en-US" dirty="0"/>
+              <a:t>总结</a:t>
+            </a:r>
+            <a:endParaRPr lang="en-US" dirty="0"/>
+          </a:p>
+        </p:txBody>
+      </p:sp>
+      <p:sp>
+        <p:nvSpPr>
+          <p:cNvPr id="3" name="Content Placeholder 2">
+            <a:extLst>
+              <a:ext uri="{FF2B5EF4-FFF2-40B4-BE49-F238E27FC236}">
+                <a16:creationId xmlns:a16="http://schemas.microsoft.com/office/drawing/2014/main" id="{840351B4-D927-484D-9B83-9BEF956D576D}"/>
+              </a:ext>
+            </a:extLst>
+          </p:cNvPr>
+          <p:cNvSpPr>
+            <a:spLocks noGrp="1"/>
+          </p:cNvSpPr>
+          <p:nvPr>
+            <p:ph idx="1"/>
+          </p:nvPr>
+        </p:nvSpPr>
+        <p:spPr/>
+        <p:txBody>
+          <a:bodyPr/>
+          <a:lstStyle/>
+          <a:p>
+            <a:r>
+              <a:rPr lang="zh-CN" altLang="en-US" dirty="0"/>
+              <a:t>理解动态规划中状态转移的实现</a:t>
+            </a:r>
+            <a:endParaRPr lang="en-US" altLang="zh-CN" dirty="0"/>
+          </a:p>
+          <a:p>
+            <a:r>
+              <a:rPr lang="zh-CN" altLang="en-US" dirty="0"/>
+              <a:t>掌握使用</a:t>
+            </a:r>
+            <a:r>
+              <a:rPr lang="en-US" altLang="zh-CN" dirty="0"/>
+              <a:t>excel</a:t>
+            </a:r>
+            <a:r>
+              <a:rPr lang="zh-CN" altLang="en-US" dirty="0"/>
+              <a:t>对算法过程进行分析的方法</a:t>
+            </a:r>
+            <a:endParaRPr lang="en-US" dirty="0"/>
+          </a:p>
+        </p:txBody>
+      </p:sp>
+    </p:spTree>
+    <p:extLst>
+      <p:ext uri="{BB962C8B-B14F-4D97-AF65-F5344CB8AC3E}">
+        <p14:creationId xmlns:p14="http://schemas.microsoft.com/office/powerpoint/2010/main" val="3223186299"/>
       </p:ext>
     </p:extLst>
   </p:cSld>
@@ -26614,7 +33540,7 @@
             <p:ph idx="1"/>
             <p:extLst>
               <p:ext uri="{D42A27DB-BD31-4B8C-83A1-F6EECF244321}">
-                <p14:modId xmlns:p14="http://schemas.microsoft.com/office/powerpoint/2010/main" val="220874888"/>
+                <p14:modId xmlns:p14="http://schemas.microsoft.com/office/powerpoint/2010/main" val="1019385124"/>
               </p:ext>
             </p:extLst>
           </p:nvPr>
@@ -26938,6 +33864,67 @@
                                           <p:spTgt spid="5">
                                             <p:graphicEl>
                                               <a:dgm id="{D020B8C6-3554-F742-AA33-277C83DE2795}"/>
+                                            </p:graphicEl>
+                                          </p:spTgt>
+                                        </p:tgtEl>
+                                      </p:cBhvr>
+                                    </p:animEffect>
+                                  </p:childTnLst>
+                                </p:cTn>
+                              </p:par>
+                            </p:childTnLst>
+                          </p:cTn>
+                        </p:par>
+                      </p:childTnLst>
+                    </p:cTn>
+                  </p:par>
+                  <p:par>
+                    <p:cTn id="28" fill="hold">
+                      <p:stCondLst>
+                        <p:cond delay="indefinite"/>
+                      </p:stCondLst>
+                      <p:childTnLst>
+                        <p:par>
+                          <p:cTn id="29" fill="hold">
+                            <p:stCondLst>
+                              <p:cond delay="0"/>
+                            </p:stCondLst>
+                            <p:childTnLst>
+                              <p:par>
+                                <p:cTn id="30" presetID="9" presetClass="entr" presetSubtype="0" fill="hold" grpId="0" nodeType="clickEffect">
+                                  <p:stCondLst>
+                                    <p:cond delay="0"/>
+                                  </p:stCondLst>
+                                  <p:childTnLst>
+                                    <p:set>
+                                      <p:cBhvr>
+                                        <p:cTn id="31" dur="1" fill="hold">
+                                          <p:stCondLst>
+                                            <p:cond delay="0"/>
+                                          </p:stCondLst>
+                                        </p:cTn>
+                                        <p:tgtEl>
+                                          <p:spTgt spid="5">
+                                            <p:graphicEl>
+                                              <a:dgm id="{575748B0-1492-4744-9848-F1087F15FF05}"/>
+                                            </p:graphicEl>
+                                          </p:spTgt>
+                                        </p:tgtEl>
+                                        <p:attrNameLst>
+                                          <p:attrName>style.visibility</p:attrName>
+                                        </p:attrNameLst>
+                                      </p:cBhvr>
+                                      <p:to>
+                                        <p:strVal val="visible"/>
+                                      </p:to>
+                                    </p:set>
+                                    <p:animEffect transition="in" filter="dissolve">
+                                      <p:cBhvr>
+                                        <p:cTn id="32" dur="500"/>
+                                        <p:tgtEl>
+                                          <p:spTgt spid="5">
+                                            <p:graphicEl>
+                                              <a:dgm id="{575748B0-1492-4744-9848-F1087F15FF05}"/>
                                             </p:graphicEl>
                                           </p:spTgt>
                                         </p:tgtEl>
@@ -28283,6 +35270,13 @@
             </a:r>
             <a:endParaRPr lang="en-US" altLang="zh-CN" dirty="0"/>
           </a:p>
+          <a:p>
+            <a:r>
+              <a:rPr lang="zh-CN" altLang="en-US" dirty="0"/>
+              <a:t>直到子串长度是整个字符串长度</a:t>
+            </a:r>
+            <a:endParaRPr lang="en-US" altLang="zh-CN" dirty="0"/>
+          </a:p>
         </p:txBody>
       </p:sp>
     </p:spTree>
